--- a/The Power of Great Datasets (PPT).pptx
+++ b/The Power of Great Datasets (PPT).pptx
@@ -5,35 +5,37 @@
     <p:sldMasterId id="2147483648" r:id="rId1"/>
   </p:sldMasterIdLst>
   <p:sldIdLst>
-    <p:sldId id="256" r:id="rId2"/>
+    <p:sldId id="328" r:id="rId2"/>
     <p:sldId id="272" r:id="rId3"/>
-    <p:sldId id="320" r:id="rId4"/>
-    <p:sldId id="304" r:id="rId5"/>
-    <p:sldId id="307" r:id="rId6"/>
-    <p:sldId id="306" r:id="rId7"/>
-    <p:sldId id="313" r:id="rId8"/>
-    <p:sldId id="315" r:id="rId9"/>
-    <p:sldId id="314" r:id="rId10"/>
-    <p:sldId id="316" r:id="rId11"/>
-    <p:sldId id="273" r:id="rId12"/>
-    <p:sldId id="275" r:id="rId13"/>
-    <p:sldId id="324" r:id="rId14"/>
-    <p:sldId id="323" r:id="rId15"/>
-    <p:sldId id="263" r:id="rId16"/>
-    <p:sldId id="310" r:id="rId17"/>
-    <p:sldId id="309" r:id="rId18"/>
-    <p:sldId id="311" r:id="rId19"/>
-    <p:sldId id="295" r:id="rId20"/>
-    <p:sldId id="276" r:id="rId21"/>
-    <p:sldId id="317" r:id="rId22"/>
-    <p:sldId id="297" r:id="rId23"/>
-    <p:sldId id="267" r:id="rId24"/>
-    <p:sldId id="319" r:id="rId25"/>
-    <p:sldId id="286" r:id="rId26"/>
-    <p:sldId id="291" r:id="rId27"/>
-    <p:sldId id="321" r:id="rId28"/>
-    <p:sldId id="322" r:id="rId29"/>
-    <p:sldId id="261" r:id="rId30"/>
+    <p:sldId id="329" r:id="rId4"/>
+    <p:sldId id="320" r:id="rId5"/>
+    <p:sldId id="304" r:id="rId6"/>
+    <p:sldId id="307" r:id="rId7"/>
+    <p:sldId id="306" r:id="rId8"/>
+    <p:sldId id="313" r:id="rId9"/>
+    <p:sldId id="315" r:id="rId10"/>
+    <p:sldId id="314" r:id="rId11"/>
+    <p:sldId id="316" r:id="rId12"/>
+    <p:sldId id="273" r:id="rId13"/>
+    <p:sldId id="275" r:id="rId14"/>
+    <p:sldId id="324" r:id="rId15"/>
+    <p:sldId id="323" r:id="rId16"/>
+    <p:sldId id="263" r:id="rId17"/>
+    <p:sldId id="310" r:id="rId18"/>
+    <p:sldId id="309" r:id="rId19"/>
+    <p:sldId id="311" r:id="rId20"/>
+    <p:sldId id="295" r:id="rId21"/>
+    <p:sldId id="276" r:id="rId22"/>
+    <p:sldId id="317" r:id="rId23"/>
+    <p:sldId id="297" r:id="rId24"/>
+    <p:sldId id="267" r:id="rId25"/>
+    <p:sldId id="325" r:id="rId26"/>
+    <p:sldId id="319" r:id="rId27"/>
+    <p:sldId id="286" r:id="rId28"/>
+    <p:sldId id="291" r:id="rId29"/>
+    <p:sldId id="321" r:id="rId30"/>
+    <p:sldId id="322" r:id="rId31"/>
+    <p:sldId id="326" r:id="rId32"/>
   </p:sldIdLst>
   <p:sldSz cx="12192000" cy="6858000"/>
   <p:notesSz cx="6858000" cy="9144000"/>
@@ -3394,13 +3396,28 @@
             <p:ph type="ctrTitle"/>
           </p:nvPr>
         </p:nvSpPr>
-        <p:spPr/>
-        <p:txBody>
-          <a:bodyPr/>
-          <a:lstStyle/>
-          <a:p>
-            <a:r>
-              <a:rPr lang="en-CA" dirty="0"/>
+        <p:spPr>
+          <a:xfrm>
+            <a:off x="492369" y="1122363"/>
+            <a:ext cx="11157439" cy="2387600"/>
+          </a:xfrm>
+        </p:spPr>
+        <p:txBody>
+          <a:bodyPr>
+            <a:normAutofit/>
+          </a:bodyPr>
+          <a:lstStyle/>
+          <a:p>
+            <a:r>
+              <a:rPr lang="en-CA" dirty="0">
+                <a:solidFill>
+                  <a:schemeClr val="tx1">
+                    <a:lumMod val="75000"/>
+                    <a:lumOff val="25000"/>
+                  </a:schemeClr>
+                </a:solidFill>
+                <a:latin typeface="Bahnschrift" panose="020B0502040204020203" pitchFamily="34" charset="0"/>
+              </a:rPr>
               <a:t>The Power of Great Datasets</a:t>
             </a:r>
           </a:p>
@@ -3424,82 +3441,233 @@
         </p:nvSpPr>
         <p:spPr>
           <a:xfrm>
-            <a:off x="1524000" y="3602037"/>
-            <a:ext cx="9144000" cy="2387599"/>
+            <a:off x="1524000" y="4255477"/>
+            <a:ext cx="9144000" cy="2154115"/>
           </a:xfrm>
         </p:spPr>
         <p:txBody>
           <a:bodyPr>
-            <a:normAutofit fontScale="85000" lnSpcReduction="20000"/>
+            <a:normAutofit fontScale="92500" lnSpcReduction="20000"/>
           </a:bodyPr>
           <a:lstStyle/>
           <a:p>
-            <a:r>
-              <a:rPr lang="en-CA" dirty="0"/>
+            <a:pPr algn="l"/>
+            <a:r>
+              <a:rPr lang="en-CA" sz="2600" dirty="0">
+                <a:solidFill>
+                  <a:schemeClr val="tx1">
+                    <a:lumMod val="75000"/>
+                    <a:lumOff val="25000"/>
+                  </a:schemeClr>
+                </a:solidFill>
+                <a:latin typeface="Bahnschrift" panose="020B0502040204020203" pitchFamily="34" charset="0"/>
+              </a:rPr>
               <a:t>Alex Cookson</a:t>
             </a:r>
           </a:p>
           <a:p>
-            <a:endParaRPr lang="en-CA" dirty="0"/>
-          </a:p>
-          <a:p>
-            <a:r>
-              <a:rPr lang="en-CA" dirty="0"/>
-              <a:t>Twitter: @alexcookson</a:t>
-            </a:r>
-          </a:p>
-          <a:p>
-            <a:r>
-              <a:rPr lang="en-CA" dirty="0"/>
-              <a:t>Email: </a:t>
-            </a:r>
+            <a:endParaRPr lang="en-CA" dirty="0">
+              <a:solidFill>
+                <a:schemeClr val="tx1">
+                  <a:lumMod val="75000"/>
+                  <a:lumOff val="25000"/>
+                </a:schemeClr>
+              </a:solidFill>
+              <a:latin typeface="Bahnschrift Light" panose="020B0502040204020203" pitchFamily="34" charset="0"/>
+            </a:endParaRPr>
+          </a:p>
+          <a:p>
+            <a:pPr algn="l"/>
             <a:r>
               <a:rPr lang="en-CA" dirty="0">
-                <a:hlinkClick r:id="rId2"/>
-              </a:rPr>
-              <a:t>alexander.cookson@gmail.com</a:t>
-            </a:r>
-            <a:endParaRPr lang="en-CA" dirty="0"/>
-          </a:p>
-          <a:p>
-            <a:r>
-              <a:rPr lang="en-CA" dirty="0"/>
-              <a:t>GitHub: github.com/</a:t>
-            </a:r>
-            <a:r>
-              <a:rPr lang="en-CA" dirty="0" err="1"/>
+                <a:solidFill>
+                  <a:schemeClr val="tx1">
+                    <a:lumMod val="75000"/>
+                    <a:lumOff val="25000"/>
+                  </a:schemeClr>
+                </a:solidFill>
+                <a:latin typeface="Bahnschrift Light" panose="020B0502040204020203" pitchFamily="34" charset="0"/>
+              </a:rPr>
+              <a:t>       @alexcookson</a:t>
+            </a:r>
+          </a:p>
+          <a:p>
+            <a:pPr algn="l"/>
+            <a:r>
+              <a:rPr lang="en-CA" dirty="0">
+                <a:solidFill>
+                  <a:schemeClr val="tx1">
+                    <a:lumMod val="75000"/>
+                    <a:lumOff val="25000"/>
+                  </a:schemeClr>
+                </a:solidFill>
+                <a:latin typeface="Bahnschrift Light" panose="020B0502040204020203" pitchFamily="34" charset="0"/>
+              </a:rPr>
+              <a:t>       </a:t>
+            </a:r>
+            <a:r>
+              <a:rPr lang="en-CA" dirty="0" err="1">
+                <a:solidFill>
+                  <a:schemeClr val="tx1">
+                    <a:lumMod val="75000"/>
+                    <a:lumOff val="25000"/>
+                  </a:schemeClr>
+                </a:solidFill>
+                <a:latin typeface="Bahnschrift Light" panose="020B0502040204020203" pitchFamily="34" charset="0"/>
+              </a:rPr>
               <a:t>tacookson</a:t>
             </a:r>
-            <a:endParaRPr lang="en-CA" dirty="0"/>
-          </a:p>
-          <a:p>
-            <a:r>
-              <a:rPr lang="en-CA" dirty="0"/>
-              <a:t>Website: </a:t>
-            </a:r>
-            <a:r>
-              <a:rPr lang="en-CA" dirty="0">
-                <a:hlinkClick r:id="rId3"/>
-              </a:rPr>
-              <a:t>www.alexcookson.com</a:t>
-            </a:r>
-            <a:endParaRPr lang="en-CA" dirty="0"/>
-          </a:p>
-          <a:p>
-            <a:r>
-              <a:rPr lang="en-CA" dirty="0"/>
+            <a:endParaRPr lang="en-CA" dirty="0">
+              <a:solidFill>
+                <a:schemeClr val="tx1">
+                  <a:lumMod val="75000"/>
+                  <a:lumOff val="25000"/>
+                </a:schemeClr>
+              </a:solidFill>
+              <a:latin typeface="Bahnschrift Light" panose="020B0502040204020203" pitchFamily="34" charset="0"/>
+            </a:endParaRPr>
+          </a:p>
+          <a:p>
+            <a:pPr algn="l"/>
+            <a:endParaRPr lang="en-CA" dirty="0">
+              <a:solidFill>
+                <a:schemeClr val="tx1">
+                  <a:lumMod val="75000"/>
+                  <a:lumOff val="25000"/>
+                </a:schemeClr>
+              </a:solidFill>
+              <a:latin typeface="Bahnschrift Light" panose="020B0502040204020203" pitchFamily="34" charset="0"/>
+            </a:endParaRPr>
+          </a:p>
+          <a:p>
+            <a:pPr algn="l"/>
+            <a:r>
+              <a:rPr lang="en-CA" sz="1500" dirty="0">
+                <a:solidFill>
+                  <a:schemeClr val="tx1">
+                    <a:lumMod val="75000"/>
+                    <a:lumOff val="25000"/>
+                  </a:schemeClr>
+                </a:solidFill>
+                <a:latin typeface="Bahnschrift Light" panose="020B0502040204020203" pitchFamily="34" charset="0"/>
+              </a:rPr>
               <a:t>Thank You Allison Horst for the amazing illustration</a:t>
             </a:r>
           </a:p>
-          <a:p>
-            <a:endParaRPr lang="en-CA" dirty="0"/>
-          </a:p>
-        </p:txBody>
-      </p:sp>
+        </p:txBody>
+      </p:sp>
+      <p:pic>
+        <p:nvPicPr>
+          <p:cNvPr id="7" name="Picture 6">
+            <a:extLst>
+              <a:ext uri="{FF2B5EF4-FFF2-40B4-BE49-F238E27FC236}">
+                <a16:creationId xmlns:a16="http://schemas.microsoft.com/office/drawing/2014/main" id="{92673A86-C079-4393-BD7B-276A975C4318}"/>
+              </a:ext>
+            </a:extLst>
+          </p:cNvPr>
+          <p:cNvPicPr>
+            <a:picLocks noChangeAspect="1"/>
+          </p:cNvPicPr>
+          <p:nvPr/>
+        </p:nvPicPr>
+        <p:blipFill>
+          <a:blip r:embed="rId2">
+            <a:extLst>
+              <a:ext uri="{28A0092B-C50C-407E-A947-70E740481C1C}">
+                <a14:useLocalDpi xmlns:a14="http://schemas.microsoft.com/office/drawing/2010/main" val="0"/>
+              </a:ext>
+            </a:extLst>
+          </a:blip>
+          <a:stretch>
+            <a:fillRect/>
+          </a:stretch>
+        </p:blipFill>
+        <p:spPr>
+          <a:xfrm>
+            <a:off x="1649645" y="5351584"/>
+            <a:ext cx="284087" cy="284087"/>
+          </a:xfrm>
+          <a:prstGeom prst="rect">
+            <a:avLst/>
+          </a:prstGeom>
+        </p:spPr>
+      </p:pic>
+      <p:pic>
+        <p:nvPicPr>
+          <p:cNvPr id="9" name="Picture 8">
+            <a:extLst>
+              <a:ext uri="{FF2B5EF4-FFF2-40B4-BE49-F238E27FC236}">
+                <a16:creationId xmlns:a16="http://schemas.microsoft.com/office/drawing/2014/main" id="{C7FE7711-ACCF-426E-829E-223B1DD0A5B0}"/>
+              </a:ext>
+            </a:extLst>
+          </p:cNvPr>
+          <p:cNvPicPr>
+            <a:picLocks noChangeAspect="1"/>
+          </p:cNvPicPr>
+          <p:nvPr/>
+        </p:nvPicPr>
+        <p:blipFill>
+          <a:blip r:embed="rId3">
+            <a:extLst>
+              <a:ext uri="{28A0092B-C50C-407E-A947-70E740481C1C}">
+                <a14:useLocalDpi xmlns:a14="http://schemas.microsoft.com/office/drawing/2010/main" val="0"/>
+              </a:ext>
+            </a:extLst>
+          </a:blip>
+          <a:stretch>
+            <a:fillRect/>
+          </a:stretch>
+        </p:blipFill>
+        <p:spPr>
+          <a:xfrm>
+            <a:off x="1649488" y="4970622"/>
+            <a:ext cx="284400" cy="284400"/>
+          </a:xfrm>
+          <a:prstGeom prst="rect">
+            <a:avLst/>
+          </a:prstGeom>
+        </p:spPr>
+      </p:pic>
+      <p:pic>
+        <p:nvPicPr>
+          <p:cNvPr id="5" name="Picture 4" descr="Shape, arrow&#10;&#10;Description automatically generated">
+            <a:extLst>
+              <a:ext uri="{FF2B5EF4-FFF2-40B4-BE49-F238E27FC236}">
+                <a16:creationId xmlns:a16="http://schemas.microsoft.com/office/drawing/2014/main" id="{97805194-5538-4F22-83DC-03E09C24E0FB}"/>
+              </a:ext>
+            </a:extLst>
+          </p:cNvPr>
+          <p:cNvPicPr>
+            <a:picLocks noChangeAspect="1"/>
+          </p:cNvPicPr>
+          <p:nvPr/>
+        </p:nvPicPr>
+        <p:blipFill>
+          <a:blip r:embed="rId4">
+            <a:extLst>
+              <a:ext uri="{28A0092B-C50C-407E-A947-70E740481C1C}">
+                <a14:useLocalDpi xmlns:a14="http://schemas.microsoft.com/office/drawing/2010/main" val="0"/>
+              </a:ext>
+            </a:extLst>
+          </a:blip>
+          <a:stretch>
+            <a:fillRect/>
+          </a:stretch>
+        </p:blipFill>
+        <p:spPr>
+          <a:xfrm>
+            <a:off x="5761892" y="6086475"/>
+            <a:ext cx="193268" cy="193268"/>
+          </a:xfrm>
+          <a:prstGeom prst="rect">
+            <a:avLst/>
+          </a:prstGeom>
+        </p:spPr>
+      </p:pic>
     </p:spTree>
     <p:extLst>
       <p:ext uri="{BB962C8B-B14F-4D97-AF65-F5344CB8AC3E}">
-        <p14:creationId xmlns:p14="http://schemas.microsoft.com/office/powerpoint/2010/main" val="2888578417"/>
+        <p14:creationId xmlns:p14="http://schemas.microsoft.com/office/powerpoint/2010/main" val="2447379483"/>
       </p:ext>
     </p:extLst>
   </p:cSld>
@@ -3614,139 +3782,10 @@
           </a:p>
         </p:txBody>
       </p:sp>
-      <p:sp>
-        <p:nvSpPr>
-          <p:cNvPr id="3" name="TextBox 2">
-            <a:extLst>
-              <a:ext uri="{FF2B5EF4-FFF2-40B4-BE49-F238E27FC236}">
-                <a16:creationId xmlns:a16="http://schemas.microsoft.com/office/drawing/2014/main" id="{55A0758A-CD91-4AD0-965F-07AA5E718B9D}"/>
-              </a:ext>
-            </a:extLst>
-          </p:cNvPr>
-          <p:cNvSpPr txBox="1"/>
-          <p:nvPr/>
-        </p:nvSpPr>
-        <p:spPr>
-          <a:xfrm>
-            <a:off x="627501" y="4108605"/>
-            <a:ext cx="2309129" cy="954107"/>
-          </a:xfrm>
-          <a:prstGeom prst="rect">
-            <a:avLst/>
-          </a:prstGeom>
-          <a:noFill/>
-        </p:spPr>
-        <p:txBody>
-          <a:bodyPr wrap="square" rtlCol="0">
-            <a:spAutoFit/>
-          </a:bodyPr>
-          <a:lstStyle/>
-          <a:p>
-            <a:r>
-              <a:rPr lang="en-CA" sz="2800" dirty="0">
-                <a:solidFill>
-                  <a:schemeClr val="tx1">
-                    <a:lumMod val="75000"/>
-                    <a:lumOff val="25000"/>
-                  </a:schemeClr>
-                </a:solidFill>
-                <a:latin typeface="Gloria Hallelujah" panose="02000000000000000000" pitchFamily="2" charset="0"/>
-              </a:rPr>
-              <a:t>Rouses your curiosity</a:t>
-            </a:r>
-          </a:p>
-        </p:txBody>
-      </p:sp>
-      <p:sp>
-        <p:nvSpPr>
-          <p:cNvPr id="4" name="TextBox 3">
-            <a:extLst>
-              <a:ext uri="{FF2B5EF4-FFF2-40B4-BE49-F238E27FC236}">
-                <a16:creationId xmlns:a16="http://schemas.microsoft.com/office/drawing/2014/main" id="{CD530D96-2B30-438B-A0DF-940382014DB5}"/>
-              </a:ext>
-            </a:extLst>
-          </p:cNvPr>
-          <p:cNvSpPr txBox="1"/>
-          <p:nvPr/>
-        </p:nvSpPr>
-        <p:spPr>
-          <a:xfrm>
-            <a:off x="8833657" y="3754644"/>
-            <a:ext cx="2895281" cy="954107"/>
-          </a:xfrm>
-          <a:prstGeom prst="rect">
-            <a:avLst/>
-          </a:prstGeom>
-          <a:noFill/>
-        </p:spPr>
-        <p:txBody>
-          <a:bodyPr wrap="square" rtlCol="0">
-            <a:spAutoFit/>
-          </a:bodyPr>
-          <a:lstStyle/>
-          <a:p>
-            <a:r>
-              <a:rPr lang="en-CA" sz="2800" dirty="0">
-                <a:solidFill>
-                  <a:schemeClr val="tx1">
-                    <a:lumMod val="75000"/>
-                    <a:lumOff val="25000"/>
-                  </a:schemeClr>
-                </a:solidFill>
-                <a:latin typeface="Gloria Hallelujah" panose="02000000000000000000" pitchFamily="2" charset="0"/>
-              </a:rPr>
-              <a:t>Prompts you to ask questions</a:t>
-            </a:r>
-          </a:p>
-        </p:txBody>
-      </p:sp>
-      <p:sp>
-        <p:nvSpPr>
-          <p:cNvPr id="5" name="TextBox 4">
-            <a:extLst>
-              <a:ext uri="{FF2B5EF4-FFF2-40B4-BE49-F238E27FC236}">
-                <a16:creationId xmlns:a16="http://schemas.microsoft.com/office/drawing/2014/main" id="{5D087A02-C252-43EA-9ED1-D3C0CA13A201}"/>
-              </a:ext>
-            </a:extLst>
-          </p:cNvPr>
-          <p:cNvSpPr txBox="1"/>
-          <p:nvPr/>
-        </p:nvSpPr>
-        <p:spPr>
-          <a:xfrm>
-            <a:off x="797170" y="5773282"/>
-            <a:ext cx="2309129" cy="954107"/>
-          </a:xfrm>
-          <a:prstGeom prst="rect">
-            <a:avLst/>
-          </a:prstGeom>
-          <a:noFill/>
-        </p:spPr>
-        <p:txBody>
-          <a:bodyPr wrap="square" rtlCol="0">
-            <a:spAutoFit/>
-          </a:bodyPr>
-          <a:lstStyle/>
-          <a:p>
-            <a:r>
-              <a:rPr lang="en-CA" sz="2800" dirty="0">
-                <a:solidFill>
-                  <a:schemeClr val="tx1">
-                    <a:lumMod val="75000"/>
-                    <a:lumOff val="25000"/>
-                  </a:schemeClr>
-                </a:solidFill>
-                <a:latin typeface="Gloria Hallelujah" panose="02000000000000000000" pitchFamily="2" charset="0"/>
-              </a:rPr>
-              <a:t>“Just one more graph”</a:t>
-            </a:r>
-          </a:p>
-        </p:txBody>
-      </p:sp>
     </p:spTree>
     <p:extLst>
       <p:ext uri="{BB962C8B-B14F-4D97-AF65-F5344CB8AC3E}">
-        <p14:creationId xmlns:p14="http://schemas.microsoft.com/office/powerpoint/2010/main" val="3156285834"/>
+        <p14:creationId xmlns:p14="http://schemas.microsoft.com/office/powerpoint/2010/main" val="779240908"/>
       </p:ext>
     </p:extLst>
   </p:cSld>
@@ -3773,73 +3812,100 @@
           <a:chExt cx="0" cy="0"/>
         </a:xfrm>
       </p:grpSpPr>
-      <p:pic>
-        <p:nvPicPr>
-          <p:cNvPr id="1030" name="Picture 6" descr="white and black zebra animal on brown wooden floor">
-            <a:extLst>
-              <a:ext uri="{FF2B5EF4-FFF2-40B4-BE49-F238E27FC236}">
-                <a16:creationId xmlns:a16="http://schemas.microsoft.com/office/drawing/2014/main" id="{3E1A086A-DE65-4806-9B1F-35278C1588FC}"/>
-              </a:ext>
-            </a:extLst>
-          </p:cNvPr>
-          <p:cNvPicPr>
-            <a:picLocks noChangeAspect="1" noChangeArrowheads="1"/>
-          </p:cNvPicPr>
+      <p:sp>
+        <p:nvSpPr>
+          <p:cNvPr id="8" name="TextBox 7">
+            <a:extLst>
+              <a:ext uri="{FF2B5EF4-FFF2-40B4-BE49-F238E27FC236}">
+                <a16:creationId xmlns:a16="http://schemas.microsoft.com/office/drawing/2014/main" id="{4FD667B5-2D1E-4ABF-92E8-324096A6768B}"/>
+              </a:ext>
+            </a:extLst>
+          </p:cNvPr>
+          <p:cNvSpPr txBox="1"/>
           <p:nvPr/>
-        </p:nvPicPr>
-        <p:blipFill rotWithShape="1">
-          <a:blip r:embed="rId2">
-            <a:duotone>
-              <a:prstClr val="black"/>
-              <a:srgbClr val="D9C3A5">
-                <a:tint val="50000"/>
-                <a:satMod val="180000"/>
-              </a:srgbClr>
-            </a:duotone>
-            <a:extLst>
-              <a:ext uri="{BEBA8EAE-BF5A-486C-A8C5-ECC9F3942E4B}">
-                <a14:imgProps xmlns:a14="http://schemas.microsoft.com/office/drawing/2010/main">
-                  <a14:imgLayer r:embed="rId3">
-                    <a14:imgEffect>
-                      <a14:saturation sat="0"/>
-                    </a14:imgEffect>
-                  </a14:imgLayer>
-                </a14:imgProps>
-              </a:ext>
-              <a:ext uri="{28A0092B-C50C-407E-A947-70E740481C1C}">
-                <a14:useLocalDpi xmlns:a14="http://schemas.microsoft.com/office/drawing/2010/main" val="0"/>
-              </a:ext>
-            </a:extLst>
-          </a:blip>
-          <a:srcRect t="12500" b="12500"/>
-          <a:stretch/>
-        </p:blipFill>
-        <p:spPr bwMode="auto">
+        </p:nvSpPr>
+        <p:spPr>
           <a:xfrm>
-            <a:off x="0" y="0"/>
-            <a:ext cx="12192000" cy="6858000"/>
+            <a:off x="1591068" y="951398"/>
+            <a:ext cx="9009864" cy="5170646"/>
           </a:xfrm>
           <a:prstGeom prst="rect">
             <a:avLst/>
           </a:prstGeom>
           <a:noFill/>
-          <a:extLst>
-            <a:ext uri="{909E8E84-426E-40DD-AFC4-6F175D3DCCD1}">
-              <a14:hiddenFill xmlns:a14="http://schemas.microsoft.com/office/drawing/2010/main">
-                <a:solidFill>
-                  <a:srgbClr val="FFFFFF"/>
-                </a:solidFill>
-              </a14:hiddenFill>
-            </a:ext>
-          </a:extLst>
-        </p:spPr>
-      </p:pic>
-      <p:sp>
-        <p:nvSpPr>
-          <p:cNvPr id="7" name="TextBox 6">
-            <a:extLst>
-              <a:ext uri="{FF2B5EF4-FFF2-40B4-BE49-F238E27FC236}">
-                <a16:creationId xmlns:a16="http://schemas.microsoft.com/office/drawing/2014/main" id="{2C577304-FE38-4F26-8128-76D2BF8642A9}"/>
+        </p:spPr>
+        <p:txBody>
+          <a:bodyPr wrap="square" rtlCol="0">
+            <a:spAutoFit/>
+          </a:bodyPr>
+          <a:lstStyle/>
+          <a:p>
+            <a:pPr algn="ctr"/>
+            <a:r>
+              <a:rPr lang="en-CA" sz="6600" dirty="0">
+                <a:solidFill>
+                  <a:schemeClr val="bg1">
+                    <a:lumMod val="85000"/>
+                  </a:schemeClr>
+                </a:solidFill>
+                <a:latin typeface="Gloria Hallelujah" panose="02000000000000000000" pitchFamily="2" charset="0"/>
+              </a:rPr>
+              <a:t>Great Datasets are </a:t>
+            </a:r>
+            <a:r>
+              <a:rPr lang="en-CA" sz="8800" dirty="0">
+                <a:solidFill>
+                  <a:schemeClr val="bg1">
+                    <a:lumMod val="85000"/>
+                  </a:schemeClr>
+                </a:solidFill>
+                <a:latin typeface="African" pitchFamily="2" charset="0"/>
+              </a:rPr>
+              <a:t>COOL</a:t>
+            </a:r>
+          </a:p>
+          <a:p>
+            <a:pPr algn="ctr">
+              <a:spcBef>
+                <a:spcPts val="1800"/>
+              </a:spcBef>
+            </a:pPr>
+            <a:r>
+              <a:rPr lang="en-CA" sz="6600" dirty="0">
+                <a:solidFill>
+                  <a:schemeClr val="bg1">
+                    <a:lumMod val="85000"/>
+                  </a:schemeClr>
+                </a:solidFill>
+                <a:latin typeface="Gloria Hallelujah" panose="02000000000000000000" pitchFamily="2" charset="0"/>
+              </a:rPr>
+              <a:t>and</a:t>
+            </a:r>
+          </a:p>
+          <a:p>
+            <a:pPr algn="ctr">
+              <a:spcBef>
+                <a:spcPts val="1800"/>
+              </a:spcBef>
+            </a:pPr>
+            <a:r>
+              <a:rPr lang="en-CA" sz="8000" dirty="0">
+                <a:solidFill>
+                  <a:srgbClr val="00823B"/>
+                </a:solidFill>
+                <a:latin typeface="Jokerman" panose="04090605060D06020702" pitchFamily="82" charset="0"/>
+              </a:rPr>
+              <a:t>INTERESTING</a:t>
+            </a:r>
+          </a:p>
+        </p:txBody>
+      </p:sp>
+      <p:sp>
+        <p:nvSpPr>
+          <p:cNvPr id="3" name="TextBox 2">
+            <a:extLst>
+              <a:ext uri="{FF2B5EF4-FFF2-40B4-BE49-F238E27FC236}">
+                <a16:creationId xmlns:a16="http://schemas.microsoft.com/office/drawing/2014/main" id="{55A0758A-CD91-4AD0-965F-07AA5E718B9D}"/>
               </a:ext>
             </a:extLst>
           </p:cNvPr>
@@ -3848,8 +3914,8 @@
         </p:nvSpPr>
         <p:spPr>
           <a:xfrm>
-            <a:off x="214184" y="5472959"/>
-            <a:ext cx="4313854" cy="830997"/>
+            <a:off x="627501" y="4108605"/>
+            <a:ext cx="2309129" cy="954107"/>
           </a:xfrm>
           <a:prstGeom prst="rect">
             <a:avLst/>
@@ -3863,26 +3929,26 @@
           <a:lstStyle/>
           <a:p>
             <a:r>
-              <a:rPr lang="en-CA" sz="2400" dirty="0">
-                <a:solidFill>
-                  <a:schemeClr val="accent4">
-                    <a:lumMod val="40000"/>
-                    <a:lumOff val="60000"/>
+              <a:rPr lang="en-CA" sz="2800" dirty="0">
+                <a:solidFill>
+                  <a:schemeClr val="tx1">
+                    <a:lumMod val="75000"/>
+                    <a:lumOff val="25000"/>
                   </a:schemeClr>
                 </a:solidFill>
                 <a:latin typeface="Gloria Hallelujah" panose="02000000000000000000" pitchFamily="2" charset="0"/>
               </a:rPr>
-              <a:t>Ring-tailed Lemurs have an average weight of 2.2kg</a:t>
-            </a:r>
-          </a:p>
-        </p:txBody>
-      </p:sp>
-      <p:sp>
-        <p:nvSpPr>
-          <p:cNvPr id="8" name="TextBox 7">
-            <a:extLst>
-              <a:ext uri="{FF2B5EF4-FFF2-40B4-BE49-F238E27FC236}">
-                <a16:creationId xmlns:a16="http://schemas.microsoft.com/office/drawing/2014/main" id="{CDB9FD09-462F-4030-A420-0DF1AB41ED9F}"/>
+              <a:t>Rouses your curiosity</a:t>
+            </a:r>
+          </a:p>
+        </p:txBody>
+      </p:sp>
+      <p:sp>
+        <p:nvSpPr>
+          <p:cNvPr id="4" name="TextBox 3">
+            <a:extLst>
+              <a:ext uri="{FF2B5EF4-FFF2-40B4-BE49-F238E27FC236}">
+                <a16:creationId xmlns:a16="http://schemas.microsoft.com/office/drawing/2014/main" id="{CD530D96-2B30-438B-A0DF-940382014DB5}"/>
               </a:ext>
             </a:extLst>
           </p:cNvPr>
@@ -3891,8 +3957,8 @@
         </p:nvSpPr>
         <p:spPr>
           <a:xfrm>
-            <a:off x="4712677" y="338315"/>
-            <a:ext cx="7728439" cy="954107"/>
+            <a:off x="8833657" y="3754644"/>
+            <a:ext cx="2895281" cy="954107"/>
           </a:xfrm>
           <a:prstGeom prst="rect">
             <a:avLst/>
@@ -3906,16 +3972,59 @@
           <a:lstStyle/>
           <a:p>
             <a:r>
-              <a:rPr lang="en-CA" sz="5600" b="1" dirty="0">
-                <a:solidFill>
-                  <a:schemeClr val="accent4">
-                    <a:lumMod val="40000"/>
-                    <a:lumOff val="60000"/>
+              <a:rPr lang="en-CA" sz="2800" dirty="0">
+                <a:solidFill>
+                  <a:schemeClr val="tx1">
+                    <a:lumMod val="75000"/>
+                    <a:lumOff val="25000"/>
                   </a:schemeClr>
                 </a:solidFill>
                 <a:latin typeface="Gloria Hallelujah" panose="02000000000000000000" pitchFamily="2" charset="0"/>
               </a:rPr>
-              <a:t>Duke Lemur Center</a:t>
+              <a:t>Prompts you to ask questions</a:t>
+            </a:r>
+          </a:p>
+        </p:txBody>
+      </p:sp>
+      <p:sp>
+        <p:nvSpPr>
+          <p:cNvPr id="5" name="TextBox 4">
+            <a:extLst>
+              <a:ext uri="{FF2B5EF4-FFF2-40B4-BE49-F238E27FC236}">
+                <a16:creationId xmlns:a16="http://schemas.microsoft.com/office/drawing/2014/main" id="{5D087A02-C252-43EA-9ED1-D3C0CA13A201}"/>
+              </a:ext>
+            </a:extLst>
+          </p:cNvPr>
+          <p:cNvSpPr txBox="1"/>
+          <p:nvPr/>
+        </p:nvSpPr>
+        <p:spPr>
+          <a:xfrm>
+            <a:off x="797170" y="5773282"/>
+            <a:ext cx="2309129" cy="954107"/>
+          </a:xfrm>
+          <a:prstGeom prst="rect">
+            <a:avLst/>
+          </a:prstGeom>
+          <a:noFill/>
+        </p:spPr>
+        <p:txBody>
+          <a:bodyPr wrap="square" rtlCol="0">
+            <a:spAutoFit/>
+          </a:bodyPr>
+          <a:lstStyle/>
+          <a:p>
+            <a:r>
+              <a:rPr lang="en-CA" sz="2800" dirty="0">
+                <a:solidFill>
+                  <a:schemeClr val="tx1">
+                    <a:lumMod val="75000"/>
+                    <a:lumOff val="25000"/>
+                  </a:schemeClr>
+                </a:solidFill>
+                <a:latin typeface="Gloria Hallelujah" panose="02000000000000000000" pitchFamily="2" charset="0"/>
+              </a:rPr>
+              <a:t>“Just one more graph”</a:t>
             </a:r>
           </a:p>
         </p:txBody>
@@ -3923,7 +4032,7 @@
     </p:spTree>
     <p:extLst>
       <p:ext uri="{BB962C8B-B14F-4D97-AF65-F5344CB8AC3E}">
-        <p14:creationId xmlns:p14="http://schemas.microsoft.com/office/powerpoint/2010/main" val="1589592780"/>
+        <p14:creationId xmlns:p14="http://schemas.microsoft.com/office/powerpoint/2010/main" val="3156285834"/>
       </p:ext>
     </p:extLst>
   </p:cSld>
@@ -3952,15 +4061,15 @@
       </p:grpSpPr>
       <p:pic>
         <p:nvPicPr>
-          <p:cNvPr id="4" name="Picture 3">
-            <a:extLst>
-              <a:ext uri="{FF2B5EF4-FFF2-40B4-BE49-F238E27FC236}">
-                <a16:creationId xmlns:a16="http://schemas.microsoft.com/office/drawing/2014/main" id="{ADD8E396-CA5E-427B-A918-32D1AB34EE99}"/>
+          <p:cNvPr id="1030" name="Picture 6" descr="white and black zebra animal on brown wooden floor">
+            <a:extLst>
+              <a:ext uri="{FF2B5EF4-FFF2-40B4-BE49-F238E27FC236}">
+                <a16:creationId xmlns:a16="http://schemas.microsoft.com/office/drawing/2014/main" id="{3E1A086A-DE65-4806-9B1F-35278C1588FC}"/>
               </a:ext>
             </a:extLst>
           </p:cNvPr>
           <p:cNvPicPr>
-            <a:picLocks noChangeAspect="1"/>
+            <a:picLocks noChangeAspect="1" noChangeArrowheads="1"/>
           </p:cNvPicPr>
           <p:nvPr/>
         </p:nvPicPr>
@@ -3988,40 +4097,50 @@
               </a:ext>
             </a:extLst>
           </a:blip>
-          <a:srcRect l="82" t="5840" r="-82" b="9787"/>
+          <a:srcRect t="12500" b="12500"/>
           <a:stretch/>
         </p:blipFill>
-        <p:spPr>
+        <p:spPr bwMode="auto">
           <a:xfrm>
             <a:off x="0" y="0"/>
             <a:ext cx="12192000" cy="6858000"/>
-          </a:xfrm>
-          <a:prstGeom prst="rect">
-            <a:avLst/>
-          </a:prstGeom>
-        </p:spPr>
-      </p:pic>
-      <p:sp>
-        <p:nvSpPr>
-          <p:cNvPr id="3" name="TextBox 2">
-            <a:extLst>
-              <a:ext uri="{FF2B5EF4-FFF2-40B4-BE49-F238E27FC236}">
-                <a16:creationId xmlns:a16="http://schemas.microsoft.com/office/drawing/2014/main" id="{008FE1C8-378A-4EF1-BA8A-EE181BD4C0F4}"/>
-              </a:ext>
-            </a:extLst>
-          </p:cNvPr>
-          <p:cNvSpPr txBox="1"/>
-          <p:nvPr/>
-        </p:nvSpPr>
-        <p:spPr>
-          <a:xfrm>
-            <a:off x="182661" y="338672"/>
-            <a:ext cx="8537110" cy="984885"/>
           </a:xfrm>
           <a:prstGeom prst="rect">
             <a:avLst/>
           </a:prstGeom>
           <a:noFill/>
+          <a:extLst>
+            <a:ext uri="{909E8E84-426E-40DD-AFC4-6F175D3DCCD1}">
+              <a14:hiddenFill xmlns:a14="http://schemas.microsoft.com/office/drawing/2010/main">
+                <a:solidFill>
+                  <a:srgbClr val="FFFFFF"/>
+                </a:solidFill>
+              </a14:hiddenFill>
+            </a:ext>
+          </a:extLst>
+        </p:spPr>
+      </p:pic>
+      <p:sp>
+        <p:nvSpPr>
+          <p:cNvPr id="7" name="TextBox 6">
+            <a:extLst>
+              <a:ext uri="{FF2B5EF4-FFF2-40B4-BE49-F238E27FC236}">
+                <a16:creationId xmlns:a16="http://schemas.microsoft.com/office/drawing/2014/main" id="{2C577304-FE38-4F26-8128-76D2BF8642A9}"/>
+              </a:ext>
+            </a:extLst>
+          </p:cNvPr>
+          <p:cNvSpPr txBox="1"/>
+          <p:nvPr/>
+        </p:nvSpPr>
+        <p:spPr>
+          <a:xfrm>
+            <a:off x="214184" y="5472959"/>
+            <a:ext cx="4313854" cy="830997"/>
+          </a:xfrm>
+          <a:prstGeom prst="rect">
+            <a:avLst/>
+          </a:prstGeom>
+          <a:noFill/>
         </p:spPr>
         <p:txBody>
           <a:bodyPr wrap="square" rtlCol="0">
@@ -4030,7 +4149,7 @@
           <a:lstStyle/>
           <a:p>
             <a:r>
-              <a:rPr lang="en-CA" sz="5600" b="1" dirty="0">
+              <a:rPr lang="en-CA" sz="2400" dirty="0">
                 <a:solidFill>
                   <a:schemeClr val="accent4">
                     <a:lumMod val="40000"/>
@@ -4039,17 +4158,17 @@
                 </a:solidFill>
                 <a:latin typeface="Gloria Hallelujah" panose="02000000000000000000" pitchFamily="2" charset="0"/>
               </a:rPr>
-              <a:t>Broadway Grosses</a:t>
-            </a:r>
-          </a:p>
-        </p:txBody>
-      </p:sp>
-      <p:sp>
-        <p:nvSpPr>
-          <p:cNvPr id="5" name="TextBox 4">
-            <a:extLst>
-              <a:ext uri="{FF2B5EF4-FFF2-40B4-BE49-F238E27FC236}">
-                <a16:creationId xmlns:a16="http://schemas.microsoft.com/office/drawing/2014/main" id="{9730A61E-8EDC-4613-915C-ECE6E42DBBE1}"/>
+              <a:t>Ring-tailed Lemurs have an average weight of 2.2kg</a:t>
+            </a:r>
+          </a:p>
+        </p:txBody>
+      </p:sp>
+      <p:sp>
+        <p:nvSpPr>
+          <p:cNvPr id="8" name="TextBox 7">
+            <a:extLst>
+              <a:ext uri="{FF2B5EF4-FFF2-40B4-BE49-F238E27FC236}">
+                <a16:creationId xmlns:a16="http://schemas.microsoft.com/office/drawing/2014/main" id="{CDB9FD09-462F-4030-A420-0DF1AB41ED9F}"/>
               </a:ext>
             </a:extLst>
           </p:cNvPr>
@@ -4058,8 +4177,8 @@
         </p:nvSpPr>
         <p:spPr>
           <a:xfrm>
-            <a:off x="888245" y="1736795"/>
-            <a:ext cx="5459802" cy="707886"/>
+            <a:off x="4712677" y="338315"/>
+            <a:ext cx="7728439" cy="954107"/>
           </a:xfrm>
           <a:prstGeom prst="rect">
             <a:avLst/>
@@ -4073,7 +4192,7 @@
           <a:lstStyle/>
           <a:p>
             <a:r>
-              <a:rPr lang="en-CA" sz="2000" dirty="0">
+              <a:rPr lang="en-CA" sz="5600" b="1" dirty="0">
                 <a:solidFill>
                   <a:schemeClr val="accent4">
                     <a:lumMod val="40000"/>
@@ -4082,49 +4201,15 @@
                 </a:solidFill>
                 <a:latin typeface="Gloria Hallelujah" panose="02000000000000000000" pitchFamily="2" charset="0"/>
               </a:rPr>
-              <a:t>Hamilton holds the record for top ticket price on Broadway </a:t>
-            </a:r>
-            <a:r>
-              <a:rPr lang="en-CA" sz="2000" dirty="0">
-                <a:solidFill>
-                  <a:schemeClr val="accent4">
-                    <a:lumMod val="40000"/>
-                    <a:lumOff val="60000"/>
-                  </a:schemeClr>
-                </a:solidFill>
-                <a:latin typeface="Gloria Hallelujah" panose="02000000000000000000" pitchFamily="2" charset="0"/>
-                <a:cs typeface="Calibri" panose="020F0502020204030204" pitchFamily="34" charset="0"/>
-              </a:rPr>
-              <a:t>—</a:t>
-            </a:r>
-            <a:r>
-              <a:rPr lang="en-CA" sz="2000" dirty="0">
-                <a:solidFill>
-                  <a:schemeClr val="accent4">
-                    <a:lumMod val="40000"/>
-                    <a:lumOff val="60000"/>
-                  </a:schemeClr>
-                </a:solidFill>
-                <a:latin typeface="Gloria Hallelujah" panose="02000000000000000000" pitchFamily="2" charset="0"/>
-              </a:rPr>
-              <a:t> $998</a:t>
-            </a:r>
-            <a:endParaRPr lang="en-CA" sz="2000" i="1" dirty="0">
-              <a:solidFill>
-                <a:schemeClr val="accent4">
-                  <a:lumMod val="40000"/>
-                  <a:lumOff val="60000"/>
-                </a:schemeClr>
-              </a:solidFill>
-              <a:latin typeface="Gloria Hallelujah" panose="02000000000000000000" pitchFamily="2" charset="0"/>
-            </a:endParaRPr>
+              <a:t>Duke Lemur Center</a:t>
+            </a:r>
           </a:p>
         </p:txBody>
       </p:sp>
     </p:spTree>
     <p:extLst>
       <p:ext uri="{BB962C8B-B14F-4D97-AF65-F5344CB8AC3E}">
-        <p14:creationId xmlns:p14="http://schemas.microsoft.com/office/powerpoint/2010/main" val="3058098568"/>
+        <p14:creationId xmlns:p14="http://schemas.microsoft.com/office/powerpoint/2010/main" val="1589592780"/>
       </p:ext>
     </p:extLst>
   </p:cSld>
@@ -4151,6 +4236,207 @@
           <a:chExt cx="0" cy="0"/>
         </a:xfrm>
       </p:grpSpPr>
+      <p:pic>
+        <p:nvPicPr>
+          <p:cNvPr id="4" name="Picture 3">
+            <a:extLst>
+              <a:ext uri="{FF2B5EF4-FFF2-40B4-BE49-F238E27FC236}">
+                <a16:creationId xmlns:a16="http://schemas.microsoft.com/office/drawing/2014/main" id="{ADD8E396-CA5E-427B-A918-32D1AB34EE99}"/>
+              </a:ext>
+            </a:extLst>
+          </p:cNvPr>
+          <p:cNvPicPr>
+            <a:picLocks noChangeAspect="1"/>
+          </p:cNvPicPr>
+          <p:nvPr/>
+        </p:nvPicPr>
+        <p:blipFill rotWithShape="1">
+          <a:blip r:embed="rId2">
+            <a:duotone>
+              <a:prstClr val="black"/>
+              <a:srgbClr val="D9C3A5">
+                <a:tint val="50000"/>
+                <a:satMod val="180000"/>
+              </a:srgbClr>
+            </a:duotone>
+            <a:extLst>
+              <a:ext uri="{BEBA8EAE-BF5A-486C-A8C5-ECC9F3942E4B}">
+                <a14:imgProps xmlns:a14="http://schemas.microsoft.com/office/drawing/2010/main">
+                  <a14:imgLayer r:embed="rId3">
+                    <a14:imgEffect>
+                      <a14:saturation sat="0"/>
+                    </a14:imgEffect>
+                  </a14:imgLayer>
+                </a14:imgProps>
+              </a:ext>
+              <a:ext uri="{28A0092B-C50C-407E-A947-70E740481C1C}">
+                <a14:useLocalDpi xmlns:a14="http://schemas.microsoft.com/office/drawing/2010/main" val="0"/>
+              </a:ext>
+            </a:extLst>
+          </a:blip>
+          <a:srcRect l="82" t="5840" r="-82" b="9787"/>
+          <a:stretch/>
+        </p:blipFill>
+        <p:spPr>
+          <a:xfrm>
+            <a:off x="0" y="0"/>
+            <a:ext cx="12192000" cy="6858000"/>
+          </a:xfrm>
+          <a:prstGeom prst="rect">
+            <a:avLst/>
+          </a:prstGeom>
+        </p:spPr>
+      </p:pic>
+      <p:sp>
+        <p:nvSpPr>
+          <p:cNvPr id="3" name="TextBox 2">
+            <a:extLst>
+              <a:ext uri="{FF2B5EF4-FFF2-40B4-BE49-F238E27FC236}">
+                <a16:creationId xmlns:a16="http://schemas.microsoft.com/office/drawing/2014/main" id="{008FE1C8-378A-4EF1-BA8A-EE181BD4C0F4}"/>
+              </a:ext>
+            </a:extLst>
+          </p:cNvPr>
+          <p:cNvSpPr txBox="1"/>
+          <p:nvPr/>
+        </p:nvSpPr>
+        <p:spPr>
+          <a:xfrm>
+            <a:off x="182661" y="338672"/>
+            <a:ext cx="8537110" cy="984885"/>
+          </a:xfrm>
+          <a:prstGeom prst="rect">
+            <a:avLst/>
+          </a:prstGeom>
+          <a:noFill/>
+        </p:spPr>
+        <p:txBody>
+          <a:bodyPr wrap="square" rtlCol="0">
+            <a:spAutoFit/>
+          </a:bodyPr>
+          <a:lstStyle/>
+          <a:p>
+            <a:r>
+              <a:rPr lang="en-CA" sz="5600" b="1" dirty="0">
+                <a:solidFill>
+                  <a:schemeClr val="accent4">
+                    <a:lumMod val="40000"/>
+                    <a:lumOff val="60000"/>
+                  </a:schemeClr>
+                </a:solidFill>
+                <a:latin typeface="Gloria Hallelujah" panose="02000000000000000000" pitchFamily="2" charset="0"/>
+              </a:rPr>
+              <a:t>Broadway Grosses</a:t>
+            </a:r>
+          </a:p>
+        </p:txBody>
+      </p:sp>
+      <p:sp>
+        <p:nvSpPr>
+          <p:cNvPr id="5" name="TextBox 4">
+            <a:extLst>
+              <a:ext uri="{FF2B5EF4-FFF2-40B4-BE49-F238E27FC236}">
+                <a16:creationId xmlns:a16="http://schemas.microsoft.com/office/drawing/2014/main" id="{9730A61E-8EDC-4613-915C-ECE6E42DBBE1}"/>
+              </a:ext>
+            </a:extLst>
+          </p:cNvPr>
+          <p:cNvSpPr txBox="1"/>
+          <p:nvPr/>
+        </p:nvSpPr>
+        <p:spPr>
+          <a:xfrm>
+            <a:off x="888245" y="1736795"/>
+            <a:ext cx="5459802" cy="707886"/>
+          </a:xfrm>
+          <a:prstGeom prst="rect">
+            <a:avLst/>
+          </a:prstGeom>
+          <a:noFill/>
+        </p:spPr>
+        <p:txBody>
+          <a:bodyPr wrap="square" rtlCol="0">
+            <a:spAutoFit/>
+          </a:bodyPr>
+          <a:lstStyle/>
+          <a:p>
+            <a:r>
+              <a:rPr lang="en-CA" sz="2000" dirty="0">
+                <a:solidFill>
+                  <a:schemeClr val="accent4">
+                    <a:lumMod val="40000"/>
+                    <a:lumOff val="60000"/>
+                  </a:schemeClr>
+                </a:solidFill>
+                <a:latin typeface="Gloria Hallelujah" panose="02000000000000000000" pitchFamily="2" charset="0"/>
+              </a:rPr>
+              <a:t>Hamilton holds the record for top ticket price on Broadway </a:t>
+            </a:r>
+            <a:r>
+              <a:rPr lang="en-CA" sz="2000" dirty="0">
+                <a:solidFill>
+                  <a:schemeClr val="accent4">
+                    <a:lumMod val="40000"/>
+                    <a:lumOff val="60000"/>
+                  </a:schemeClr>
+                </a:solidFill>
+                <a:latin typeface="Gloria Hallelujah" panose="02000000000000000000" pitchFamily="2" charset="0"/>
+                <a:cs typeface="Calibri" panose="020F0502020204030204" pitchFamily="34" charset="0"/>
+              </a:rPr>
+              <a:t>—</a:t>
+            </a:r>
+            <a:r>
+              <a:rPr lang="en-CA" sz="2000" dirty="0">
+                <a:solidFill>
+                  <a:schemeClr val="accent4">
+                    <a:lumMod val="40000"/>
+                    <a:lumOff val="60000"/>
+                  </a:schemeClr>
+                </a:solidFill>
+                <a:latin typeface="Gloria Hallelujah" panose="02000000000000000000" pitchFamily="2" charset="0"/>
+              </a:rPr>
+              <a:t> $998</a:t>
+            </a:r>
+            <a:endParaRPr lang="en-CA" sz="2000" i="1" dirty="0">
+              <a:solidFill>
+                <a:schemeClr val="accent4">
+                  <a:lumMod val="40000"/>
+                  <a:lumOff val="60000"/>
+                </a:schemeClr>
+              </a:solidFill>
+              <a:latin typeface="Gloria Hallelujah" panose="02000000000000000000" pitchFamily="2" charset="0"/>
+            </a:endParaRPr>
+          </a:p>
+        </p:txBody>
+      </p:sp>
+    </p:spTree>
+    <p:extLst>
+      <p:ext uri="{BB962C8B-B14F-4D97-AF65-F5344CB8AC3E}">
+        <p14:creationId xmlns:p14="http://schemas.microsoft.com/office/powerpoint/2010/main" val="3058098568"/>
+      </p:ext>
+    </p:extLst>
+  </p:cSld>
+  <p:clrMapOvr>
+    <a:masterClrMapping/>
+  </p:clrMapOvr>
+</p:sld>
+</file>
+
+<file path=ppt/slides/slide14.xml><?xml version="1.0" encoding="utf-8"?>
+<p:sld xmlns:a="http://schemas.openxmlformats.org/drawingml/2006/main" xmlns:r="http://schemas.openxmlformats.org/officeDocument/2006/relationships" xmlns:p="http://schemas.openxmlformats.org/presentationml/2006/main">
+  <p:cSld>
+    <p:spTree>
+      <p:nvGrpSpPr>
+        <p:cNvPr id="1" name=""/>
+        <p:cNvGrpSpPr/>
+        <p:nvPr/>
+      </p:nvGrpSpPr>
+      <p:grpSpPr>
+        <a:xfrm>
+          <a:off x="0" y="0"/>
+          <a:ext cx="0" cy="0"/>
+          <a:chOff x="0" y="0"/>
+          <a:chExt cx="0" cy="0"/>
+        </a:xfrm>
+      </p:grpSpPr>
       <p:sp>
         <p:nvSpPr>
           <p:cNvPr id="13" name="TextBox 12">
@@ -4207,7 +4493,7 @@
 </p:sld>
 </file>
 
-<file path=ppt/slides/slide14.xml><?xml version="1.0" encoding="utf-8"?>
+<file path=ppt/slides/slide15.xml><?xml version="1.0" encoding="utf-8"?>
 <p:sld xmlns:a="http://schemas.openxmlformats.org/drawingml/2006/main" xmlns:r="http://schemas.openxmlformats.org/officeDocument/2006/relationships" xmlns:p="http://schemas.openxmlformats.org/presentationml/2006/main">
   <p:cSld>
     <p:spTree>
@@ -4473,7 +4759,7 @@
 </p:sld>
 </file>
 
-<file path=ppt/slides/slide15.xml><?xml version="1.0" encoding="utf-8"?>
+<file path=ppt/slides/slide16.xml><?xml version="1.0" encoding="utf-8"?>
 <p:sld xmlns:a="http://schemas.openxmlformats.org/drawingml/2006/main" xmlns:r="http://schemas.openxmlformats.org/officeDocument/2006/relationships" xmlns:p="http://schemas.openxmlformats.org/presentationml/2006/main">
   <p:cSld>
     <p:spTree>
@@ -4618,337 +4904,6 @@
     <p:extLst>
       <p:ext uri="{BB962C8B-B14F-4D97-AF65-F5344CB8AC3E}">
         <p14:creationId xmlns:p14="http://schemas.microsoft.com/office/powerpoint/2010/main" val="3788787994"/>
-      </p:ext>
-    </p:extLst>
-  </p:cSld>
-  <p:clrMapOvr>
-    <a:masterClrMapping/>
-  </p:clrMapOvr>
-</p:sld>
-</file>
-
-<file path=ppt/slides/slide16.xml><?xml version="1.0" encoding="utf-8"?>
-<p:sld xmlns:a="http://schemas.openxmlformats.org/drawingml/2006/main" xmlns:r="http://schemas.openxmlformats.org/officeDocument/2006/relationships" xmlns:p="http://schemas.openxmlformats.org/presentationml/2006/main">
-  <p:cSld>
-    <p:spTree>
-      <p:nvGrpSpPr>
-        <p:cNvPr id="1" name=""/>
-        <p:cNvGrpSpPr/>
-        <p:nvPr/>
-      </p:nvGrpSpPr>
-      <p:grpSpPr>
-        <a:xfrm>
-          <a:off x="0" y="0"/>
-          <a:ext cx="0" cy="0"/>
-          <a:chOff x="0" y="0"/>
-          <a:chExt cx="0" cy="0"/>
-        </a:xfrm>
-      </p:grpSpPr>
-      <p:cxnSp>
-        <p:nvCxnSpPr>
-          <p:cNvPr id="6" name="Straight Connector 5">
-            <a:extLst>
-              <a:ext uri="{FF2B5EF4-FFF2-40B4-BE49-F238E27FC236}">
-                <a16:creationId xmlns:a16="http://schemas.microsoft.com/office/drawing/2014/main" id="{371BB738-3A49-42C8-8A43-BFFBA50129A6}"/>
-              </a:ext>
-            </a:extLst>
-          </p:cNvPr>
-          <p:cNvCxnSpPr/>
-          <p:nvPr/>
-        </p:nvCxnSpPr>
-        <p:spPr>
-          <a:xfrm>
-            <a:off x="1400908" y="5275386"/>
-            <a:ext cx="9483969" cy="0"/>
-          </a:xfrm>
-          <a:prstGeom prst="line">
-            <a:avLst/>
-          </a:prstGeom>
-          <a:ln w="76200">
-            <a:solidFill>
-              <a:schemeClr val="tx1">
-                <a:lumMod val="75000"/>
-                <a:lumOff val="25000"/>
-              </a:schemeClr>
-            </a:solidFill>
-            <a:headEnd type="oval" w="lg" len="lg"/>
-            <a:tailEnd type="oval" w="lg" len="lg"/>
-          </a:ln>
-        </p:spPr>
-        <p:style>
-          <a:lnRef idx="1">
-            <a:schemeClr val="accent1"/>
-          </a:lnRef>
-          <a:fillRef idx="0">
-            <a:schemeClr val="accent1"/>
-          </a:fillRef>
-          <a:effectRef idx="0">
-            <a:schemeClr val="accent1"/>
-          </a:effectRef>
-          <a:fontRef idx="minor">
-            <a:schemeClr val="tx1"/>
-          </a:fontRef>
-        </p:style>
-      </p:cxnSp>
-      <p:sp>
-        <p:nvSpPr>
-          <p:cNvPr id="7" name="TextBox 6">
-            <a:extLst>
-              <a:ext uri="{FF2B5EF4-FFF2-40B4-BE49-F238E27FC236}">
-                <a16:creationId xmlns:a16="http://schemas.microsoft.com/office/drawing/2014/main" id="{2A87BF4E-E582-4CAE-A4A6-82C00B7945D0}"/>
-              </a:ext>
-            </a:extLst>
-          </p:cNvPr>
-          <p:cNvSpPr txBox="1"/>
-          <p:nvPr/>
-        </p:nvSpPr>
-        <p:spPr>
-          <a:xfrm>
-            <a:off x="165381" y="5657992"/>
-            <a:ext cx="2471053" cy="584775"/>
-          </a:xfrm>
-          <a:prstGeom prst="rect">
-            <a:avLst/>
-          </a:prstGeom>
-          <a:noFill/>
-        </p:spPr>
-        <p:txBody>
-          <a:bodyPr wrap="square" rtlCol="0">
-            <a:spAutoFit/>
-          </a:bodyPr>
-          <a:lstStyle/>
-          <a:p>
-            <a:pPr algn="ctr"/>
-            <a:r>
-              <a:rPr lang="en-CA" sz="3200" dirty="0">
-                <a:solidFill>
-                  <a:schemeClr val="tx1">
-                    <a:lumMod val="75000"/>
-                    <a:lumOff val="25000"/>
-                  </a:schemeClr>
-                </a:solidFill>
-                <a:latin typeface="Gloria Hallelujah" panose="02000000000000000000" pitchFamily="2" charset="0"/>
-              </a:rPr>
-              <a:t>Playful</a:t>
-            </a:r>
-          </a:p>
-        </p:txBody>
-      </p:sp>
-      <p:sp>
-        <p:nvSpPr>
-          <p:cNvPr id="8" name="TextBox 7">
-            <a:extLst>
-              <a:ext uri="{FF2B5EF4-FFF2-40B4-BE49-F238E27FC236}">
-                <a16:creationId xmlns:a16="http://schemas.microsoft.com/office/drawing/2014/main" id="{6B0593FD-5AED-44EA-9DFF-FB0F9EE66806}"/>
-              </a:ext>
-            </a:extLst>
-          </p:cNvPr>
-          <p:cNvSpPr txBox="1"/>
-          <p:nvPr/>
-        </p:nvSpPr>
-        <p:spPr>
-          <a:xfrm>
-            <a:off x="9649350" y="5657991"/>
-            <a:ext cx="2471053" cy="584775"/>
-          </a:xfrm>
-          <a:prstGeom prst="rect">
-            <a:avLst/>
-          </a:prstGeom>
-          <a:noFill/>
-        </p:spPr>
-        <p:txBody>
-          <a:bodyPr wrap="square" rtlCol="0">
-            <a:spAutoFit/>
-          </a:bodyPr>
-          <a:lstStyle/>
-          <a:p>
-            <a:pPr algn="ctr"/>
-            <a:r>
-              <a:rPr lang="en-CA" sz="3200" dirty="0">
-                <a:solidFill>
-                  <a:schemeClr val="tx1">
-                    <a:lumMod val="75000"/>
-                    <a:lumOff val="25000"/>
-                  </a:schemeClr>
-                </a:solidFill>
-                <a:latin typeface="Gloria Hallelujah" panose="02000000000000000000" pitchFamily="2" charset="0"/>
-              </a:rPr>
-              <a:t>Serious</a:t>
-            </a:r>
-          </a:p>
-        </p:txBody>
-      </p:sp>
-      <p:sp>
-        <p:nvSpPr>
-          <p:cNvPr id="13" name="TextBox 12">
-            <a:extLst>
-              <a:ext uri="{FF2B5EF4-FFF2-40B4-BE49-F238E27FC236}">
-                <a16:creationId xmlns:a16="http://schemas.microsoft.com/office/drawing/2014/main" id="{97CE704D-BD94-4366-ACEF-C1F96AD7D2BB}"/>
-              </a:ext>
-            </a:extLst>
-          </p:cNvPr>
-          <p:cNvSpPr txBox="1"/>
-          <p:nvPr/>
-        </p:nvSpPr>
-        <p:spPr>
-          <a:xfrm>
-            <a:off x="362173" y="496708"/>
-            <a:ext cx="9934130" cy="830997"/>
-          </a:xfrm>
-          <a:prstGeom prst="rect">
-            <a:avLst/>
-          </a:prstGeom>
-          <a:noFill/>
-        </p:spPr>
-        <p:txBody>
-          <a:bodyPr wrap="none" rtlCol="0">
-            <a:spAutoFit/>
-          </a:bodyPr>
-          <a:lstStyle/>
-          <a:p>
-            <a:r>
-              <a:rPr lang="en-CA" sz="4800" dirty="0">
-                <a:solidFill>
-                  <a:schemeClr val="tx1">
-                    <a:lumMod val="75000"/>
-                    <a:lumOff val="25000"/>
-                  </a:schemeClr>
-                </a:solidFill>
-                <a:latin typeface="Gloria Hallelujah" panose="02000000000000000000" pitchFamily="2" charset="0"/>
-              </a:rPr>
-              <a:t>Fictional Character Personalities</a:t>
-            </a:r>
-          </a:p>
-        </p:txBody>
-      </p:sp>
-      <p:sp>
-        <p:nvSpPr>
-          <p:cNvPr id="23" name="TextBox 22">
-            <a:extLst>
-              <a:ext uri="{FF2B5EF4-FFF2-40B4-BE49-F238E27FC236}">
-                <a16:creationId xmlns:a16="http://schemas.microsoft.com/office/drawing/2014/main" id="{9BE2808B-BB9B-44B4-84E8-07BD1071C080}"/>
-              </a:ext>
-            </a:extLst>
-          </p:cNvPr>
-          <p:cNvSpPr txBox="1"/>
-          <p:nvPr/>
-        </p:nvSpPr>
-        <p:spPr>
-          <a:xfrm>
-            <a:off x="362173" y="1500368"/>
-            <a:ext cx="8911414" cy="523220"/>
-          </a:xfrm>
-          <a:prstGeom prst="rect">
-            <a:avLst/>
-          </a:prstGeom>
-          <a:noFill/>
-        </p:spPr>
-        <p:txBody>
-          <a:bodyPr wrap="none" rtlCol="0">
-            <a:spAutoFit/>
-          </a:bodyPr>
-          <a:lstStyle/>
-          <a:p>
-            <a:r>
-              <a:rPr lang="en-CA" sz="2800" dirty="0">
-                <a:solidFill>
-                  <a:schemeClr val="tx1">
-                    <a:lumMod val="75000"/>
-                    <a:lumOff val="25000"/>
-                  </a:schemeClr>
-                </a:solidFill>
-                <a:latin typeface="Gloria Hallelujah" panose="02000000000000000000" pitchFamily="2" charset="0"/>
-              </a:rPr>
-              <a:t>Traits of 800 characters across 250+ spectrums</a:t>
-            </a:r>
-          </a:p>
-        </p:txBody>
-      </p:sp>
-      <p:cxnSp>
-        <p:nvCxnSpPr>
-          <p:cNvPr id="24" name="Straight Connector 23">
-            <a:extLst>
-              <a:ext uri="{FF2B5EF4-FFF2-40B4-BE49-F238E27FC236}">
-                <a16:creationId xmlns:a16="http://schemas.microsoft.com/office/drawing/2014/main" id="{FEA41C5D-5EFA-48D1-85DE-4B0384B8A2C7}"/>
-              </a:ext>
-            </a:extLst>
-          </p:cNvPr>
-          <p:cNvCxnSpPr>
-            <a:cxnSpLocks/>
-          </p:cNvCxnSpPr>
-          <p:nvPr/>
-        </p:nvCxnSpPr>
-        <p:spPr>
-          <a:xfrm>
-            <a:off x="6096000" y="5103780"/>
-            <a:ext cx="0" cy="353297"/>
-          </a:xfrm>
-          <a:prstGeom prst="line">
-            <a:avLst/>
-          </a:prstGeom>
-          <a:ln w="76200">
-            <a:solidFill>
-              <a:srgbClr val="404040"/>
-            </a:solidFill>
-          </a:ln>
-        </p:spPr>
-        <p:style>
-          <a:lnRef idx="1">
-            <a:schemeClr val="accent1"/>
-          </a:lnRef>
-          <a:fillRef idx="0">
-            <a:schemeClr val="accent1"/>
-          </a:fillRef>
-          <a:effectRef idx="0">
-            <a:schemeClr val="accent1"/>
-          </a:effectRef>
-          <a:fontRef idx="minor">
-            <a:schemeClr val="tx1"/>
-          </a:fontRef>
-        </p:style>
-      </p:cxnSp>
-      <p:pic>
-        <p:nvPicPr>
-          <p:cNvPr id="9" name="Picture 8">
-            <a:extLst>
-              <a:ext uri="{FF2B5EF4-FFF2-40B4-BE49-F238E27FC236}">
-                <a16:creationId xmlns:a16="http://schemas.microsoft.com/office/drawing/2014/main" id="{42961FFC-E2E7-42B8-B21F-A08D56D1ACCB}"/>
-              </a:ext>
-            </a:extLst>
-          </p:cNvPr>
-          <p:cNvPicPr>
-            <a:picLocks noChangeAspect="1"/>
-          </p:cNvPicPr>
-          <p:nvPr/>
-        </p:nvPicPr>
-        <p:blipFill>
-          <a:blip r:embed="rId2">
-            <a:duotone>
-              <a:schemeClr val="accent4">
-                <a:shade val="45000"/>
-                <a:satMod val="135000"/>
-              </a:schemeClr>
-              <a:prstClr val="white"/>
-            </a:duotone>
-          </a:blip>
-          <a:stretch>
-            <a:fillRect/>
-          </a:stretch>
-        </p:blipFill>
-        <p:spPr>
-          <a:xfrm rot="1054935">
-            <a:off x="10409600" y="201747"/>
-            <a:ext cx="1580388" cy="1581912"/>
-          </a:xfrm>
-          <a:prstGeom prst="rect">
-            <a:avLst/>
-          </a:prstGeom>
-        </p:spPr>
-      </p:pic>
-    </p:spTree>
-    <p:extLst>
-      <p:ext uri="{BB962C8B-B14F-4D97-AF65-F5344CB8AC3E}">
-        <p14:creationId xmlns:p14="http://schemas.microsoft.com/office/powerpoint/2010/main" val="589754290"/>
       </p:ext>
     </p:extLst>
   </p:cSld>
@@ -5154,145 +5109,6 @@
       </p:sp>
       <p:sp>
         <p:nvSpPr>
-          <p:cNvPr id="14" name="TextBox 13">
-            <a:extLst>
-              <a:ext uri="{FF2B5EF4-FFF2-40B4-BE49-F238E27FC236}">
-                <a16:creationId xmlns:a16="http://schemas.microsoft.com/office/drawing/2014/main" id="{7FB078CF-8911-4BC4-8C6C-E02D3A4EA5F3}"/>
-              </a:ext>
-            </a:extLst>
-          </p:cNvPr>
-          <p:cNvSpPr txBox="1"/>
-          <p:nvPr/>
-        </p:nvSpPr>
-        <p:spPr>
-          <a:xfrm>
-            <a:off x="1267351" y="3391313"/>
-            <a:ext cx="3392574" cy="1015663"/>
-          </a:xfrm>
-          <a:prstGeom prst="rect">
-            <a:avLst/>
-          </a:prstGeom>
-          <a:noFill/>
-        </p:spPr>
-        <p:txBody>
-          <a:bodyPr wrap="square" rtlCol="0">
-            <a:spAutoFit/>
-          </a:bodyPr>
-          <a:lstStyle/>
-          <a:p>
-            <a:pPr algn="ctr"/>
-            <a:r>
-              <a:rPr lang="en-CA" sz="3600" dirty="0">
-                <a:solidFill>
-                  <a:srgbClr val="1C1C1C"/>
-                </a:solidFill>
-                <a:latin typeface="Gloria Hallelujah" panose="02000000000000000000" pitchFamily="2" charset="0"/>
-              </a:rPr>
-              <a:t>Michael Scott</a:t>
-            </a:r>
-          </a:p>
-          <a:p>
-            <a:pPr algn="ctr"/>
-            <a:r>
-              <a:rPr lang="en-CA" sz="2400" dirty="0">
-                <a:solidFill>
-                  <a:srgbClr val="1C1C1C"/>
-                </a:solidFill>
-                <a:latin typeface="Gloria Hallelujah" panose="02000000000000000000" pitchFamily="2" charset="0"/>
-              </a:rPr>
-              <a:t>(The Office)</a:t>
-            </a:r>
-          </a:p>
-        </p:txBody>
-      </p:sp>
-      <p:pic>
-        <p:nvPicPr>
-          <p:cNvPr id="16" name="Picture 15">
-            <a:extLst>
-              <a:ext uri="{FF2B5EF4-FFF2-40B4-BE49-F238E27FC236}">
-                <a16:creationId xmlns:a16="http://schemas.microsoft.com/office/drawing/2014/main" id="{3A2C9A83-6A7E-499C-B349-9C349B0FB731}"/>
-              </a:ext>
-            </a:extLst>
-          </p:cNvPr>
-          <p:cNvPicPr>
-            <a:picLocks noChangeAspect="1"/>
-          </p:cNvPicPr>
-          <p:nvPr/>
-        </p:nvPicPr>
-        <p:blipFill>
-          <a:blip r:embed="rId2">
-            <a:duotone>
-              <a:prstClr val="black"/>
-              <a:schemeClr val="accent3">
-                <a:tint val="45000"/>
-                <a:satMod val="400000"/>
-              </a:schemeClr>
-            </a:duotone>
-            <a:extLst>
-              <a:ext uri="{28A0092B-C50C-407E-A947-70E740481C1C}">
-                <a14:useLocalDpi xmlns:a14="http://schemas.microsoft.com/office/drawing/2010/main" val="0"/>
-              </a:ext>
-            </a:extLst>
-          </a:blip>
-          <a:stretch>
-            <a:fillRect/>
-          </a:stretch>
-        </p:blipFill>
-        <p:spPr>
-          <a:xfrm rot="11811598" flipV="1">
-            <a:off x="1175281" y="4059595"/>
-            <a:ext cx="1650779" cy="1193350"/>
-          </a:xfrm>
-          <a:prstGeom prst="rect">
-            <a:avLst/>
-          </a:prstGeom>
-        </p:spPr>
-      </p:pic>
-      <p:cxnSp>
-        <p:nvCxnSpPr>
-          <p:cNvPr id="19" name="Straight Connector 18">
-            <a:extLst>
-              <a:ext uri="{FF2B5EF4-FFF2-40B4-BE49-F238E27FC236}">
-                <a16:creationId xmlns:a16="http://schemas.microsoft.com/office/drawing/2014/main" id="{7615E624-AE56-4E57-8ADE-623EA3000042}"/>
-              </a:ext>
-            </a:extLst>
-          </p:cNvPr>
-          <p:cNvCxnSpPr>
-            <a:cxnSpLocks/>
-          </p:cNvCxnSpPr>
-          <p:nvPr/>
-        </p:nvCxnSpPr>
-        <p:spPr>
-          <a:xfrm>
-            <a:off x="2259624" y="5152294"/>
-            <a:ext cx="0" cy="123092"/>
-          </a:xfrm>
-          <a:prstGeom prst="line">
-            <a:avLst/>
-          </a:prstGeom>
-          <a:ln w="76200">
-            <a:solidFill>
-              <a:srgbClr val="404040"/>
-            </a:solidFill>
-          </a:ln>
-        </p:spPr>
-        <p:style>
-          <a:lnRef idx="1">
-            <a:schemeClr val="accent1"/>
-          </a:lnRef>
-          <a:fillRef idx="0">
-            <a:schemeClr val="accent1"/>
-          </a:fillRef>
-          <a:effectRef idx="0">
-            <a:schemeClr val="accent1"/>
-          </a:effectRef>
-          <a:fontRef idx="minor">
-            <a:schemeClr val="tx1"/>
-          </a:fontRef>
-        </p:style>
-      </p:cxnSp>
-      <p:sp>
-        <p:nvSpPr>
           <p:cNvPr id="23" name="TextBox 22">
             <a:extLst>
               <a:ext uri="{FF2B5EF4-FFF2-40B4-BE49-F238E27FC236}">
@@ -5379,10 +5195,10 @@
       </p:cxnSp>
       <p:pic>
         <p:nvPicPr>
-          <p:cNvPr id="11" name="Picture 10">
-            <a:extLst>
-              <a:ext uri="{FF2B5EF4-FFF2-40B4-BE49-F238E27FC236}">
-                <a16:creationId xmlns:a16="http://schemas.microsoft.com/office/drawing/2014/main" id="{AC6B3822-4528-41AC-91C2-FA6DCCE181A6}"/>
+          <p:cNvPr id="9" name="Picture 8">
+            <a:extLst>
+              <a:ext uri="{FF2B5EF4-FFF2-40B4-BE49-F238E27FC236}">
+                <a16:creationId xmlns:a16="http://schemas.microsoft.com/office/drawing/2014/main" id="{42961FFC-E2E7-42B8-B21F-A08D56D1ACCB}"/>
               </a:ext>
             </a:extLst>
           </p:cNvPr>
@@ -5392,7 +5208,7 @@
           <p:nvPr/>
         </p:nvPicPr>
         <p:blipFill>
-          <a:blip r:embed="rId3">
+          <a:blip r:embed="rId2">
             <a:duotone>
               <a:schemeClr val="accent4">
                 <a:shade val="45000"/>
@@ -5418,7 +5234,7 @@
     </p:spTree>
     <p:extLst>
       <p:ext uri="{BB962C8B-B14F-4D97-AF65-F5344CB8AC3E}">
-        <p14:creationId xmlns:p14="http://schemas.microsoft.com/office/powerpoint/2010/main" val="2250732218"/>
+        <p14:creationId xmlns:p14="http://schemas.microsoft.com/office/powerpoint/2010/main" val="589754290"/>
       </p:ext>
     </p:extLst>
   </p:cSld>
@@ -5675,65 +5491,6 @@
           </a:p>
         </p:txBody>
       </p:sp>
-      <p:sp>
-        <p:nvSpPr>
-          <p:cNvPr id="15" name="TextBox 14">
-            <a:extLst>
-              <a:ext uri="{FF2B5EF4-FFF2-40B4-BE49-F238E27FC236}">
-                <a16:creationId xmlns:a16="http://schemas.microsoft.com/office/drawing/2014/main" id="{1232B4D4-C4CB-4B75-A950-34096E0233A2}"/>
-              </a:ext>
-            </a:extLst>
-          </p:cNvPr>
-          <p:cNvSpPr txBox="1"/>
-          <p:nvPr/>
-        </p:nvSpPr>
-        <p:spPr>
-          <a:xfrm>
-            <a:off x="7242026" y="3206646"/>
-            <a:ext cx="3392574" cy="1384995"/>
-          </a:xfrm>
-          <a:prstGeom prst="rect">
-            <a:avLst/>
-          </a:prstGeom>
-          <a:noFill/>
-        </p:spPr>
-        <p:txBody>
-          <a:bodyPr wrap="square" rtlCol="0">
-            <a:spAutoFit/>
-          </a:bodyPr>
-          <a:lstStyle/>
-          <a:p>
-            <a:pPr algn="ctr"/>
-            <a:r>
-              <a:rPr lang="en-CA" sz="3600" dirty="0" err="1">
-                <a:solidFill>
-                  <a:srgbClr val="1C1C1C"/>
-                </a:solidFill>
-                <a:latin typeface="Gloria Hallelujah" panose="02000000000000000000" pitchFamily="2" charset="0"/>
-              </a:rPr>
-              <a:t>Worf</a:t>
-            </a:r>
-            <a:endParaRPr lang="en-CA" sz="3600" dirty="0">
-              <a:solidFill>
-                <a:srgbClr val="1C1C1C"/>
-              </a:solidFill>
-              <a:latin typeface="Gloria Hallelujah" panose="02000000000000000000" pitchFamily="2" charset="0"/>
-            </a:endParaRPr>
-          </a:p>
-          <a:p>
-            <a:pPr algn="ctr"/>
-            <a:r>
-              <a:rPr lang="en-CA" sz="2400" dirty="0">
-                <a:solidFill>
-                  <a:srgbClr val="1C1C1C"/>
-                </a:solidFill>
-                <a:latin typeface="Gloria Hallelujah" panose="02000000000000000000" pitchFamily="2" charset="0"/>
-              </a:rPr>
-              <a:t>(Star Trek: The Next Generation)</a:t>
-            </a:r>
-          </a:p>
-        </p:txBody>
-      </p:sp>
       <p:pic>
         <p:nvPicPr>
           <p:cNvPr id="16" name="Picture 15">
@@ -5777,49 +5534,6 @@
           </a:prstGeom>
         </p:spPr>
       </p:pic>
-      <p:pic>
-        <p:nvPicPr>
-          <p:cNvPr id="17" name="Picture 16">
-            <a:extLst>
-              <a:ext uri="{FF2B5EF4-FFF2-40B4-BE49-F238E27FC236}">
-                <a16:creationId xmlns:a16="http://schemas.microsoft.com/office/drawing/2014/main" id="{210479BD-8DFC-4750-8D5F-12201757490B}"/>
-              </a:ext>
-            </a:extLst>
-          </p:cNvPr>
-          <p:cNvPicPr>
-            <a:picLocks noChangeAspect="1"/>
-          </p:cNvPicPr>
-          <p:nvPr/>
-        </p:nvPicPr>
-        <p:blipFill>
-          <a:blip r:embed="rId2">
-            <a:duotone>
-              <a:prstClr val="black"/>
-              <a:schemeClr val="accent3">
-                <a:tint val="45000"/>
-                <a:satMod val="400000"/>
-              </a:schemeClr>
-            </a:duotone>
-            <a:extLst>
-              <a:ext uri="{28A0092B-C50C-407E-A947-70E740481C1C}">
-                <a14:useLocalDpi xmlns:a14="http://schemas.microsoft.com/office/drawing/2010/main" val="0"/>
-              </a:ext>
-            </a:extLst>
-          </a:blip>
-          <a:stretch>
-            <a:fillRect/>
-          </a:stretch>
-        </p:blipFill>
-        <p:spPr>
-          <a:xfrm rot="20747235">
-            <a:off x="9465014" y="4048298"/>
-            <a:ext cx="1650779" cy="1215944"/>
-          </a:xfrm>
-          <a:prstGeom prst="rect">
-            <a:avLst/>
-          </a:prstGeom>
-        </p:spPr>
-      </p:pic>
       <p:cxnSp>
         <p:nvCxnSpPr>
           <p:cNvPr id="19" name="Straight Connector 18">
@@ -5837,49 +5551,6 @@
         <p:spPr>
           <a:xfrm>
             <a:off x="2259624" y="5152294"/>
-            <a:ext cx="0" cy="123092"/>
-          </a:xfrm>
-          <a:prstGeom prst="line">
-            <a:avLst/>
-          </a:prstGeom>
-          <a:ln w="76200">
-            <a:solidFill>
-              <a:srgbClr val="404040"/>
-            </a:solidFill>
-          </a:ln>
-        </p:spPr>
-        <p:style>
-          <a:lnRef idx="1">
-            <a:schemeClr val="accent1"/>
-          </a:lnRef>
-          <a:fillRef idx="0">
-            <a:schemeClr val="accent1"/>
-          </a:fillRef>
-          <a:effectRef idx="0">
-            <a:schemeClr val="accent1"/>
-          </a:effectRef>
-          <a:fontRef idx="minor">
-            <a:schemeClr val="tx1"/>
-          </a:fontRef>
-        </p:style>
-      </p:cxnSp>
-      <p:cxnSp>
-        <p:nvCxnSpPr>
-          <p:cNvPr id="22" name="Straight Connector 21">
-            <a:extLst>
-              <a:ext uri="{FF2B5EF4-FFF2-40B4-BE49-F238E27FC236}">
-                <a16:creationId xmlns:a16="http://schemas.microsoft.com/office/drawing/2014/main" id="{A74074FE-7BFF-4D92-AC57-DE36AFCCE07E}"/>
-              </a:ext>
-            </a:extLst>
-          </p:cNvPr>
-          <p:cNvCxnSpPr>
-            <a:cxnSpLocks/>
-          </p:cNvCxnSpPr>
-          <p:nvPr/>
-        </p:nvCxnSpPr>
-        <p:spPr>
-          <a:xfrm>
-            <a:off x="10026159" y="5152294"/>
             <a:ext cx="0" cy="123092"/>
           </a:xfrm>
           <a:prstGeom prst="line">
@@ -5994,10 +5665,10 @@
       </p:cxnSp>
       <p:pic>
         <p:nvPicPr>
-          <p:cNvPr id="18" name="Picture 17">
-            <a:extLst>
-              <a:ext uri="{FF2B5EF4-FFF2-40B4-BE49-F238E27FC236}">
-                <a16:creationId xmlns:a16="http://schemas.microsoft.com/office/drawing/2014/main" id="{310B53FA-182F-464E-AB47-D2EC09F96555}"/>
+          <p:cNvPr id="11" name="Picture 10">
+            <a:extLst>
+              <a:ext uri="{FF2B5EF4-FFF2-40B4-BE49-F238E27FC236}">
+                <a16:creationId xmlns:a16="http://schemas.microsoft.com/office/drawing/2014/main" id="{AC6B3822-4528-41AC-91C2-FA6DCCE181A6}"/>
               </a:ext>
             </a:extLst>
           </p:cNvPr>
@@ -6033,7 +5704,7 @@
     </p:spTree>
     <p:extLst>
       <p:ext uri="{BB962C8B-B14F-4D97-AF65-F5344CB8AC3E}">
-        <p14:creationId xmlns:p14="http://schemas.microsoft.com/office/powerpoint/2010/main" val="4002092281"/>
+        <p14:creationId xmlns:p14="http://schemas.microsoft.com/office/powerpoint/2010/main" val="2250732218"/>
       </p:ext>
     </p:extLst>
   </p:cSld>
@@ -6060,12 +5731,58 @@
           <a:chExt cx="0" cy="0"/>
         </a:xfrm>
       </p:grpSpPr>
-      <p:sp>
-        <p:nvSpPr>
-          <p:cNvPr id="8" name="TextBox 7">
-            <a:extLst>
-              <a:ext uri="{FF2B5EF4-FFF2-40B4-BE49-F238E27FC236}">
-                <a16:creationId xmlns:a16="http://schemas.microsoft.com/office/drawing/2014/main" id="{4FD667B5-2D1E-4ABF-92E8-324096A6768B}"/>
+      <p:cxnSp>
+        <p:nvCxnSpPr>
+          <p:cNvPr id="6" name="Straight Connector 5">
+            <a:extLst>
+              <a:ext uri="{FF2B5EF4-FFF2-40B4-BE49-F238E27FC236}">
+                <a16:creationId xmlns:a16="http://schemas.microsoft.com/office/drawing/2014/main" id="{371BB738-3A49-42C8-8A43-BFFBA50129A6}"/>
+              </a:ext>
+            </a:extLst>
+          </p:cNvPr>
+          <p:cNvCxnSpPr/>
+          <p:nvPr/>
+        </p:nvCxnSpPr>
+        <p:spPr>
+          <a:xfrm>
+            <a:off x="1400908" y="5275386"/>
+            <a:ext cx="9483969" cy="0"/>
+          </a:xfrm>
+          <a:prstGeom prst="line">
+            <a:avLst/>
+          </a:prstGeom>
+          <a:ln w="76200">
+            <a:solidFill>
+              <a:schemeClr val="tx1">
+                <a:lumMod val="75000"/>
+                <a:lumOff val="25000"/>
+              </a:schemeClr>
+            </a:solidFill>
+            <a:headEnd type="oval" w="lg" len="lg"/>
+            <a:tailEnd type="oval" w="lg" len="lg"/>
+          </a:ln>
+        </p:spPr>
+        <p:style>
+          <a:lnRef idx="1">
+            <a:schemeClr val="accent1"/>
+          </a:lnRef>
+          <a:fillRef idx="0">
+            <a:schemeClr val="accent1"/>
+          </a:fillRef>
+          <a:effectRef idx="0">
+            <a:schemeClr val="accent1"/>
+          </a:effectRef>
+          <a:fontRef idx="minor">
+            <a:schemeClr val="tx1"/>
+          </a:fontRef>
+        </p:style>
+      </p:cxnSp>
+      <p:sp>
+        <p:nvSpPr>
+          <p:cNvPr id="7" name="TextBox 6">
+            <a:extLst>
+              <a:ext uri="{FF2B5EF4-FFF2-40B4-BE49-F238E27FC236}">
+                <a16:creationId xmlns:a16="http://schemas.microsoft.com/office/drawing/2014/main" id="{2A87BF4E-E582-4CAE-A4A6-82C00B7945D0}"/>
               </a:ext>
             </a:extLst>
           </p:cNvPr>
@@ -6074,8 +5791,8 @@
         </p:nvSpPr>
         <p:spPr>
           <a:xfrm>
-            <a:off x="609600" y="2705725"/>
-            <a:ext cx="10972799" cy="1446550"/>
+            <a:off x="165381" y="5657992"/>
+            <a:ext cx="2471053" cy="584775"/>
           </a:xfrm>
           <a:prstGeom prst="rect">
             <a:avLst/>
@@ -6090,7 +5807,7 @@
           <a:p>
             <a:pPr algn="ctr"/>
             <a:r>
-              <a:rPr lang="en-CA" sz="4400" dirty="0">
+              <a:rPr lang="en-CA" sz="3200" dirty="0">
                 <a:solidFill>
                   <a:schemeClr val="tx1">
                     <a:lumMod val="75000"/>
@@ -6099,15 +5816,510 @@
                 </a:solidFill>
                 <a:latin typeface="Gloria Hallelujah" panose="02000000000000000000" pitchFamily="2" charset="0"/>
               </a:rPr>
-              <a:t>What are some of my favourite characters’ personalities?</a:t>
-            </a:r>
-          </a:p>
-        </p:txBody>
-      </p:sp>
+              <a:t>Playful</a:t>
+            </a:r>
+          </a:p>
+        </p:txBody>
+      </p:sp>
+      <p:sp>
+        <p:nvSpPr>
+          <p:cNvPr id="8" name="TextBox 7">
+            <a:extLst>
+              <a:ext uri="{FF2B5EF4-FFF2-40B4-BE49-F238E27FC236}">
+                <a16:creationId xmlns:a16="http://schemas.microsoft.com/office/drawing/2014/main" id="{6B0593FD-5AED-44EA-9DFF-FB0F9EE66806}"/>
+              </a:ext>
+            </a:extLst>
+          </p:cNvPr>
+          <p:cNvSpPr txBox="1"/>
+          <p:nvPr/>
+        </p:nvSpPr>
+        <p:spPr>
+          <a:xfrm>
+            <a:off x="9649350" y="5657991"/>
+            <a:ext cx="2471053" cy="584775"/>
+          </a:xfrm>
+          <a:prstGeom prst="rect">
+            <a:avLst/>
+          </a:prstGeom>
+          <a:noFill/>
+        </p:spPr>
+        <p:txBody>
+          <a:bodyPr wrap="square" rtlCol="0">
+            <a:spAutoFit/>
+          </a:bodyPr>
+          <a:lstStyle/>
+          <a:p>
+            <a:pPr algn="ctr"/>
+            <a:r>
+              <a:rPr lang="en-CA" sz="3200" dirty="0">
+                <a:solidFill>
+                  <a:schemeClr val="tx1">
+                    <a:lumMod val="75000"/>
+                    <a:lumOff val="25000"/>
+                  </a:schemeClr>
+                </a:solidFill>
+                <a:latin typeface="Gloria Hallelujah" panose="02000000000000000000" pitchFamily="2" charset="0"/>
+              </a:rPr>
+              <a:t>Serious</a:t>
+            </a:r>
+          </a:p>
+        </p:txBody>
+      </p:sp>
+      <p:sp>
+        <p:nvSpPr>
+          <p:cNvPr id="13" name="TextBox 12">
+            <a:extLst>
+              <a:ext uri="{FF2B5EF4-FFF2-40B4-BE49-F238E27FC236}">
+                <a16:creationId xmlns:a16="http://schemas.microsoft.com/office/drawing/2014/main" id="{97CE704D-BD94-4366-ACEF-C1F96AD7D2BB}"/>
+              </a:ext>
+            </a:extLst>
+          </p:cNvPr>
+          <p:cNvSpPr txBox="1"/>
+          <p:nvPr/>
+        </p:nvSpPr>
+        <p:spPr>
+          <a:xfrm>
+            <a:off x="362173" y="496708"/>
+            <a:ext cx="9934130" cy="830997"/>
+          </a:xfrm>
+          <a:prstGeom prst="rect">
+            <a:avLst/>
+          </a:prstGeom>
+          <a:noFill/>
+        </p:spPr>
+        <p:txBody>
+          <a:bodyPr wrap="none" rtlCol="0">
+            <a:spAutoFit/>
+          </a:bodyPr>
+          <a:lstStyle/>
+          <a:p>
+            <a:r>
+              <a:rPr lang="en-CA" sz="4800" dirty="0">
+                <a:solidFill>
+                  <a:schemeClr val="tx1">
+                    <a:lumMod val="75000"/>
+                    <a:lumOff val="25000"/>
+                  </a:schemeClr>
+                </a:solidFill>
+                <a:latin typeface="Gloria Hallelujah" panose="02000000000000000000" pitchFamily="2" charset="0"/>
+              </a:rPr>
+              <a:t>Fictional Character Personalities</a:t>
+            </a:r>
+          </a:p>
+        </p:txBody>
+      </p:sp>
+      <p:sp>
+        <p:nvSpPr>
+          <p:cNvPr id="14" name="TextBox 13">
+            <a:extLst>
+              <a:ext uri="{FF2B5EF4-FFF2-40B4-BE49-F238E27FC236}">
+                <a16:creationId xmlns:a16="http://schemas.microsoft.com/office/drawing/2014/main" id="{7FB078CF-8911-4BC4-8C6C-E02D3A4EA5F3}"/>
+              </a:ext>
+            </a:extLst>
+          </p:cNvPr>
+          <p:cNvSpPr txBox="1"/>
+          <p:nvPr/>
+        </p:nvSpPr>
+        <p:spPr>
+          <a:xfrm>
+            <a:off x="1267351" y="3391313"/>
+            <a:ext cx="3392574" cy="1015663"/>
+          </a:xfrm>
+          <a:prstGeom prst="rect">
+            <a:avLst/>
+          </a:prstGeom>
+          <a:noFill/>
+        </p:spPr>
+        <p:txBody>
+          <a:bodyPr wrap="square" rtlCol="0">
+            <a:spAutoFit/>
+          </a:bodyPr>
+          <a:lstStyle/>
+          <a:p>
+            <a:pPr algn="ctr"/>
+            <a:r>
+              <a:rPr lang="en-CA" sz="3600" dirty="0">
+                <a:solidFill>
+                  <a:srgbClr val="1C1C1C"/>
+                </a:solidFill>
+                <a:latin typeface="Gloria Hallelujah" panose="02000000000000000000" pitchFamily="2" charset="0"/>
+              </a:rPr>
+              <a:t>Michael Scott</a:t>
+            </a:r>
+          </a:p>
+          <a:p>
+            <a:pPr algn="ctr"/>
+            <a:r>
+              <a:rPr lang="en-CA" sz="2400" dirty="0">
+                <a:solidFill>
+                  <a:srgbClr val="1C1C1C"/>
+                </a:solidFill>
+                <a:latin typeface="Gloria Hallelujah" panose="02000000000000000000" pitchFamily="2" charset="0"/>
+              </a:rPr>
+              <a:t>(The Office)</a:t>
+            </a:r>
+          </a:p>
+        </p:txBody>
+      </p:sp>
+      <p:sp>
+        <p:nvSpPr>
+          <p:cNvPr id="15" name="TextBox 14">
+            <a:extLst>
+              <a:ext uri="{FF2B5EF4-FFF2-40B4-BE49-F238E27FC236}">
+                <a16:creationId xmlns:a16="http://schemas.microsoft.com/office/drawing/2014/main" id="{1232B4D4-C4CB-4B75-A950-34096E0233A2}"/>
+              </a:ext>
+            </a:extLst>
+          </p:cNvPr>
+          <p:cNvSpPr txBox="1"/>
+          <p:nvPr/>
+        </p:nvSpPr>
+        <p:spPr>
+          <a:xfrm>
+            <a:off x="7242026" y="3206646"/>
+            <a:ext cx="3392574" cy="1384995"/>
+          </a:xfrm>
+          <a:prstGeom prst="rect">
+            <a:avLst/>
+          </a:prstGeom>
+          <a:noFill/>
+        </p:spPr>
+        <p:txBody>
+          <a:bodyPr wrap="square" rtlCol="0">
+            <a:spAutoFit/>
+          </a:bodyPr>
+          <a:lstStyle/>
+          <a:p>
+            <a:pPr algn="ctr"/>
+            <a:r>
+              <a:rPr lang="en-CA" sz="3600" dirty="0" err="1">
+                <a:solidFill>
+                  <a:srgbClr val="1C1C1C"/>
+                </a:solidFill>
+                <a:latin typeface="Gloria Hallelujah" panose="02000000000000000000" pitchFamily="2" charset="0"/>
+              </a:rPr>
+              <a:t>Worf</a:t>
+            </a:r>
+            <a:endParaRPr lang="en-CA" sz="3600" dirty="0">
+              <a:solidFill>
+                <a:srgbClr val="1C1C1C"/>
+              </a:solidFill>
+              <a:latin typeface="Gloria Hallelujah" panose="02000000000000000000" pitchFamily="2" charset="0"/>
+            </a:endParaRPr>
+          </a:p>
+          <a:p>
+            <a:pPr algn="ctr"/>
+            <a:r>
+              <a:rPr lang="en-CA" sz="2400" dirty="0">
+                <a:solidFill>
+                  <a:srgbClr val="1C1C1C"/>
+                </a:solidFill>
+                <a:latin typeface="Gloria Hallelujah" panose="02000000000000000000" pitchFamily="2" charset="0"/>
+              </a:rPr>
+              <a:t>(Star Trek: The Next Generation)</a:t>
+            </a:r>
+          </a:p>
+        </p:txBody>
+      </p:sp>
+      <p:pic>
+        <p:nvPicPr>
+          <p:cNvPr id="16" name="Picture 15">
+            <a:extLst>
+              <a:ext uri="{FF2B5EF4-FFF2-40B4-BE49-F238E27FC236}">
+                <a16:creationId xmlns:a16="http://schemas.microsoft.com/office/drawing/2014/main" id="{3A2C9A83-6A7E-499C-B349-9C349B0FB731}"/>
+              </a:ext>
+            </a:extLst>
+          </p:cNvPr>
+          <p:cNvPicPr>
+            <a:picLocks noChangeAspect="1"/>
+          </p:cNvPicPr>
+          <p:nvPr/>
+        </p:nvPicPr>
+        <p:blipFill>
+          <a:blip r:embed="rId2">
+            <a:duotone>
+              <a:prstClr val="black"/>
+              <a:schemeClr val="accent3">
+                <a:tint val="45000"/>
+                <a:satMod val="400000"/>
+              </a:schemeClr>
+            </a:duotone>
+            <a:extLst>
+              <a:ext uri="{28A0092B-C50C-407E-A947-70E740481C1C}">
+                <a14:useLocalDpi xmlns:a14="http://schemas.microsoft.com/office/drawing/2010/main" val="0"/>
+              </a:ext>
+            </a:extLst>
+          </a:blip>
+          <a:stretch>
+            <a:fillRect/>
+          </a:stretch>
+        </p:blipFill>
+        <p:spPr>
+          <a:xfrm rot="11811598" flipV="1">
+            <a:off x="1175281" y="4059595"/>
+            <a:ext cx="1650779" cy="1193350"/>
+          </a:xfrm>
+          <a:prstGeom prst="rect">
+            <a:avLst/>
+          </a:prstGeom>
+        </p:spPr>
+      </p:pic>
+      <p:pic>
+        <p:nvPicPr>
+          <p:cNvPr id="17" name="Picture 16">
+            <a:extLst>
+              <a:ext uri="{FF2B5EF4-FFF2-40B4-BE49-F238E27FC236}">
+                <a16:creationId xmlns:a16="http://schemas.microsoft.com/office/drawing/2014/main" id="{210479BD-8DFC-4750-8D5F-12201757490B}"/>
+              </a:ext>
+            </a:extLst>
+          </p:cNvPr>
+          <p:cNvPicPr>
+            <a:picLocks noChangeAspect="1"/>
+          </p:cNvPicPr>
+          <p:nvPr/>
+        </p:nvPicPr>
+        <p:blipFill>
+          <a:blip r:embed="rId2">
+            <a:duotone>
+              <a:prstClr val="black"/>
+              <a:schemeClr val="accent3">
+                <a:tint val="45000"/>
+                <a:satMod val="400000"/>
+              </a:schemeClr>
+            </a:duotone>
+            <a:extLst>
+              <a:ext uri="{28A0092B-C50C-407E-A947-70E740481C1C}">
+                <a14:useLocalDpi xmlns:a14="http://schemas.microsoft.com/office/drawing/2010/main" val="0"/>
+              </a:ext>
+            </a:extLst>
+          </a:blip>
+          <a:stretch>
+            <a:fillRect/>
+          </a:stretch>
+        </p:blipFill>
+        <p:spPr>
+          <a:xfrm rot="20747235">
+            <a:off x="9465014" y="4048298"/>
+            <a:ext cx="1650779" cy="1215944"/>
+          </a:xfrm>
+          <a:prstGeom prst="rect">
+            <a:avLst/>
+          </a:prstGeom>
+        </p:spPr>
+      </p:pic>
+      <p:cxnSp>
+        <p:nvCxnSpPr>
+          <p:cNvPr id="19" name="Straight Connector 18">
+            <a:extLst>
+              <a:ext uri="{FF2B5EF4-FFF2-40B4-BE49-F238E27FC236}">
+                <a16:creationId xmlns:a16="http://schemas.microsoft.com/office/drawing/2014/main" id="{7615E624-AE56-4E57-8ADE-623EA3000042}"/>
+              </a:ext>
+            </a:extLst>
+          </p:cNvPr>
+          <p:cNvCxnSpPr>
+            <a:cxnSpLocks/>
+          </p:cNvCxnSpPr>
+          <p:nvPr/>
+        </p:nvCxnSpPr>
+        <p:spPr>
+          <a:xfrm>
+            <a:off x="2259624" y="5152294"/>
+            <a:ext cx="0" cy="123092"/>
+          </a:xfrm>
+          <a:prstGeom prst="line">
+            <a:avLst/>
+          </a:prstGeom>
+          <a:ln w="76200">
+            <a:solidFill>
+              <a:srgbClr val="404040"/>
+            </a:solidFill>
+          </a:ln>
+        </p:spPr>
+        <p:style>
+          <a:lnRef idx="1">
+            <a:schemeClr val="accent1"/>
+          </a:lnRef>
+          <a:fillRef idx="0">
+            <a:schemeClr val="accent1"/>
+          </a:fillRef>
+          <a:effectRef idx="0">
+            <a:schemeClr val="accent1"/>
+          </a:effectRef>
+          <a:fontRef idx="minor">
+            <a:schemeClr val="tx1"/>
+          </a:fontRef>
+        </p:style>
+      </p:cxnSp>
+      <p:cxnSp>
+        <p:nvCxnSpPr>
+          <p:cNvPr id="22" name="Straight Connector 21">
+            <a:extLst>
+              <a:ext uri="{FF2B5EF4-FFF2-40B4-BE49-F238E27FC236}">
+                <a16:creationId xmlns:a16="http://schemas.microsoft.com/office/drawing/2014/main" id="{A74074FE-7BFF-4D92-AC57-DE36AFCCE07E}"/>
+              </a:ext>
+            </a:extLst>
+          </p:cNvPr>
+          <p:cNvCxnSpPr>
+            <a:cxnSpLocks/>
+          </p:cNvCxnSpPr>
+          <p:nvPr/>
+        </p:nvCxnSpPr>
+        <p:spPr>
+          <a:xfrm>
+            <a:off x="10026159" y="5152294"/>
+            <a:ext cx="0" cy="123092"/>
+          </a:xfrm>
+          <a:prstGeom prst="line">
+            <a:avLst/>
+          </a:prstGeom>
+          <a:ln w="76200">
+            <a:solidFill>
+              <a:srgbClr val="404040"/>
+            </a:solidFill>
+          </a:ln>
+        </p:spPr>
+        <p:style>
+          <a:lnRef idx="1">
+            <a:schemeClr val="accent1"/>
+          </a:lnRef>
+          <a:fillRef idx="0">
+            <a:schemeClr val="accent1"/>
+          </a:fillRef>
+          <a:effectRef idx="0">
+            <a:schemeClr val="accent1"/>
+          </a:effectRef>
+          <a:fontRef idx="minor">
+            <a:schemeClr val="tx1"/>
+          </a:fontRef>
+        </p:style>
+      </p:cxnSp>
+      <p:sp>
+        <p:nvSpPr>
+          <p:cNvPr id="23" name="TextBox 22">
+            <a:extLst>
+              <a:ext uri="{FF2B5EF4-FFF2-40B4-BE49-F238E27FC236}">
+                <a16:creationId xmlns:a16="http://schemas.microsoft.com/office/drawing/2014/main" id="{9BE2808B-BB9B-44B4-84E8-07BD1071C080}"/>
+              </a:ext>
+            </a:extLst>
+          </p:cNvPr>
+          <p:cNvSpPr txBox="1"/>
+          <p:nvPr/>
+        </p:nvSpPr>
+        <p:spPr>
+          <a:xfrm>
+            <a:off x="362173" y="1500368"/>
+            <a:ext cx="8911414" cy="523220"/>
+          </a:xfrm>
+          <a:prstGeom prst="rect">
+            <a:avLst/>
+          </a:prstGeom>
+          <a:noFill/>
+        </p:spPr>
+        <p:txBody>
+          <a:bodyPr wrap="none" rtlCol="0">
+            <a:spAutoFit/>
+          </a:bodyPr>
+          <a:lstStyle/>
+          <a:p>
+            <a:r>
+              <a:rPr lang="en-CA" sz="2800" dirty="0">
+                <a:solidFill>
+                  <a:schemeClr val="tx1">
+                    <a:lumMod val="75000"/>
+                    <a:lumOff val="25000"/>
+                  </a:schemeClr>
+                </a:solidFill>
+                <a:latin typeface="Gloria Hallelujah" panose="02000000000000000000" pitchFamily="2" charset="0"/>
+              </a:rPr>
+              <a:t>Traits of 800 characters across 250+ spectrums</a:t>
+            </a:r>
+          </a:p>
+        </p:txBody>
+      </p:sp>
+      <p:cxnSp>
+        <p:nvCxnSpPr>
+          <p:cNvPr id="24" name="Straight Connector 23">
+            <a:extLst>
+              <a:ext uri="{FF2B5EF4-FFF2-40B4-BE49-F238E27FC236}">
+                <a16:creationId xmlns:a16="http://schemas.microsoft.com/office/drawing/2014/main" id="{FEA41C5D-5EFA-48D1-85DE-4B0384B8A2C7}"/>
+              </a:ext>
+            </a:extLst>
+          </p:cNvPr>
+          <p:cNvCxnSpPr>
+            <a:cxnSpLocks/>
+          </p:cNvCxnSpPr>
+          <p:nvPr/>
+        </p:nvCxnSpPr>
+        <p:spPr>
+          <a:xfrm>
+            <a:off x="6096000" y="5103780"/>
+            <a:ext cx="0" cy="353297"/>
+          </a:xfrm>
+          <a:prstGeom prst="line">
+            <a:avLst/>
+          </a:prstGeom>
+          <a:ln w="76200">
+            <a:solidFill>
+              <a:srgbClr val="404040"/>
+            </a:solidFill>
+          </a:ln>
+        </p:spPr>
+        <p:style>
+          <a:lnRef idx="1">
+            <a:schemeClr val="accent1"/>
+          </a:lnRef>
+          <a:fillRef idx="0">
+            <a:schemeClr val="accent1"/>
+          </a:fillRef>
+          <a:effectRef idx="0">
+            <a:schemeClr val="accent1"/>
+          </a:effectRef>
+          <a:fontRef idx="minor">
+            <a:schemeClr val="tx1"/>
+          </a:fontRef>
+        </p:style>
+      </p:cxnSp>
+      <p:pic>
+        <p:nvPicPr>
+          <p:cNvPr id="18" name="Picture 17">
+            <a:extLst>
+              <a:ext uri="{FF2B5EF4-FFF2-40B4-BE49-F238E27FC236}">
+                <a16:creationId xmlns:a16="http://schemas.microsoft.com/office/drawing/2014/main" id="{310B53FA-182F-464E-AB47-D2EC09F96555}"/>
+              </a:ext>
+            </a:extLst>
+          </p:cNvPr>
+          <p:cNvPicPr>
+            <a:picLocks noChangeAspect="1"/>
+          </p:cNvPicPr>
+          <p:nvPr/>
+        </p:nvPicPr>
+        <p:blipFill>
+          <a:blip r:embed="rId3">
+            <a:duotone>
+              <a:schemeClr val="accent4">
+                <a:shade val="45000"/>
+                <a:satMod val="135000"/>
+              </a:schemeClr>
+              <a:prstClr val="white"/>
+            </a:duotone>
+          </a:blip>
+          <a:stretch>
+            <a:fillRect/>
+          </a:stretch>
+        </p:blipFill>
+        <p:spPr>
+          <a:xfrm rot="1054935">
+            <a:off x="10409600" y="201747"/>
+            <a:ext cx="1580388" cy="1581912"/>
+          </a:xfrm>
+          <a:prstGeom prst="rect">
+            <a:avLst/>
+          </a:prstGeom>
+        </p:spPr>
+      </p:pic>
     </p:spTree>
     <p:extLst>
       <p:ext uri="{BB962C8B-B14F-4D97-AF65-F5344CB8AC3E}">
-        <p14:creationId xmlns:p14="http://schemas.microsoft.com/office/powerpoint/2010/main" val="1130777290"/>
+        <p14:creationId xmlns:p14="http://schemas.microsoft.com/office/powerpoint/2010/main" val="4002092281"/>
       </p:ext>
     </p:extLst>
   </p:cSld>
@@ -6148,8 +6360,8 @@
         </p:nvSpPr>
         <p:spPr>
           <a:xfrm>
-            <a:off x="1591068" y="2828835"/>
-            <a:ext cx="9009864" cy="1200329"/>
+            <a:off x="1591068" y="1817665"/>
+            <a:ext cx="9009864" cy="1938992"/>
           </a:xfrm>
           <a:prstGeom prst="rect">
             <a:avLst/>
@@ -6164,7 +6376,7 @@
           <a:p>
             <a:pPr algn="ctr"/>
             <a:r>
-              <a:rPr lang="en-CA" sz="6600" dirty="0">
+              <a:rPr lang="en-CA" sz="6000" dirty="0">
                 <a:solidFill>
                   <a:schemeClr val="tx1">
                     <a:lumMod val="75000"/>
@@ -6176,7 +6388,7 @@
               <a:t>How do I </a:t>
             </a:r>
             <a:r>
-              <a:rPr lang="en-CA" sz="7200" dirty="0">
+              <a:rPr lang="en-CA" sz="6000" dirty="0">
                 <a:solidFill>
                   <a:srgbClr val="C00000"/>
                 </a:solidFill>
@@ -6185,7 +6397,7 @@
               <a:t>learn</a:t>
             </a:r>
             <a:r>
-              <a:rPr lang="en-CA" sz="6600" dirty="0">
+              <a:rPr lang="en-CA" sz="6000" dirty="0">
                 <a:solidFill>
                   <a:schemeClr val="tx1">
                     <a:lumMod val="75000"/>
@@ -6194,7 +6406,28 @@
                 </a:solidFill>
                 <a:latin typeface="Gloria Hallelujah" panose="02000000000000000000" pitchFamily="2" charset="0"/>
               </a:rPr>
-              <a:t> R?</a:t>
+              <a:t> how to do </a:t>
+            </a:r>
+            <a:r>
+              <a:rPr lang="en-CA" sz="6000" dirty="0">
+                <a:solidFill>
+                  <a:srgbClr val="C00000"/>
+                </a:solidFill>
+                <a:latin typeface="Gloria Hallelujah" panose="02000000000000000000" pitchFamily="2" charset="0"/>
+              </a:rPr>
+              <a:t>[thing]</a:t>
+            </a:r>
+            <a:r>
+              <a:rPr lang="en-CA" sz="6000" dirty="0">
+                <a:solidFill>
+                  <a:schemeClr val="tx1">
+                    <a:lumMod val="75000"/>
+                    <a:lumOff val="25000"/>
+                  </a:schemeClr>
+                </a:solidFill>
+                <a:latin typeface="Gloria Hallelujah" panose="02000000000000000000" pitchFamily="2" charset="0"/>
+              </a:rPr>
+              <a:t> in R?</a:t>
             </a:r>
           </a:p>
         </p:txBody>
@@ -6215,14 +6448,6 @@
 <file path=ppt/slides/slide20.xml><?xml version="1.0" encoding="utf-8"?>
 <p:sld xmlns:a="http://schemas.openxmlformats.org/drawingml/2006/main" xmlns:r="http://schemas.openxmlformats.org/officeDocument/2006/relationships" xmlns:p="http://schemas.openxmlformats.org/presentationml/2006/main">
   <p:cSld>
-    <p:bg>
-      <p:bgPr>
-        <a:solidFill>
-          <a:srgbClr val="FFF1E6"/>
-        </a:solidFill>
-        <a:effectLst/>
-      </p:bgPr>
-    </p:bg>
     <p:spTree>
       <p:nvGrpSpPr>
         <p:cNvPr id="1" name=""/>
@@ -6237,57 +6462,54 @@
           <a:chExt cx="0" cy="0"/>
         </a:xfrm>
       </p:grpSpPr>
-      <p:pic>
-        <p:nvPicPr>
-          <p:cNvPr id="1030" name="Picture 6">
-            <a:extLst>
-              <a:ext uri="{FF2B5EF4-FFF2-40B4-BE49-F238E27FC236}">
-                <a16:creationId xmlns:a16="http://schemas.microsoft.com/office/drawing/2014/main" id="{6E4A8E41-A143-4FE6-95F3-2FE1B75AA760}"/>
-              </a:ext>
-            </a:extLst>
-          </p:cNvPr>
-          <p:cNvPicPr>
-            <a:picLocks noChangeAspect="1" noChangeArrowheads="1"/>
-          </p:cNvPicPr>
+      <p:sp>
+        <p:nvSpPr>
+          <p:cNvPr id="8" name="TextBox 7">
+            <a:extLst>
+              <a:ext uri="{FF2B5EF4-FFF2-40B4-BE49-F238E27FC236}">
+                <a16:creationId xmlns:a16="http://schemas.microsoft.com/office/drawing/2014/main" id="{4FD667B5-2D1E-4ABF-92E8-324096A6768B}"/>
+              </a:ext>
+            </a:extLst>
+          </p:cNvPr>
+          <p:cNvSpPr txBox="1"/>
           <p:nvPr/>
-        </p:nvPicPr>
-        <p:blipFill>
-          <a:blip r:embed="rId2">
-            <a:extLst>
-              <a:ext uri="{28A0092B-C50C-407E-A947-70E740481C1C}">
-                <a14:useLocalDpi xmlns:a14="http://schemas.microsoft.com/office/drawing/2010/main" val="0"/>
-              </a:ext>
-            </a:extLst>
-          </a:blip>
-          <a:srcRect/>
-          <a:stretch>
-            <a:fillRect/>
-          </a:stretch>
-        </p:blipFill>
-        <p:spPr bwMode="auto">
+        </p:nvSpPr>
+        <p:spPr>
           <a:xfrm>
-            <a:off x="4198831" y="0"/>
-            <a:ext cx="7078663" cy="6858000"/>
+            <a:off x="609600" y="2705725"/>
+            <a:ext cx="10972799" cy="1446550"/>
           </a:xfrm>
           <a:prstGeom prst="rect">
             <a:avLst/>
           </a:prstGeom>
           <a:noFill/>
-          <a:extLst>
-            <a:ext uri="{909E8E84-426E-40DD-AFC4-6F175D3DCCD1}">
-              <a14:hiddenFill xmlns:a14="http://schemas.microsoft.com/office/drawing/2010/main">
-                <a:solidFill>
-                  <a:srgbClr val="FFFFFF"/>
-                </a:solidFill>
-              </a14:hiddenFill>
-            </a:ext>
-          </a:extLst>
-        </p:spPr>
-      </p:pic>
+        </p:spPr>
+        <p:txBody>
+          <a:bodyPr wrap="square" rtlCol="0">
+            <a:spAutoFit/>
+          </a:bodyPr>
+          <a:lstStyle/>
+          <a:p>
+            <a:pPr algn="ctr"/>
+            <a:r>
+              <a:rPr lang="en-CA" sz="4400" dirty="0">
+                <a:solidFill>
+                  <a:schemeClr val="tx1">
+                    <a:lumMod val="75000"/>
+                    <a:lumOff val="25000"/>
+                  </a:schemeClr>
+                </a:solidFill>
+                <a:latin typeface="Gloria Hallelujah" panose="02000000000000000000" pitchFamily="2" charset="0"/>
+              </a:rPr>
+              <a:t>What are some of my favourite characters’ personalities?</a:t>
+            </a:r>
+          </a:p>
+        </p:txBody>
+      </p:sp>
     </p:spTree>
     <p:extLst>
       <p:ext uri="{BB962C8B-B14F-4D97-AF65-F5344CB8AC3E}">
-        <p14:creationId xmlns:p14="http://schemas.microsoft.com/office/powerpoint/2010/main" val="1159932550"/>
+        <p14:creationId xmlns:p14="http://schemas.microsoft.com/office/powerpoint/2010/main" val="1130777290"/>
       </p:ext>
     </p:extLst>
   </p:cSld>
@@ -6369,206 +6591,10 @@
           </a:extLst>
         </p:spPr>
       </p:pic>
-      <p:sp>
-        <p:nvSpPr>
-          <p:cNvPr id="2" name="TextBox 1">
-            <a:extLst>
-              <a:ext uri="{FF2B5EF4-FFF2-40B4-BE49-F238E27FC236}">
-                <a16:creationId xmlns:a16="http://schemas.microsoft.com/office/drawing/2014/main" id="{1DFD4B86-1BC4-4EBC-8F50-DEF6F2D99157}"/>
-              </a:ext>
-            </a:extLst>
-          </p:cNvPr>
-          <p:cNvSpPr txBox="1"/>
-          <p:nvPr/>
-        </p:nvSpPr>
-        <p:spPr>
-          <a:xfrm>
-            <a:off x="3150351" y="400307"/>
-            <a:ext cx="2215671" cy="369332"/>
-          </a:xfrm>
-          <a:prstGeom prst="rect">
-            <a:avLst/>
-          </a:prstGeom>
-          <a:noFill/>
-        </p:spPr>
-        <p:txBody>
-          <a:bodyPr wrap="none" rtlCol="0">
-            <a:spAutoFit/>
-          </a:bodyPr>
-          <a:lstStyle/>
-          <a:p>
-            <a:r>
-              <a:rPr lang="en-CA" dirty="0">
-                <a:solidFill>
-                  <a:schemeClr val="tx1">
-                    <a:lumMod val="75000"/>
-                    <a:lumOff val="25000"/>
-                  </a:schemeClr>
-                </a:solidFill>
-                <a:latin typeface="Gloria Hallelujah" panose="02000000000000000000" pitchFamily="2" charset="0"/>
-              </a:rPr>
-              <a:t>Use custom fonts</a:t>
-            </a:r>
-          </a:p>
-        </p:txBody>
-      </p:sp>
-      <p:sp>
-        <p:nvSpPr>
-          <p:cNvPr id="5" name="TextBox 4">
-            <a:extLst>
-              <a:ext uri="{FF2B5EF4-FFF2-40B4-BE49-F238E27FC236}">
-                <a16:creationId xmlns:a16="http://schemas.microsoft.com/office/drawing/2014/main" id="{129ADA98-34BF-44D9-9885-75927011435E}"/>
-              </a:ext>
-            </a:extLst>
-          </p:cNvPr>
-          <p:cNvSpPr txBox="1"/>
-          <p:nvPr/>
-        </p:nvSpPr>
-        <p:spPr>
-          <a:xfrm>
-            <a:off x="1846492" y="4886209"/>
-            <a:ext cx="2352339" cy="646331"/>
-          </a:xfrm>
-          <a:prstGeom prst="rect">
-            <a:avLst/>
-          </a:prstGeom>
-          <a:noFill/>
-        </p:spPr>
-        <p:txBody>
-          <a:bodyPr wrap="square" rtlCol="0">
-            <a:spAutoFit/>
-          </a:bodyPr>
-          <a:lstStyle/>
-          <a:p>
-            <a:r>
-              <a:rPr lang="en-CA" dirty="0">
-                <a:solidFill>
-                  <a:schemeClr val="tx1">
-                    <a:lumMod val="75000"/>
-                    <a:lumOff val="25000"/>
-                  </a:schemeClr>
-                </a:solidFill>
-                <a:latin typeface="Gloria Hallelujah" panose="02000000000000000000" pitchFamily="2" charset="0"/>
-              </a:rPr>
-              <a:t>Adjust a LOT of theme() elements</a:t>
-            </a:r>
-          </a:p>
-        </p:txBody>
-      </p:sp>
-      <p:sp>
-        <p:nvSpPr>
-          <p:cNvPr id="6" name="TextBox 5">
-            <a:extLst>
-              <a:ext uri="{FF2B5EF4-FFF2-40B4-BE49-F238E27FC236}">
-                <a16:creationId xmlns:a16="http://schemas.microsoft.com/office/drawing/2014/main" id="{26587724-412F-4E5D-AC86-4FAFC0A039CD}"/>
-              </a:ext>
-            </a:extLst>
-          </p:cNvPr>
-          <p:cNvSpPr txBox="1"/>
-          <p:nvPr/>
-        </p:nvSpPr>
-        <p:spPr>
-          <a:xfrm>
-            <a:off x="1770067" y="3167488"/>
-            <a:ext cx="2699133" cy="646331"/>
-          </a:xfrm>
-          <a:prstGeom prst="rect">
-            <a:avLst/>
-          </a:prstGeom>
-          <a:noFill/>
-        </p:spPr>
-        <p:txBody>
-          <a:bodyPr wrap="square" rtlCol="0">
-            <a:spAutoFit/>
-          </a:bodyPr>
-          <a:lstStyle/>
-          <a:p>
-            <a:r>
-              <a:rPr lang="en-CA" dirty="0">
-                <a:solidFill>
-                  <a:schemeClr val="tx1">
-                    <a:lumMod val="75000"/>
-                    <a:lumOff val="25000"/>
-                  </a:schemeClr>
-                </a:solidFill>
-                <a:latin typeface="Gloria Hallelujah" panose="02000000000000000000" pitchFamily="2" charset="0"/>
-              </a:rPr>
-              <a:t>Choose an appropriate colour palette</a:t>
-            </a:r>
-          </a:p>
-        </p:txBody>
-      </p:sp>
-      <p:sp>
-        <p:nvSpPr>
-          <p:cNvPr id="8" name="TextBox 7">
-            <a:extLst>
-              <a:ext uri="{FF2B5EF4-FFF2-40B4-BE49-F238E27FC236}">
-                <a16:creationId xmlns:a16="http://schemas.microsoft.com/office/drawing/2014/main" id="{1987FD36-CF9C-4245-A096-8A440F279541}"/>
-              </a:ext>
-            </a:extLst>
-          </p:cNvPr>
-          <p:cNvSpPr txBox="1"/>
-          <p:nvPr/>
-        </p:nvSpPr>
-        <p:spPr>
-          <a:xfrm>
-            <a:off x="1998147" y="1257352"/>
-            <a:ext cx="2471053" cy="646331"/>
-          </a:xfrm>
-          <a:prstGeom prst="rect">
-            <a:avLst/>
-          </a:prstGeom>
-          <a:noFill/>
-        </p:spPr>
-        <p:txBody>
-          <a:bodyPr wrap="square" rtlCol="0">
-            <a:spAutoFit/>
-          </a:bodyPr>
-          <a:lstStyle/>
-          <a:p>
-            <a:r>
-              <a:rPr lang="en-CA" dirty="0">
-                <a:solidFill>
-                  <a:schemeClr val="tx1">
-                    <a:lumMod val="75000"/>
-                    <a:lumOff val="25000"/>
-                  </a:schemeClr>
-                </a:solidFill>
-                <a:latin typeface="Gloria Hallelujah" panose="02000000000000000000" pitchFamily="2" charset="0"/>
-              </a:rPr>
-              <a:t>Tweak labels with {glue} and {</a:t>
-            </a:r>
-            <a:r>
-              <a:rPr lang="en-CA" dirty="0" err="1">
-                <a:solidFill>
-                  <a:schemeClr val="tx1">
-                    <a:lumMod val="75000"/>
-                    <a:lumOff val="25000"/>
-                  </a:schemeClr>
-                </a:solidFill>
-                <a:latin typeface="Gloria Hallelujah" panose="02000000000000000000" pitchFamily="2" charset="0"/>
-              </a:rPr>
-              <a:t>ggtext</a:t>
-            </a:r>
-            <a:r>
-              <a:rPr lang="en-CA" dirty="0">
-                <a:solidFill>
-                  <a:schemeClr val="tx1">
-                    <a:lumMod val="75000"/>
-                    <a:lumOff val="25000"/>
-                  </a:schemeClr>
-                </a:solidFill>
-                <a:latin typeface="Gloria Hallelujah" panose="02000000000000000000" pitchFamily="2" charset="0"/>
-              </a:rPr>
-              <a:t>}</a:t>
-            </a:r>
-          </a:p>
-        </p:txBody>
-      </p:sp>
     </p:spTree>
     <p:extLst>
       <p:ext uri="{BB962C8B-B14F-4D97-AF65-F5344CB8AC3E}">
-        <p14:creationId xmlns:p14="http://schemas.microsoft.com/office/powerpoint/2010/main" val="3030006683"/>
+        <p14:creationId xmlns:p14="http://schemas.microsoft.com/office/powerpoint/2010/main" val="1159932550"/>
       </p:ext>
     </p:extLst>
   </p:cSld>
@@ -6581,6 +6607,14 @@
 <file path=ppt/slides/slide22.xml><?xml version="1.0" encoding="utf-8"?>
 <p:sld xmlns:a="http://schemas.openxmlformats.org/drawingml/2006/main" xmlns:r="http://schemas.openxmlformats.org/officeDocument/2006/relationships" xmlns:p="http://schemas.openxmlformats.org/presentationml/2006/main">
   <p:cSld>
+    <p:bg>
+      <p:bgPr>
+        <a:solidFill>
+          <a:srgbClr val="FFF1E6"/>
+        </a:solidFill>
+        <a:effectLst/>
+      </p:bgPr>
+    </p:bg>
     <p:spTree>
       <p:nvGrpSpPr>
         <p:cNvPr id="1" name=""/>
@@ -6595,37 +6629,83 @@
           <a:chExt cx="0" cy="0"/>
         </a:xfrm>
       </p:grpSpPr>
-      <p:sp>
-        <p:nvSpPr>
-          <p:cNvPr id="8" name="TextBox 7">
-            <a:extLst>
-              <a:ext uri="{FF2B5EF4-FFF2-40B4-BE49-F238E27FC236}">
-                <a16:creationId xmlns:a16="http://schemas.microsoft.com/office/drawing/2014/main" id="{4FD667B5-2D1E-4ABF-92E8-324096A6768B}"/>
-              </a:ext>
-            </a:extLst>
-          </p:cNvPr>
-          <p:cNvSpPr txBox="1"/>
+      <p:pic>
+        <p:nvPicPr>
+          <p:cNvPr id="1030" name="Picture 6">
+            <a:extLst>
+              <a:ext uri="{FF2B5EF4-FFF2-40B4-BE49-F238E27FC236}">
+                <a16:creationId xmlns:a16="http://schemas.microsoft.com/office/drawing/2014/main" id="{6E4A8E41-A143-4FE6-95F3-2FE1B75AA760}"/>
+              </a:ext>
+            </a:extLst>
+          </p:cNvPr>
+          <p:cNvPicPr>
+            <a:picLocks noChangeAspect="1" noChangeArrowheads="1"/>
+          </p:cNvPicPr>
           <p:nvPr/>
-        </p:nvSpPr>
-        <p:spPr>
+        </p:nvPicPr>
+        <p:blipFill>
+          <a:blip r:embed="rId2">
+            <a:extLst>
+              <a:ext uri="{28A0092B-C50C-407E-A947-70E740481C1C}">
+                <a14:useLocalDpi xmlns:a14="http://schemas.microsoft.com/office/drawing/2010/main" val="0"/>
+              </a:ext>
+            </a:extLst>
+          </a:blip>
+          <a:srcRect/>
+          <a:stretch>
+            <a:fillRect/>
+          </a:stretch>
+        </p:blipFill>
+        <p:spPr bwMode="auto">
           <a:xfrm>
-            <a:off x="1444869" y="2705725"/>
-            <a:ext cx="9302262" cy="1446550"/>
+            <a:off x="4198831" y="0"/>
+            <a:ext cx="7078663" cy="6858000"/>
           </a:xfrm>
           <a:prstGeom prst="rect">
             <a:avLst/>
           </a:prstGeom>
           <a:noFill/>
-        </p:spPr>
-        <p:txBody>
-          <a:bodyPr wrap="square" rtlCol="0">
+          <a:extLst>
+            <a:ext uri="{909E8E84-426E-40DD-AFC4-6F175D3DCCD1}">
+              <a14:hiddenFill xmlns:a14="http://schemas.microsoft.com/office/drawing/2010/main">
+                <a:solidFill>
+                  <a:srgbClr val="FFFFFF"/>
+                </a:solidFill>
+              </a14:hiddenFill>
+            </a:ext>
+          </a:extLst>
+        </p:spPr>
+      </p:pic>
+      <p:sp>
+        <p:nvSpPr>
+          <p:cNvPr id="2" name="TextBox 1">
+            <a:extLst>
+              <a:ext uri="{FF2B5EF4-FFF2-40B4-BE49-F238E27FC236}">
+                <a16:creationId xmlns:a16="http://schemas.microsoft.com/office/drawing/2014/main" id="{1DFD4B86-1BC4-4EBC-8F50-DEF6F2D99157}"/>
+              </a:ext>
+            </a:extLst>
+          </p:cNvPr>
+          <p:cNvSpPr txBox="1"/>
+          <p:nvPr/>
+        </p:nvSpPr>
+        <p:spPr>
+          <a:xfrm>
+            <a:off x="3150351" y="400307"/>
+            <a:ext cx="2215671" cy="369332"/>
+          </a:xfrm>
+          <a:prstGeom prst="rect">
+            <a:avLst/>
+          </a:prstGeom>
+          <a:noFill/>
+        </p:spPr>
+        <p:txBody>
+          <a:bodyPr wrap="none" rtlCol="0">
             <a:spAutoFit/>
           </a:bodyPr>
           <a:lstStyle/>
           <a:p>
-            <a:pPr algn="ctr"/>
-            <a:r>
-              <a:rPr lang="en-CA" sz="4400" dirty="0">
+            <a:r>
+              <a:rPr lang="en-CA" dirty="0">
                 <a:solidFill>
                   <a:schemeClr val="tx1">
                     <a:lumMod val="75000"/>
@@ -6634,7 +6714,160 @@
                 </a:solidFill>
                 <a:latin typeface="Gloria Hallelujah" panose="02000000000000000000" pitchFamily="2" charset="0"/>
               </a:rPr>
-              <a:t>Which characters are most similar to one another?</a:t>
+              <a:t>Use custom fonts</a:t>
+            </a:r>
+          </a:p>
+        </p:txBody>
+      </p:sp>
+      <p:sp>
+        <p:nvSpPr>
+          <p:cNvPr id="5" name="TextBox 4">
+            <a:extLst>
+              <a:ext uri="{FF2B5EF4-FFF2-40B4-BE49-F238E27FC236}">
+                <a16:creationId xmlns:a16="http://schemas.microsoft.com/office/drawing/2014/main" id="{129ADA98-34BF-44D9-9885-75927011435E}"/>
+              </a:ext>
+            </a:extLst>
+          </p:cNvPr>
+          <p:cNvSpPr txBox="1"/>
+          <p:nvPr/>
+        </p:nvSpPr>
+        <p:spPr>
+          <a:xfrm>
+            <a:off x="1846492" y="4886209"/>
+            <a:ext cx="2352339" cy="646331"/>
+          </a:xfrm>
+          <a:prstGeom prst="rect">
+            <a:avLst/>
+          </a:prstGeom>
+          <a:noFill/>
+        </p:spPr>
+        <p:txBody>
+          <a:bodyPr wrap="square" rtlCol="0">
+            <a:spAutoFit/>
+          </a:bodyPr>
+          <a:lstStyle/>
+          <a:p>
+            <a:r>
+              <a:rPr lang="en-CA" dirty="0">
+                <a:solidFill>
+                  <a:schemeClr val="tx1">
+                    <a:lumMod val="75000"/>
+                    <a:lumOff val="25000"/>
+                  </a:schemeClr>
+                </a:solidFill>
+                <a:latin typeface="Gloria Hallelujah" panose="02000000000000000000" pitchFamily="2" charset="0"/>
+              </a:rPr>
+              <a:t>Adjust a LOT of theme() elements</a:t>
+            </a:r>
+          </a:p>
+        </p:txBody>
+      </p:sp>
+      <p:sp>
+        <p:nvSpPr>
+          <p:cNvPr id="6" name="TextBox 5">
+            <a:extLst>
+              <a:ext uri="{FF2B5EF4-FFF2-40B4-BE49-F238E27FC236}">
+                <a16:creationId xmlns:a16="http://schemas.microsoft.com/office/drawing/2014/main" id="{26587724-412F-4E5D-AC86-4FAFC0A039CD}"/>
+              </a:ext>
+            </a:extLst>
+          </p:cNvPr>
+          <p:cNvSpPr txBox="1"/>
+          <p:nvPr/>
+        </p:nvSpPr>
+        <p:spPr>
+          <a:xfrm>
+            <a:off x="1770067" y="3167488"/>
+            <a:ext cx="2699133" cy="646331"/>
+          </a:xfrm>
+          <a:prstGeom prst="rect">
+            <a:avLst/>
+          </a:prstGeom>
+          <a:noFill/>
+        </p:spPr>
+        <p:txBody>
+          <a:bodyPr wrap="square" rtlCol="0">
+            <a:spAutoFit/>
+          </a:bodyPr>
+          <a:lstStyle/>
+          <a:p>
+            <a:r>
+              <a:rPr lang="en-CA" dirty="0">
+                <a:solidFill>
+                  <a:schemeClr val="tx1">
+                    <a:lumMod val="75000"/>
+                    <a:lumOff val="25000"/>
+                  </a:schemeClr>
+                </a:solidFill>
+                <a:latin typeface="Gloria Hallelujah" panose="02000000000000000000" pitchFamily="2" charset="0"/>
+              </a:rPr>
+              <a:t>Choose an appropriate colour palette</a:t>
+            </a:r>
+          </a:p>
+        </p:txBody>
+      </p:sp>
+      <p:sp>
+        <p:nvSpPr>
+          <p:cNvPr id="8" name="TextBox 7">
+            <a:extLst>
+              <a:ext uri="{FF2B5EF4-FFF2-40B4-BE49-F238E27FC236}">
+                <a16:creationId xmlns:a16="http://schemas.microsoft.com/office/drawing/2014/main" id="{1987FD36-CF9C-4245-A096-8A440F279541}"/>
+              </a:ext>
+            </a:extLst>
+          </p:cNvPr>
+          <p:cNvSpPr txBox="1"/>
+          <p:nvPr/>
+        </p:nvSpPr>
+        <p:spPr>
+          <a:xfrm>
+            <a:off x="1998147" y="1257352"/>
+            <a:ext cx="2471053" cy="646331"/>
+          </a:xfrm>
+          <a:prstGeom prst="rect">
+            <a:avLst/>
+          </a:prstGeom>
+          <a:noFill/>
+        </p:spPr>
+        <p:txBody>
+          <a:bodyPr wrap="square" rtlCol="0">
+            <a:spAutoFit/>
+          </a:bodyPr>
+          <a:lstStyle/>
+          <a:p>
+            <a:r>
+              <a:rPr lang="en-CA" dirty="0">
+                <a:solidFill>
+                  <a:schemeClr val="tx1">
+                    <a:lumMod val="75000"/>
+                    <a:lumOff val="25000"/>
+                  </a:schemeClr>
+                </a:solidFill>
+                <a:latin typeface="Gloria Hallelujah" panose="02000000000000000000" pitchFamily="2" charset="0"/>
+              </a:rPr>
+              <a:t>Tweak labels with {glue} and {</a:t>
+            </a:r>
+            <a:r>
+              <a:rPr lang="en-CA" dirty="0" err="1">
+                <a:solidFill>
+                  <a:schemeClr val="tx1">
+                    <a:lumMod val="75000"/>
+                    <a:lumOff val="25000"/>
+                  </a:schemeClr>
+                </a:solidFill>
+                <a:latin typeface="Gloria Hallelujah" panose="02000000000000000000" pitchFamily="2" charset="0"/>
+              </a:rPr>
+              <a:t>ggtext</a:t>
+            </a:r>
+            <a:r>
+              <a:rPr lang="en-CA" dirty="0">
+                <a:solidFill>
+                  <a:schemeClr val="tx1">
+                    <a:lumMod val="75000"/>
+                    <a:lumOff val="25000"/>
+                  </a:schemeClr>
+                </a:solidFill>
+                <a:latin typeface="Gloria Hallelujah" panose="02000000000000000000" pitchFamily="2" charset="0"/>
+              </a:rPr>
+              <a:t>}</a:t>
             </a:r>
           </a:p>
         </p:txBody>
@@ -6642,7 +6875,7 @@
     </p:spTree>
     <p:extLst>
       <p:ext uri="{BB962C8B-B14F-4D97-AF65-F5344CB8AC3E}">
-        <p14:creationId xmlns:p14="http://schemas.microsoft.com/office/powerpoint/2010/main" val="2267674358"/>
+        <p14:creationId xmlns:p14="http://schemas.microsoft.com/office/powerpoint/2010/main" val="3030006683"/>
       </p:ext>
     </p:extLst>
   </p:cSld>
@@ -6669,55 +6902,54 @@
           <a:chExt cx="0" cy="0"/>
         </a:xfrm>
       </p:grpSpPr>
-      <p:pic>
-        <p:nvPicPr>
-          <p:cNvPr id="5" name="Picture 4">
-            <a:extLst>
-              <a:ext uri="{FF2B5EF4-FFF2-40B4-BE49-F238E27FC236}">
-                <a16:creationId xmlns:a16="http://schemas.microsoft.com/office/drawing/2014/main" id="{CDE5ABF8-585F-43EF-BB87-E4F86FFC9038}"/>
-              </a:ext>
-            </a:extLst>
-          </p:cNvPr>
-          <p:cNvPicPr>
-            <a:picLocks noChangeAspect="1"/>
-          </p:cNvPicPr>
+      <p:sp>
+        <p:nvSpPr>
+          <p:cNvPr id="8" name="TextBox 7">
+            <a:extLst>
+              <a:ext uri="{FF2B5EF4-FFF2-40B4-BE49-F238E27FC236}">
+                <a16:creationId xmlns:a16="http://schemas.microsoft.com/office/drawing/2014/main" id="{4FD667B5-2D1E-4ABF-92E8-324096A6768B}"/>
+              </a:ext>
+            </a:extLst>
+          </p:cNvPr>
+          <p:cNvSpPr txBox="1"/>
           <p:nvPr/>
-        </p:nvPicPr>
-        <p:blipFill rotWithShape="1">
-          <a:blip r:embed="rId2">
-            <a:clrChange>
-              <a:clrFrom>
-                <a:srgbClr val="FFFFFF"/>
-              </a:clrFrom>
-              <a:clrTo>
-                <a:srgbClr val="FFFFFF">
-                  <a:alpha val="0"/>
-                </a:srgbClr>
-              </a:clrTo>
-            </a:clrChange>
-            <a:extLst>
-              <a:ext uri="{28A0092B-C50C-407E-A947-70E740481C1C}">
-                <a14:useLocalDpi xmlns:a14="http://schemas.microsoft.com/office/drawing/2010/main" val="0"/>
-              </a:ext>
-            </a:extLst>
-          </a:blip>
-          <a:srcRect t="7519"/>
-          <a:stretch/>
-        </p:blipFill>
+        </p:nvSpPr>
         <p:spPr>
           <a:xfrm>
-            <a:off x="4339746" y="188474"/>
-            <a:ext cx="7007971" cy="6481052"/>
+            <a:off x="1444869" y="2705725"/>
+            <a:ext cx="9302262" cy="1446550"/>
           </a:xfrm>
           <a:prstGeom prst="rect">
             <a:avLst/>
           </a:prstGeom>
-        </p:spPr>
-      </p:pic>
+          <a:noFill/>
+        </p:spPr>
+        <p:txBody>
+          <a:bodyPr wrap="square" rtlCol="0">
+            <a:spAutoFit/>
+          </a:bodyPr>
+          <a:lstStyle/>
+          <a:p>
+            <a:pPr algn="ctr"/>
+            <a:r>
+              <a:rPr lang="en-CA" sz="4400" dirty="0">
+                <a:solidFill>
+                  <a:schemeClr val="tx1">
+                    <a:lumMod val="75000"/>
+                    <a:lumOff val="25000"/>
+                  </a:schemeClr>
+                </a:solidFill>
+                <a:latin typeface="Gloria Hallelujah" panose="02000000000000000000" pitchFamily="2" charset="0"/>
+              </a:rPr>
+              <a:t>Which characters are most similar to one another?</a:t>
+            </a:r>
+          </a:p>
+        </p:txBody>
+      </p:sp>
     </p:spTree>
     <p:extLst>
       <p:ext uri="{BB962C8B-B14F-4D97-AF65-F5344CB8AC3E}">
-        <p14:creationId xmlns:p14="http://schemas.microsoft.com/office/powerpoint/2010/main" val="399769329"/>
+        <p14:creationId xmlns:p14="http://schemas.microsoft.com/office/powerpoint/2010/main" val="2267674358"/>
       </p:ext>
     </p:extLst>
   </p:cSld>
@@ -6744,232 +6976,908 @@
           <a:chExt cx="0" cy="0"/>
         </a:xfrm>
       </p:grpSpPr>
-      <p:pic>
-        <p:nvPicPr>
-          <p:cNvPr id="5" name="Picture 4">
-            <a:extLst>
-              <a:ext uri="{FF2B5EF4-FFF2-40B4-BE49-F238E27FC236}">
-                <a16:creationId xmlns:a16="http://schemas.microsoft.com/office/drawing/2014/main" id="{CDE5ABF8-585F-43EF-BB87-E4F86FFC9038}"/>
-              </a:ext>
-            </a:extLst>
-          </p:cNvPr>
-          <p:cNvPicPr>
-            <a:picLocks noChangeAspect="1"/>
-          </p:cNvPicPr>
+      <p:grpSp>
+        <p:nvGrpSpPr>
+          <p:cNvPr id="22" name="Group 21">
+            <a:extLst>
+              <a:ext uri="{FF2B5EF4-FFF2-40B4-BE49-F238E27FC236}">
+                <a16:creationId xmlns:a16="http://schemas.microsoft.com/office/drawing/2014/main" id="{051CDC68-19F6-4E4F-BDFE-EA9D5F156254}"/>
+              </a:ext>
+            </a:extLst>
+          </p:cNvPr>
+          <p:cNvGrpSpPr/>
           <p:nvPr/>
-        </p:nvPicPr>
-        <p:blipFill rotWithShape="1">
-          <a:blip r:embed="rId2">
-            <a:clrChange>
-              <a:clrFrom>
-                <a:srgbClr val="FFFFFF"/>
-              </a:clrFrom>
-              <a:clrTo>
-                <a:srgbClr val="FFFFFF">
-                  <a:alpha val="0"/>
-                </a:srgbClr>
-              </a:clrTo>
-            </a:clrChange>
-            <a:extLst>
-              <a:ext uri="{28A0092B-C50C-407E-A947-70E740481C1C}">
-                <a14:useLocalDpi xmlns:a14="http://schemas.microsoft.com/office/drawing/2010/main" val="0"/>
-              </a:ext>
-            </a:extLst>
-          </a:blip>
-          <a:srcRect t="7519"/>
-          <a:stretch/>
-        </p:blipFill>
-        <p:spPr>
+        </p:nvGrpSpPr>
+        <p:grpSpPr>
           <a:xfrm>
             <a:off x="4339746" y="188474"/>
             <a:ext cx="7007971" cy="6481052"/>
-          </a:xfrm>
-          <a:prstGeom prst="rect">
-            <a:avLst/>
-          </a:prstGeom>
-        </p:spPr>
-      </p:pic>
-      <p:sp>
-        <p:nvSpPr>
-          <p:cNvPr id="4" name="TextBox 3">
-            <a:extLst>
-              <a:ext uri="{FF2B5EF4-FFF2-40B4-BE49-F238E27FC236}">
-                <a16:creationId xmlns:a16="http://schemas.microsoft.com/office/drawing/2014/main" id="{A55BB3F9-4677-4B87-8535-8EB4190CB055}"/>
-              </a:ext>
-            </a:extLst>
-          </p:cNvPr>
-          <p:cNvSpPr txBox="1"/>
-          <p:nvPr/>
-        </p:nvSpPr>
-        <p:spPr>
-          <a:xfrm>
-            <a:off x="2117200" y="1629786"/>
-            <a:ext cx="2646485" cy="646331"/>
-          </a:xfrm>
-          <a:prstGeom prst="rect">
-            <a:avLst/>
-          </a:prstGeom>
-          <a:noFill/>
-        </p:spPr>
-        <p:txBody>
-          <a:bodyPr wrap="square" rtlCol="0">
-            <a:spAutoFit/>
-          </a:bodyPr>
-          <a:lstStyle/>
-          <a:p>
-            <a:r>
-              <a:rPr lang="en-CA" dirty="0">
-                <a:solidFill>
-                  <a:schemeClr val="tx1">
-                    <a:lumMod val="75000"/>
-                    <a:lumOff val="25000"/>
-                  </a:schemeClr>
-                </a:solidFill>
-                <a:latin typeface="Gloria Hallelujah" panose="02000000000000000000" pitchFamily="2" charset="0"/>
-              </a:rPr>
-              <a:t>Add text and arrow annotations</a:t>
-            </a:r>
-          </a:p>
-        </p:txBody>
-      </p:sp>
-      <p:sp>
-        <p:nvSpPr>
-          <p:cNvPr id="7" name="TextBox 6">
-            <a:extLst>
-              <a:ext uri="{FF2B5EF4-FFF2-40B4-BE49-F238E27FC236}">
-                <a16:creationId xmlns:a16="http://schemas.microsoft.com/office/drawing/2014/main" id="{06562EC9-5435-4D00-92B8-2683264EB738}"/>
-              </a:ext>
-            </a:extLst>
-          </p:cNvPr>
-          <p:cNvSpPr txBox="1"/>
-          <p:nvPr/>
-        </p:nvSpPr>
-        <p:spPr>
-          <a:xfrm>
-            <a:off x="2620271" y="3826490"/>
-            <a:ext cx="2646485" cy="646331"/>
-          </a:xfrm>
-          <a:prstGeom prst="rect">
-            <a:avLst/>
-          </a:prstGeom>
-          <a:noFill/>
-        </p:spPr>
-        <p:txBody>
-          <a:bodyPr wrap="square" rtlCol="0">
-            <a:spAutoFit/>
-          </a:bodyPr>
-          <a:lstStyle/>
-          <a:p>
-            <a:r>
-              <a:rPr lang="en-CA" dirty="0">
-                <a:solidFill>
-                  <a:schemeClr val="tx1">
-                    <a:lumMod val="75000"/>
-                    <a:lumOff val="25000"/>
-                  </a:schemeClr>
-                </a:solidFill>
-                <a:latin typeface="Gloria Hallelujah" panose="02000000000000000000" pitchFamily="2" charset="0"/>
-              </a:rPr>
-              <a:t>Make an interactive chart with {</a:t>
-            </a:r>
-            <a:r>
-              <a:rPr lang="en-CA" dirty="0" err="1">
-                <a:solidFill>
-                  <a:schemeClr val="tx1">
-                    <a:lumMod val="75000"/>
-                    <a:lumOff val="25000"/>
-                  </a:schemeClr>
-                </a:solidFill>
-                <a:latin typeface="Gloria Hallelujah" panose="02000000000000000000" pitchFamily="2" charset="0"/>
-              </a:rPr>
-              <a:t>plotly</a:t>
-            </a:r>
-            <a:r>
-              <a:rPr lang="en-CA" dirty="0">
-                <a:solidFill>
-                  <a:schemeClr val="tx1">
-                    <a:lumMod val="75000"/>
-                    <a:lumOff val="25000"/>
-                  </a:schemeClr>
-                </a:solidFill>
-                <a:latin typeface="Gloria Hallelujah" panose="02000000000000000000" pitchFamily="2" charset="0"/>
-              </a:rPr>
-              <a:t>}</a:t>
-            </a:r>
-          </a:p>
-        </p:txBody>
-      </p:sp>
-      <p:sp>
-        <p:nvSpPr>
-          <p:cNvPr id="6" name="TextBox 5">
-            <a:extLst>
-              <a:ext uri="{FF2B5EF4-FFF2-40B4-BE49-F238E27FC236}">
-                <a16:creationId xmlns:a16="http://schemas.microsoft.com/office/drawing/2014/main" id="{50632CD7-3EC0-471B-9DEC-5FDA32CDEEFF}"/>
-              </a:ext>
-            </a:extLst>
-          </p:cNvPr>
-          <p:cNvSpPr txBox="1"/>
-          <p:nvPr/>
-        </p:nvSpPr>
-        <p:spPr>
-          <a:xfrm>
-            <a:off x="2400681" y="227479"/>
-            <a:ext cx="2767450" cy="923330"/>
-          </a:xfrm>
-          <a:prstGeom prst="rect">
-            <a:avLst/>
-          </a:prstGeom>
-          <a:noFill/>
-        </p:spPr>
-        <p:txBody>
-          <a:bodyPr wrap="square" rtlCol="0">
-            <a:spAutoFit/>
-          </a:bodyPr>
-          <a:lstStyle/>
-          <a:p>
-            <a:r>
-              <a:rPr lang="en-CA" dirty="0">
-                <a:solidFill>
-                  <a:schemeClr val="tx1">
-                    <a:lumMod val="75000"/>
-                    <a:lumOff val="25000"/>
-                  </a:schemeClr>
-                </a:solidFill>
-                <a:latin typeface="Gloria Hallelujah" panose="02000000000000000000" pitchFamily="2" charset="0"/>
-              </a:rPr>
-              <a:t>Conduct Principal Component Analysis (PCA) with {</a:t>
-            </a:r>
-            <a:r>
-              <a:rPr lang="en-CA" dirty="0" err="1">
-                <a:solidFill>
-                  <a:schemeClr val="tx1">
-                    <a:lumMod val="75000"/>
-                    <a:lumOff val="25000"/>
-                  </a:schemeClr>
-                </a:solidFill>
-                <a:latin typeface="Gloria Hallelujah" panose="02000000000000000000" pitchFamily="2" charset="0"/>
-              </a:rPr>
-              <a:t>tidymodels</a:t>
-            </a:r>
-            <a:r>
-              <a:rPr lang="en-CA" dirty="0">
-                <a:solidFill>
-                  <a:schemeClr val="tx1">
-                    <a:lumMod val="75000"/>
-                    <a:lumOff val="25000"/>
-                  </a:schemeClr>
-                </a:solidFill>
-                <a:latin typeface="Gloria Hallelujah" panose="02000000000000000000" pitchFamily="2" charset="0"/>
-              </a:rPr>
-              <a:t>}</a:t>
-            </a:r>
-          </a:p>
-        </p:txBody>
-      </p:sp>
+            <a:chOff x="4339746" y="188474"/>
+            <a:chExt cx="7007971" cy="6481052"/>
+          </a:xfrm>
+        </p:grpSpPr>
+        <p:pic>
+          <p:nvPicPr>
+            <p:cNvPr id="5" name="Picture 4">
+              <a:extLst>
+                <a:ext uri="{FF2B5EF4-FFF2-40B4-BE49-F238E27FC236}">
+                  <a16:creationId xmlns:a16="http://schemas.microsoft.com/office/drawing/2014/main" id="{CDE5ABF8-585F-43EF-BB87-E4F86FFC9038}"/>
+                </a:ext>
+              </a:extLst>
+            </p:cNvPr>
+            <p:cNvPicPr>
+              <a:picLocks noChangeAspect="1"/>
+            </p:cNvPicPr>
+            <p:nvPr/>
+          </p:nvPicPr>
+          <p:blipFill rotWithShape="1">
+            <a:blip r:embed="rId2">
+              <a:clrChange>
+                <a:clrFrom>
+                  <a:srgbClr val="FFFFFF"/>
+                </a:clrFrom>
+                <a:clrTo>
+                  <a:srgbClr val="FFFFFF">
+                    <a:alpha val="0"/>
+                  </a:srgbClr>
+                </a:clrTo>
+              </a:clrChange>
+              <a:extLst>
+                <a:ext uri="{28A0092B-C50C-407E-A947-70E740481C1C}">
+                  <a14:useLocalDpi xmlns:a14="http://schemas.microsoft.com/office/drawing/2010/main" val="0"/>
+                </a:ext>
+              </a:extLst>
+            </a:blip>
+            <a:srcRect t="7519"/>
+            <a:stretch/>
+          </p:blipFill>
+          <p:spPr>
+            <a:xfrm>
+              <a:off x="4339746" y="188474"/>
+              <a:ext cx="7007971" cy="6481052"/>
+            </a:xfrm>
+            <a:prstGeom prst="rect">
+              <a:avLst/>
+            </a:prstGeom>
+          </p:spPr>
+        </p:pic>
+        <p:sp>
+          <p:nvSpPr>
+            <p:cNvPr id="2" name="Rectangle 1">
+              <a:extLst>
+                <a:ext uri="{FF2B5EF4-FFF2-40B4-BE49-F238E27FC236}">
+                  <a16:creationId xmlns:a16="http://schemas.microsoft.com/office/drawing/2014/main" id="{397BFE5B-BD5C-4770-9456-16BFC2EC489A}"/>
+                </a:ext>
+              </a:extLst>
+            </p:cNvPr>
+            <p:cNvSpPr/>
+            <p:nvPr/>
+          </p:nvSpPr>
+          <p:spPr>
+            <a:xfrm>
+              <a:off x="4598377" y="1503484"/>
+              <a:ext cx="1239716" cy="465992"/>
+            </a:xfrm>
+            <a:prstGeom prst="rect">
+              <a:avLst/>
+            </a:prstGeom>
+            <a:solidFill>
+              <a:srgbClr val="EEEEE6"/>
+            </a:solidFill>
+            <a:ln>
+              <a:noFill/>
+            </a:ln>
+          </p:spPr>
+          <p:style>
+            <a:lnRef idx="2">
+              <a:schemeClr val="accent1">
+                <a:shade val="50000"/>
+              </a:schemeClr>
+            </a:lnRef>
+            <a:fillRef idx="1">
+              <a:schemeClr val="accent1"/>
+            </a:fillRef>
+            <a:effectRef idx="0">
+              <a:schemeClr val="accent1"/>
+            </a:effectRef>
+            <a:fontRef idx="minor">
+              <a:schemeClr val="lt1"/>
+            </a:fontRef>
+          </p:style>
+          <p:txBody>
+            <a:bodyPr rtlCol="0" anchor="ctr"/>
+            <a:lstStyle/>
+            <a:p>
+              <a:pPr algn="ctr"/>
+              <a:endParaRPr lang="en-CA"/>
+            </a:p>
+          </p:txBody>
+        </p:sp>
+        <p:sp>
+          <p:nvSpPr>
+            <p:cNvPr id="4" name="Rectangle 3">
+              <a:extLst>
+                <a:ext uri="{FF2B5EF4-FFF2-40B4-BE49-F238E27FC236}">
+                  <a16:creationId xmlns:a16="http://schemas.microsoft.com/office/drawing/2014/main" id="{BD97DB2C-ABC7-4E82-BF07-887805328AE3}"/>
+                </a:ext>
+              </a:extLst>
+            </p:cNvPr>
+            <p:cNvSpPr/>
+            <p:nvPr/>
+          </p:nvSpPr>
+          <p:spPr>
+            <a:xfrm>
+              <a:off x="5838093" y="1638299"/>
+              <a:ext cx="515816" cy="465992"/>
+            </a:xfrm>
+            <a:prstGeom prst="rect">
+              <a:avLst/>
+            </a:prstGeom>
+            <a:solidFill>
+              <a:srgbClr val="EEEEE6"/>
+            </a:solidFill>
+            <a:ln>
+              <a:noFill/>
+            </a:ln>
+          </p:spPr>
+          <p:style>
+            <a:lnRef idx="2">
+              <a:schemeClr val="accent1">
+                <a:shade val="50000"/>
+              </a:schemeClr>
+            </a:lnRef>
+            <a:fillRef idx="1">
+              <a:schemeClr val="accent1"/>
+            </a:fillRef>
+            <a:effectRef idx="0">
+              <a:schemeClr val="accent1"/>
+            </a:effectRef>
+            <a:fontRef idx="minor">
+              <a:schemeClr val="lt1"/>
+            </a:fontRef>
+          </p:style>
+          <p:txBody>
+            <a:bodyPr rtlCol="0" anchor="ctr"/>
+            <a:lstStyle/>
+            <a:p>
+              <a:pPr algn="ctr"/>
+              <a:endParaRPr lang="en-CA"/>
+            </a:p>
+          </p:txBody>
+        </p:sp>
+        <p:sp>
+          <p:nvSpPr>
+            <p:cNvPr id="6" name="Rectangle 5">
+              <a:extLst>
+                <a:ext uri="{FF2B5EF4-FFF2-40B4-BE49-F238E27FC236}">
+                  <a16:creationId xmlns:a16="http://schemas.microsoft.com/office/drawing/2014/main" id="{28704F18-E4F1-4D25-8B70-8D8F5280CCF5}"/>
+                </a:ext>
+              </a:extLst>
+            </p:cNvPr>
+            <p:cNvSpPr/>
+            <p:nvPr/>
+          </p:nvSpPr>
+          <p:spPr>
+            <a:xfrm>
+              <a:off x="6500446" y="794238"/>
+              <a:ext cx="1219200" cy="465992"/>
+            </a:xfrm>
+            <a:prstGeom prst="rect">
+              <a:avLst/>
+            </a:prstGeom>
+            <a:solidFill>
+              <a:srgbClr val="EEEEE6"/>
+            </a:solidFill>
+            <a:ln>
+              <a:noFill/>
+            </a:ln>
+          </p:spPr>
+          <p:style>
+            <a:lnRef idx="2">
+              <a:schemeClr val="accent1">
+                <a:shade val="50000"/>
+              </a:schemeClr>
+            </a:lnRef>
+            <a:fillRef idx="1">
+              <a:schemeClr val="accent1"/>
+            </a:fillRef>
+            <a:effectRef idx="0">
+              <a:schemeClr val="accent1"/>
+            </a:effectRef>
+            <a:fontRef idx="minor">
+              <a:schemeClr val="lt1"/>
+            </a:fontRef>
+          </p:style>
+          <p:txBody>
+            <a:bodyPr rtlCol="0" anchor="ctr"/>
+            <a:lstStyle/>
+            <a:p>
+              <a:pPr algn="ctr"/>
+              <a:endParaRPr lang="en-CA"/>
+            </a:p>
+          </p:txBody>
+        </p:sp>
+        <p:sp>
+          <p:nvSpPr>
+            <p:cNvPr id="7" name="Rectangle 6">
+              <a:extLst>
+                <a:ext uri="{FF2B5EF4-FFF2-40B4-BE49-F238E27FC236}">
+                  <a16:creationId xmlns:a16="http://schemas.microsoft.com/office/drawing/2014/main" id="{432E788D-E27F-414E-B4E5-4F576659A399}"/>
+                </a:ext>
+              </a:extLst>
+            </p:cNvPr>
+            <p:cNvSpPr/>
+            <p:nvPr/>
+          </p:nvSpPr>
+          <p:spPr>
+            <a:xfrm>
+              <a:off x="6589363" y="794238"/>
+              <a:ext cx="1219200" cy="225670"/>
+            </a:xfrm>
+            <a:prstGeom prst="rect">
+              <a:avLst/>
+            </a:prstGeom>
+            <a:solidFill>
+              <a:srgbClr val="EEEEE6"/>
+            </a:solidFill>
+            <a:ln>
+              <a:noFill/>
+            </a:ln>
+          </p:spPr>
+          <p:style>
+            <a:lnRef idx="2">
+              <a:schemeClr val="accent1">
+                <a:shade val="50000"/>
+              </a:schemeClr>
+            </a:lnRef>
+            <a:fillRef idx="1">
+              <a:schemeClr val="accent1"/>
+            </a:fillRef>
+            <a:effectRef idx="0">
+              <a:schemeClr val="accent1"/>
+            </a:effectRef>
+            <a:fontRef idx="minor">
+              <a:schemeClr val="lt1"/>
+            </a:fontRef>
+          </p:style>
+          <p:txBody>
+            <a:bodyPr rtlCol="0" anchor="ctr"/>
+            <a:lstStyle/>
+            <a:p>
+              <a:pPr algn="ctr"/>
+              <a:endParaRPr lang="en-CA"/>
+            </a:p>
+          </p:txBody>
+        </p:sp>
+        <p:sp>
+          <p:nvSpPr>
+            <p:cNvPr id="8" name="Rectangle 7">
+              <a:extLst>
+                <a:ext uri="{FF2B5EF4-FFF2-40B4-BE49-F238E27FC236}">
+                  <a16:creationId xmlns:a16="http://schemas.microsoft.com/office/drawing/2014/main" id="{EE389170-0ED2-4AA1-AB83-123992CF78C1}"/>
+                </a:ext>
+              </a:extLst>
+            </p:cNvPr>
+            <p:cNvSpPr/>
+            <p:nvPr/>
+          </p:nvSpPr>
+          <p:spPr>
+            <a:xfrm>
+              <a:off x="7007468" y="1260230"/>
+              <a:ext cx="307731" cy="225670"/>
+            </a:xfrm>
+            <a:prstGeom prst="rect">
+              <a:avLst/>
+            </a:prstGeom>
+            <a:solidFill>
+              <a:srgbClr val="EEEEE6"/>
+            </a:solidFill>
+            <a:ln>
+              <a:noFill/>
+            </a:ln>
+          </p:spPr>
+          <p:style>
+            <a:lnRef idx="2">
+              <a:schemeClr val="accent1">
+                <a:shade val="50000"/>
+              </a:schemeClr>
+            </a:lnRef>
+            <a:fillRef idx="1">
+              <a:schemeClr val="accent1"/>
+            </a:fillRef>
+            <a:effectRef idx="0">
+              <a:schemeClr val="accent1"/>
+            </a:effectRef>
+            <a:fontRef idx="minor">
+              <a:schemeClr val="lt1"/>
+            </a:fontRef>
+          </p:style>
+          <p:txBody>
+            <a:bodyPr rtlCol="0" anchor="ctr"/>
+            <a:lstStyle/>
+            <a:p>
+              <a:pPr algn="ctr"/>
+              <a:endParaRPr lang="en-CA"/>
+            </a:p>
+          </p:txBody>
+        </p:sp>
+        <p:sp>
+          <p:nvSpPr>
+            <p:cNvPr id="10" name="Rectangle 9">
+              <a:extLst>
+                <a:ext uri="{FF2B5EF4-FFF2-40B4-BE49-F238E27FC236}">
+                  <a16:creationId xmlns:a16="http://schemas.microsoft.com/office/drawing/2014/main" id="{7F38A1EF-99B1-4983-A73A-8689F8DEEF5A}"/>
+                </a:ext>
+              </a:extLst>
+            </p:cNvPr>
+            <p:cNvSpPr/>
+            <p:nvPr/>
+          </p:nvSpPr>
+          <p:spPr>
+            <a:xfrm>
+              <a:off x="7007468" y="1381856"/>
+              <a:ext cx="153865" cy="353157"/>
+            </a:xfrm>
+            <a:prstGeom prst="rect">
+              <a:avLst/>
+            </a:prstGeom>
+            <a:solidFill>
+              <a:srgbClr val="EEEEE6"/>
+            </a:solidFill>
+            <a:ln>
+              <a:noFill/>
+            </a:ln>
+          </p:spPr>
+          <p:style>
+            <a:lnRef idx="2">
+              <a:schemeClr val="accent1">
+                <a:shade val="50000"/>
+              </a:schemeClr>
+            </a:lnRef>
+            <a:fillRef idx="1">
+              <a:schemeClr val="accent1"/>
+            </a:fillRef>
+            <a:effectRef idx="0">
+              <a:schemeClr val="accent1"/>
+            </a:effectRef>
+            <a:fontRef idx="minor">
+              <a:schemeClr val="lt1"/>
+            </a:fontRef>
+          </p:style>
+          <p:txBody>
+            <a:bodyPr rtlCol="0" anchor="ctr"/>
+            <a:lstStyle/>
+            <a:p>
+              <a:pPr algn="ctr"/>
+              <a:endParaRPr lang="en-CA"/>
+            </a:p>
+          </p:txBody>
+        </p:sp>
+        <p:sp>
+          <p:nvSpPr>
+            <p:cNvPr id="11" name="Rectangle 10">
+              <a:extLst>
+                <a:ext uri="{FF2B5EF4-FFF2-40B4-BE49-F238E27FC236}">
+                  <a16:creationId xmlns:a16="http://schemas.microsoft.com/office/drawing/2014/main" id="{4F13391D-7AE6-4D1E-9C89-9F041A14307B}"/>
+                </a:ext>
+              </a:extLst>
+            </p:cNvPr>
+            <p:cNvSpPr/>
+            <p:nvPr/>
+          </p:nvSpPr>
+          <p:spPr>
+            <a:xfrm>
+              <a:off x="7951176" y="206058"/>
+              <a:ext cx="1412632" cy="673172"/>
+            </a:xfrm>
+            <a:prstGeom prst="rect">
+              <a:avLst/>
+            </a:prstGeom>
+            <a:solidFill>
+              <a:srgbClr val="EEEEE6"/>
+            </a:solidFill>
+            <a:ln>
+              <a:noFill/>
+            </a:ln>
+          </p:spPr>
+          <p:style>
+            <a:lnRef idx="2">
+              <a:schemeClr val="accent1">
+                <a:shade val="50000"/>
+              </a:schemeClr>
+            </a:lnRef>
+            <a:fillRef idx="1">
+              <a:schemeClr val="accent1"/>
+            </a:fillRef>
+            <a:effectRef idx="0">
+              <a:schemeClr val="accent1"/>
+            </a:effectRef>
+            <a:fontRef idx="minor">
+              <a:schemeClr val="lt1"/>
+            </a:fontRef>
+          </p:style>
+          <p:txBody>
+            <a:bodyPr rtlCol="0" anchor="ctr"/>
+            <a:lstStyle/>
+            <a:p>
+              <a:pPr algn="ctr"/>
+              <a:endParaRPr lang="en-CA"/>
+            </a:p>
+          </p:txBody>
+        </p:sp>
+        <p:sp>
+          <p:nvSpPr>
+            <p:cNvPr id="12" name="Rectangle 11">
+              <a:extLst>
+                <a:ext uri="{FF2B5EF4-FFF2-40B4-BE49-F238E27FC236}">
+                  <a16:creationId xmlns:a16="http://schemas.microsoft.com/office/drawing/2014/main" id="{45468B46-4B53-4B2C-94A7-A875729F6980}"/>
+                </a:ext>
+              </a:extLst>
+            </p:cNvPr>
+            <p:cNvSpPr/>
+            <p:nvPr/>
+          </p:nvSpPr>
+          <p:spPr>
+            <a:xfrm>
+              <a:off x="10269415" y="1260230"/>
+              <a:ext cx="1078302" cy="413238"/>
+            </a:xfrm>
+            <a:prstGeom prst="rect">
+              <a:avLst/>
+            </a:prstGeom>
+            <a:solidFill>
+              <a:srgbClr val="EEEEE6"/>
+            </a:solidFill>
+            <a:ln>
+              <a:noFill/>
+            </a:ln>
+          </p:spPr>
+          <p:style>
+            <a:lnRef idx="2">
+              <a:schemeClr val="accent1">
+                <a:shade val="50000"/>
+              </a:schemeClr>
+            </a:lnRef>
+            <a:fillRef idx="1">
+              <a:schemeClr val="accent1"/>
+            </a:fillRef>
+            <a:effectRef idx="0">
+              <a:schemeClr val="accent1"/>
+            </a:effectRef>
+            <a:fontRef idx="minor">
+              <a:schemeClr val="lt1"/>
+            </a:fontRef>
+          </p:style>
+          <p:txBody>
+            <a:bodyPr rtlCol="0" anchor="ctr"/>
+            <a:lstStyle/>
+            <a:p>
+              <a:pPr algn="ctr"/>
+              <a:endParaRPr lang="en-CA"/>
+            </a:p>
+          </p:txBody>
+        </p:sp>
+        <p:sp>
+          <p:nvSpPr>
+            <p:cNvPr id="13" name="Rectangle 12">
+              <a:extLst>
+                <a:ext uri="{FF2B5EF4-FFF2-40B4-BE49-F238E27FC236}">
+                  <a16:creationId xmlns:a16="http://schemas.microsoft.com/office/drawing/2014/main" id="{0FE15E1C-5BFA-429C-B14F-21D0B3CF126A}"/>
+                </a:ext>
+              </a:extLst>
+            </p:cNvPr>
+            <p:cNvSpPr/>
+            <p:nvPr/>
+          </p:nvSpPr>
+          <p:spPr>
+            <a:xfrm>
+              <a:off x="9982921" y="1447798"/>
+              <a:ext cx="307731" cy="225670"/>
+            </a:xfrm>
+            <a:prstGeom prst="rect">
+              <a:avLst/>
+            </a:prstGeom>
+            <a:solidFill>
+              <a:srgbClr val="EEEEE6"/>
+            </a:solidFill>
+            <a:ln>
+              <a:noFill/>
+            </a:ln>
+          </p:spPr>
+          <p:style>
+            <a:lnRef idx="2">
+              <a:schemeClr val="accent1">
+                <a:shade val="50000"/>
+              </a:schemeClr>
+            </a:lnRef>
+            <a:fillRef idx="1">
+              <a:schemeClr val="accent1"/>
+            </a:fillRef>
+            <a:effectRef idx="0">
+              <a:schemeClr val="accent1"/>
+            </a:effectRef>
+            <a:fontRef idx="minor">
+              <a:schemeClr val="lt1"/>
+            </a:fontRef>
+          </p:style>
+          <p:txBody>
+            <a:bodyPr rtlCol="0" anchor="ctr"/>
+            <a:lstStyle/>
+            <a:p>
+              <a:pPr algn="ctr"/>
+              <a:endParaRPr lang="en-CA"/>
+            </a:p>
+          </p:txBody>
+        </p:sp>
+        <p:sp>
+          <p:nvSpPr>
+            <p:cNvPr id="14" name="Rectangle 13">
+              <a:extLst>
+                <a:ext uri="{FF2B5EF4-FFF2-40B4-BE49-F238E27FC236}">
+                  <a16:creationId xmlns:a16="http://schemas.microsoft.com/office/drawing/2014/main" id="{4A3562F6-C361-437B-91B4-D556ED8E48FA}"/>
+                </a:ext>
+              </a:extLst>
+            </p:cNvPr>
+            <p:cNvSpPr/>
+            <p:nvPr/>
+          </p:nvSpPr>
+          <p:spPr>
+            <a:xfrm>
+              <a:off x="4759568" y="5073163"/>
+              <a:ext cx="1509348" cy="378068"/>
+            </a:xfrm>
+            <a:prstGeom prst="rect">
+              <a:avLst/>
+            </a:prstGeom>
+            <a:solidFill>
+              <a:srgbClr val="EEEEE6"/>
+            </a:solidFill>
+            <a:ln>
+              <a:noFill/>
+            </a:ln>
+          </p:spPr>
+          <p:style>
+            <a:lnRef idx="2">
+              <a:schemeClr val="accent1">
+                <a:shade val="50000"/>
+              </a:schemeClr>
+            </a:lnRef>
+            <a:fillRef idx="1">
+              <a:schemeClr val="accent1"/>
+            </a:fillRef>
+            <a:effectRef idx="0">
+              <a:schemeClr val="accent1"/>
+            </a:effectRef>
+            <a:fontRef idx="minor">
+              <a:schemeClr val="lt1"/>
+            </a:fontRef>
+          </p:style>
+          <p:txBody>
+            <a:bodyPr rtlCol="0" anchor="ctr"/>
+            <a:lstStyle/>
+            <a:p>
+              <a:pPr algn="ctr"/>
+              <a:endParaRPr lang="en-CA"/>
+            </a:p>
+          </p:txBody>
+        </p:sp>
+        <p:sp>
+          <p:nvSpPr>
+            <p:cNvPr id="15" name="Rectangle 14">
+              <a:extLst>
+                <a:ext uri="{FF2B5EF4-FFF2-40B4-BE49-F238E27FC236}">
+                  <a16:creationId xmlns:a16="http://schemas.microsoft.com/office/drawing/2014/main" id="{CDFEEECC-531C-4351-87F1-9FBDB5E1083E}"/>
+                </a:ext>
+              </a:extLst>
+            </p:cNvPr>
+            <p:cNvSpPr/>
+            <p:nvPr/>
+          </p:nvSpPr>
+          <p:spPr>
+            <a:xfrm>
+              <a:off x="6353909" y="4914900"/>
+              <a:ext cx="1181099" cy="536330"/>
+            </a:xfrm>
+            <a:prstGeom prst="rect">
+              <a:avLst/>
+            </a:prstGeom>
+            <a:solidFill>
+              <a:srgbClr val="EEEEE6"/>
+            </a:solidFill>
+            <a:ln>
+              <a:noFill/>
+            </a:ln>
+          </p:spPr>
+          <p:style>
+            <a:lnRef idx="2">
+              <a:schemeClr val="accent1">
+                <a:shade val="50000"/>
+              </a:schemeClr>
+            </a:lnRef>
+            <a:fillRef idx="1">
+              <a:schemeClr val="accent1"/>
+            </a:fillRef>
+            <a:effectRef idx="0">
+              <a:schemeClr val="accent1"/>
+            </a:effectRef>
+            <a:fontRef idx="minor">
+              <a:schemeClr val="lt1"/>
+            </a:fontRef>
+          </p:style>
+          <p:txBody>
+            <a:bodyPr rtlCol="0" anchor="ctr"/>
+            <a:lstStyle/>
+            <a:p>
+              <a:pPr algn="ctr"/>
+              <a:endParaRPr lang="en-CA"/>
+            </a:p>
+          </p:txBody>
+        </p:sp>
+        <p:sp>
+          <p:nvSpPr>
+            <p:cNvPr id="16" name="Rectangle 15">
+              <a:extLst>
+                <a:ext uri="{FF2B5EF4-FFF2-40B4-BE49-F238E27FC236}">
+                  <a16:creationId xmlns:a16="http://schemas.microsoft.com/office/drawing/2014/main" id="{077B8995-C2DF-4F75-9A2E-48EA4E37ED1A}"/>
+                </a:ext>
+              </a:extLst>
+            </p:cNvPr>
+            <p:cNvSpPr/>
+            <p:nvPr/>
+          </p:nvSpPr>
+          <p:spPr>
+            <a:xfrm>
+              <a:off x="6353909" y="4698022"/>
+              <a:ext cx="188293" cy="268165"/>
+            </a:xfrm>
+            <a:prstGeom prst="rect">
+              <a:avLst/>
+            </a:prstGeom>
+            <a:solidFill>
+              <a:srgbClr val="EEEEE6"/>
+            </a:solidFill>
+            <a:ln>
+              <a:noFill/>
+            </a:ln>
+          </p:spPr>
+          <p:style>
+            <a:lnRef idx="2">
+              <a:schemeClr val="accent1">
+                <a:shade val="50000"/>
+              </a:schemeClr>
+            </a:lnRef>
+            <a:fillRef idx="1">
+              <a:schemeClr val="accent1"/>
+            </a:fillRef>
+            <a:effectRef idx="0">
+              <a:schemeClr val="accent1"/>
+            </a:effectRef>
+            <a:fontRef idx="minor">
+              <a:schemeClr val="lt1"/>
+            </a:fontRef>
+          </p:style>
+          <p:txBody>
+            <a:bodyPr rtlCol="0" anchor="ctr"/>
+            <a:lstStyle/>
+            <a:p>
+              <a:pPr algn="ctr"/>
+              <a:endParaRPr lang="en-CA"/>
+            </a:p>
+          </p:txBody>
+        </p:sp>
+        <p:sp>
+          <p:nvSpPr>
+            <p:cNvPr id="17" name="Rectangle 16">
+              <a:extLst>
+                <a:ext uri="{FF2B5EF4-FFF2-40B4-BE49-F238E27FC236}">
+                  <a16:creationId xmlns:a16="http://schemas.microsoft.com/office/drawing/2014/main" id="{9EF1C1BD-96F8-4EB9-97F9-845F0604ED2F}"/>
+                </a:ext>
+              </a:extLst>
+            </p:cNvPr>
+            <p:cNvSpPr/>
+            <p:nvPr/>
+          </p:nvSpPr>
+          <p:spPr>
+            <a:xfrm>
+              <a:off x="8203222" y="5451230"/>
+              <a:ext cx="1257301" cy="565639"/>
+            </a:xfrm>
+            <a:prstGeom prst="rect">
+              <a:avLst/>
+            </a:prstGeom>
+            <a:solidFill>
+              <a:srgbClr val="EEEEE6"/>
+            </a:solidFill>
+            <a:ln>
+              <a:noFill/>
+            </a:ln>
+          </p:spPr>
+          <p:style>
+            <a:lnRef idx="2">
+              <a:schemeClr val="accent1">
+                <a:shade val="50000"/>
+              </a:schemeClr>
+            </a:lnRef>
+            <a:fillRef idx="1">
+              <a:schemeClr val="accent1"/>
+            </a:fillRef>
+            <a:effectRef idx="0">
+              <a:schemeClr val="accent1"/>
+            </a:effectRef>
+            <a:fontRef idx="minor">
+              <a:schemeClr val="lt1"/>
+            </a:fontRef>
+          </p:style>
+          <p:txBody>
+            <a:bodyPr rtlCol="0" anchor="ctr"/>
+            <a:lstStyle/>
+            <a:p>
+              <a:pPr algn="ctr"/>
+              <a:endParaRPr lang="en-CA"/>
+            </a:p>
+          </p:txBody>
+        </p:sp>
+        <p:sp>
+          <p:nvSpPr>
+            <p:cNvPr id="18" name="Rectangle 17">
+              <a:extLst>
+                <a:ext uri="{FF2B5EF4-FFF2-40B4-BE49-F238E27FC236}">
+                  <a16:creationId xmlns:a16="http://schemas.microsoft.com/office/drawing/2014/main" id="{BA34700D-D085-42B6-9ACA-B28C909A46EC}"/>
+                </a:ext>
+              </a:extLst>
+            </p:cNvPr>
+            <p:cNvSpPr/>
+            <p:nvPr/>
+          </p:nvSpPr>
+          <p:spPr>
+            <a:xfrm>
+              <a:off x="9239250" y="5156689"/>
+              <a:ext cx="249115" cy="565639"/>
+            </a:xfrm>
+            <a:prstGeom prst="rect">
+              <a:avLst/>
+            </a:prstGeom>
+            <a:solidFill>
+              <a:srgbClr val="EEEEE6"/>
+            </a:solidFill>
+            <a:ln>
+              <a:noFill/>
+            </a:ln>
+          </p:spPr>
+          <p:style>
+            <a:lnRef idx="2">
+              <a:schemeClr val="accent1">
+                <a:shade val="50000"/>
+              </a:schemeClr>
+            </a:lnRef>
+            <a:fillRef idx="1">
+              <a:schemeClr val="accent1"/>
+            </a:fillRef>
+            <a:effectRef idx="0">
+              <a:schemeClr val="accent1"/>
+            </a:effectRef>
+            <a:fontRef idx="minor">
+              <a:schemeClr val="lt1"/>
+            </a:fontRef>
+          </p:style>
+          <p:txBody>
+            <a:bodyPr rtlCol="0" anchor="ctr"/>
+            <a:lstStyle/>
+            <a:p>
+              <a:pPr algn="ctr"/>
+              <a:endParaRPr lang="en-CA"/>
+            </a:p>
+          </p:txBody>
+        </p:sp>
+        <p:sp>
+          <p:nvSpPr>
+            <p:cNvPr id="19" name="Rectangle 18">
+              <a:extLst>
+                <a:ext uri="{FF2B5EF4-FFF2-40B4-BE49-F238E27FC236}">
+                  <a16:creationId xmlns:a16="http://schemas.microsoft.com/office/drawing/2014/main" id="{4D060CDA-E186-458C-A8B8-0CBD3A5E436F}"/>
+                </a:ext>
+              </a:extLst>
+            </p:cNvPr>
+            <p:cNvSpPr/>
+            <p:nvPr/>
+          </p:nvSpPr>
+          <p:spPr>
+            <a:xfrm>
+              <a:off x="9908931" y="4774223"/>
+              <a:ext cx="1349287" cy="665285"/>
+            </a:xfrm>
+            <a:prstGeom prst="rect">
+              <a:avLst/>
+            </a:prstGeom>
+            <a:solidFill>
+              <a:srgbClr val="EEEEE6"/>
+            </a:solidFill>
+            <a:ln>
+              <a:noFill/>
+            </a:ln>
+          </p:spPr>
+          <p:style>
+            <a:lnRef idx="2">
+              <a:schemeClr val="accent1">
+                <a:shade val="50000"/>
+              </a:schemeClr>
+            </a:lnRef>
+            <a:fillRef idx="1">
+              <a:schemeClr val="accent1"/>
+            </a:fillRef>
+            <a:effectRef idx="0">
+              <a:schemeClr val="accent1"/>
+            </a:effectRef>
+            <a:fontRef idx="minor">
+              <a:schemeClr val="lt1"/>
+            </a:fontRef>
+          </p:style>
+          <p:txBody>
+            <a:bodyPr rtlCol="0" anchor="ctr"/>
+            <a:lstStyle/>
+            <a:p>
+              <a:pPr algn="ctr"/>
+              <a:endParaRPr lang="en-CA"/>
+            </a:p>
+          </p:txBody>
+        </p:sp>
+        <p:sp>
+          <p:nvSpPr>
+            <p:cNvPr id="20" name="Rectangle 19">
+              <a:extLst>
+                <a:ext uri="{FF2B5EF4-FFF2-40B4-BE49-F238E27FC236}">
+                  <a16:creationId xmlns:a16="http://schemas.microsoft.com/office/drawing/2014/main" id="{D61755B5-2664-4F7B-A9FB-AE08B080BA82}"/>
+                </a:ext>
+              </a:extLst>
+            </p:cNvPr>
+            <p:cNvSpPr/>
+            <p:nvPr/>
+          </p:nvSpPr>
+          <p:spPr>
+            <a:xfrm>
+              <a:off x="9809272" y="4652596"/>
+              <a:ext cx="224208" cy="190502"/>
+            </a:xfrm>
+            <a:prstGeom prst="rect">
+              <a:avLst/>
+            </a:prstGeom>
+            <a:solidFill>
+              <a:srgbClr val="EEEEE6"/>
+            </a:solidFill>
+            <a:ln>
+              <a:noFill/>
+            </a:ln>
+          </p:spPr>
+          <p:style>
+            <a:lnRef idx="2">
+              <a:schemeClr val="accent1">
+                <a:shade val="50000"/>
+              </a:schemeClr>
+            </a:lnRef>
+            <a:fillRef idx="1">
+              <a:schemeClr val="accent1"/>
+            </a:fillRef>
+            <a:effectRef idx="0">
+              <a:schemeClr val="accent1"/>
+            </a:effectRef>
+            <a:fontRef idx="minor">
+              <a:schemeClr val="lt1"/>
+            </a:fontRef>
+          </p:style>
+          <p:txBody>
+            <a:bodyPr rtlCol="0" anchor="ctr"/>
+            <a:lstStyle/>
+            <a:p>
+              <a:pPr algn="ctr"/>
+              <a:endParaRPr lang="en-CA"/>
+            </a:p>
+          </p:txBody>
+        </p:sp>
+      </p:grpSp>
     </p:spTree>
     <p:extLst>
       <p:ext uri="{BB962C8B-B14F-4D97-AF65-F5344CB8AC3E}">
-        <p14:creationId xmlns:p14="http://schemas.microsoft.com/office/powerpoint/2010/main" val="3607923333"/>
+        <p14:creationId xmlns:p14="http://schemas.microsoft.com/office/powerpoint/2010/main" val="399769329"/>
       </p:ext>
     </p:extLst>
   </p:cSld>
@@ -6996,54 +7904,55 @@
           <a:chExt cx="0" cy="0"/>
         </a:xfrm>
       </p:grpSpPr>
-      <p:sp>
-        <p:nvSpPr>
-          <p:cNvPr id="8" name="TextBox 7">
-            <a:extLst>
-              <a:ext uri="{FF2B5EF4-FFF2-40B4-BE49-F238E27FC236}">
-                <a16:creationId xmlns:a16="http://schemas.microsoft.com/office/drawing/2014/main" id="{4FD667B5-2D1E-4ABF-92E8-324096A6768B}"/>
-              </a:ext>
-            </a:extLst>
-          </p:cNvPr>
-          <p:cNvSpPr txBox="1"/>
+      <p:pic>
+        <p:nvPicPr>
+          <p:cNvPr id="5" name="Picture 4">
+            <a:extLst>
+              <a:ext uri="{FF2B5EF4-FFF2-40B4-BE49-F238E27FC236}">
+                <a16:creationId xmlns:a16="http://schemas.microsoft.com/office/drawing/2014/main" id="{CDE5ABF8-585F-43EF-BB87-E4F86FFC9038}"/>
+              </a:ext>
+            </a:extLst>
+          </p:cNvPr>
+          <p:cNvPicPr>
+            <a:picLocks noChangeAspect="1"/>
+          </p:cNvPicPr>
           <p:nvPr/>
-        </p:nvSpPr>
+        </p:nvPicPr>
+        <p:blipFill rotWithShape="1">
+          <a:blip r:embed="rId2">
+            <a:clrChange>
+              <a:clrFrom>
+                <a:srgbClr val="FFFFFF"/>
+              </a:clrFrom>
+              <a:clrTo>
+                <a:srgbClr val="FFFFFF">
+                  <a:alpha val="0"/>
+                </a:srgbClr>
+              </a:clrTo>
+            </a:clrChange>
+            <a:extLst>
+              <a:ext uri="{28A0092B-C50C-407E-A947-70E740481C1C}">
+                <a14:useLocalDpi xmlns:a14="http://schemas.microsoft.com/office/drawing/2010/main" val="0"/>
+              </a:ext>
+            </a:extLst>
+          </a:blip>
+          <a:srcRect t="7519"/>
+          <a:stretch/>
+        </p:blipFill>
         <p:spPr>
           <a:xfrm>
-            <a:off x="609600" y="2921168"/>
-            <a:ext cx="10972799" cy="1015663"/>
+            <a:off x="4339746" y="188474"/>
+            <a:ext cx="7007971" cy="6481052"/>
           </a:xfrm>
           <a:prstGeom prst="rect">
             <a:avLst/>
           </a:prstGeom>
-          <a:noFill/>
-        </p:spPr>
-        <p:txBody>
-          <a:bodyPr wrap="square" rtlCol="0">
-            <a:spAutoFit/>
-          </a:bodyPr>
-          <a:lstStyle/>
-          <a:p>
-            <a:pPr algn="ctr"/>
-            <a:r>
-              <a:rPr lang="en-CA" sz="6000" dirty="0">
-                <a:solidFill>
-                  <a:schemeClr val="tx1">
-                    <a:lumMod val="75000"/>
-                    <a:lumOff val="25000"/>
-                  </a:schemeClr>
-                </a:solidFill>
-                <a:latin typeface="Gloria Hallelujah" panose="02000000000000000000" pitchFamily="2" charset="0"/>
-              </a:rPr>
-              <a:t>I’ll be honest…</a:t>
-            </a:r>
-          </a:p>
-        </p:txBody>
-      </p:sp>
+        </p:spPr>
+      </p:pic>
     </p:spTree>
     <p:extLst>
       <p:ext uri="{BB962C8B-B14F-4D97-AF65-F5344CB8AC3E}">
-        <p14:creationId xmlns:p14="http://schemas.microsoft.com/office/powerpoint/2010/main" val="2261388882"/>
+        <p14:creationId xmlns:p14="http://schemas.microsoft.com/office/powerpoint/2010/main" val="277675431"/>
       </p:ext>
     </p:extLst>
   </p:cSld>
@@ -7070,12 +7979,57 @@
           <a:chExt cx="0" cy="0"/>
         </a:xfrm>
       </p:grpSpPr>
-      <p:sp>
-        <p:nvSpPr>
-          <p:cNvPr id="8" name="TextBox 7">
-            <a:extLst>
-              <a:ext uri="{FF2B5EF4-FFF2-40B4-BE49-F238E27FC236}">
-                <a16:creationId xmlns:a16="http://schemas.microsoft.com/office/drawing/2014/main" id="{4FD667B5-2D1E-4ABF-92E8-324096A6768B}"/>
+      <p:pic>
+        <p:nvPicPr>
+          <p:cNvPr id="5" name="Picture 4">
+            <a:extLst>
+              <a:ext uri="{FF2B5EF4-FFF2-40B4-BE49-F238E27FC236}">
+                <a16:creationId xmlns:a16="http://schemas.microsoft.com/office/drawing/2014/main" id="{CDE5ABF8-585F-43EF-BB87-E4F86FFC9038}"/>
+              </a:ext>
+            </a:extLst>
+          </p:cNvPr>
+          <p:cNvPicPr>
+            <a:picLocks noChangeAspect="1"/>
+          </p:cNvPicPr>
+          <p:nvPr/>
+        </p:nvPicPr>
+        <p:blipFill rotWithShape="1">
+          <a:blip r:embed="rId2">
+            <a:clrChange>
+              <a:clrFrom>
+                <a:srgbClr val="FFFFFF"/>
+              </a:clrFrom>
+              <a:clrTo>
+                <a:srgbClr val="FFFFFF">
+                  <a:alpha val="0"/>
+                </a:srgbClr>
+              </a:clrTo>
+            </a:clrChange>
+            <a:extLst>
+              <a:ext uri="{28A0092B-C50C-407E-A947-70E740481C1C}">
+                <a14:useLocalDpi xmlns:a14="http://schemas.microsoft.com/office/drawing/2010/main" val="0"/>
+              </a:ext>
+            </a:extLst>
+          </a:blip>
+          <a:srcRect t="7519"/>
+          <a:stretch/>
+        </p:blipFill>
+        <p:spPr>
+          <a:xfrm>
+            <a:off x="4339746" y="188474"/>
+            <a:ext cx="7007971" cy="6481052"/>
+          </a:xfrm>
+          <a:prstGeom prst="rect">
+            <a:avLst/>
+          </a:prstGeom>
+        </p:spPr>
+      </p:pic>
+      <p:sp>
+        <p:nvSpPr>
+          <p:cNvPr id="4" name="TextBox 3">
+            <a:extLst>
+              <a:ext uri="{FF2B5EF4-FFF2-40B4-BE49-F238E27FC236}">
+                <a16:creationId xmlns:a16="http://schemas.microsoft.com/office/drawing/2014/main" id="{A55BB3F9-4677-4B87-8535-8EB4190CB055}"/>
               </a:ext>
             </a:extLst>
           </p:cNvPr>
@@ -7084,8 +8038,8 @@
         </p:nvSpPr>
         <p:spPr>
           <a:xfrm>
-            <a:off x="609600" y="1997839"/>
-            <a:ext cx="10972799" cy="2862322"/>
+            <a:off x="2117200" y="1629786"/>
+            <a:ext cx="2646485" cy="646331"/>
           </a:xfrm>
           <a:prstGeom prst="rect">
             <a:avLst/>
@@ -7098,9 +8052,8 @@
           </a:bodyPr>
           <a:lstStyle/>
           <a:p>
-            <a:pPr algn="ctr"/>
-            <a:r>
-              <a:rPr lang="en-CA" sz="6000" dirty="0">
+            <a:r>
+              <a:rPr lang="en-CA" dirty="0">
                 <a:solidFill>
                   <a:schemeClr val="tx1">
                     <a:lumMod val="75000"/>
@@ -7109,19 +8062,41 @@
                 </a:solidFill>
                 <a:latin typeface="Gloria Hallelujah" panose="02000000000000000000" pitchFamily="2" charset="0"/>
               </a:rPr>
-              <a:t>I would </a:t>
-            </a:r>
-            <a:r>
-              <a:rPr lang="en-CA" sz="6000" dirty="0">
-                <a:solidFill>
-                  <a:srgbClr val="C00000"/>
-                </a:solidFill>
-                <a:latin typeface="Gloria Hallelujah" panose="02000000000000000000" pitchFamily="2" charset="0"/>
-              </a:rPr>
-              <a:t>never</a:t>
-            </a:r>
-            <a:r>
-              <a:rPr lang="en-CA" sz="6000" dirty="0">
+              <a:t>Add text and arrow annotations</a:t>
+            </a:r>
+          </a:p>
+        </p:txBody>
+      </p:sp>
+      <p:sp>
+        <p:nvSpPr>
+          <p:cNvPr id="7" name="TextBox 6">
+            <a:extLst>
+              <a:ext uri="{FF2B5EF4-FFF2-40B4-BE49-F238E27FC236}">
+                <a16:creationId xmlns:a16="http://schemas.microsoft.com/office/drawing/2014/main" id="{06562EC9-5435-4D00-92B8-2683264EB738}"/>
+              </a:ext>
+            </a:extLst>
+          </p:cNvPr>
+          <p:cNvSpPr txBox="1"/>
+          <p:nvPr/>
+        </p:nvSpPr>
+        <p:spPr>
+          <a:xfrm>
+            <a:off x="2620271" y="3826490"/>
+            <a:ext cx="2646485" cy="646331"/>
+          </a:xfrm>
+          <a:prstGeom prst="rect">
+            <a:avLst/>
+          </a:prstGeom>
+          <a:noFill/>
+        </p:spPr>
+        <p:txBody>
+          <a:bodyPr wrap="square" rtlCol="0">
+            <a:spAutoFit/>
+          </a:bodyPr>
+          <a:lstStyle/>
+          <a:p>
+            <a:r>
+              <a:rPr lang="en-CA" dirty="0">
                 <a:solidFill>
                   <a:schemeClr val="tx1">
                     <a:lumMod val="75000"/>
@@ -7130,16 +8105,98 @@
                 </a:solidFill>
                 <a:latin typeface="Gloria Hallelujah" panose="02000000000000000000" pitchFamily="2" charset="0"/>
               </a:rPr>
-              <a:t> put this much effort into analyzing </a:t>
-            </a:r>
-            <a:r>
-              <a:rPr lang="en-CA" sz="6000" dirty="0">
-                <a:solidFill>
-                  <a:srgbClr val="C00000"/>
+              <a:t>Make an interactive chart with {</a:t>
+            </a:r>
+            <a:r>
+              <a:rPr lang="en-CA" dirty="0" err="1">
+                <a:solidFill>
+                  <a:schemeClr val="tx1">
+                    <a:lumMod val="75000"/>
+                    <a:lumOff val="25000"/>
+                  </a:schemeClr>
                 </a:solidFill>
                 <a:latin typeface="Gloria Hallelujah" panose="02000000000000000000" pitchFamily="2" charset="0"/>
               </a:rPr>
-              <a:t>Titanic passengers</a:t>
+              <a:t>plotly</a:t>
+            </a:r>
+            <a:r>
+              <a:rPr lang="en-CA" dirty="0">
+                <a:solidFill>
+                  <a:schemeClr val="tx1">
+                    <a:lumMod val="75000"/>
+                    <a:lumOff val="25000"/>
+                  </a:schemeClr>
+                </a:solidFill>
+                <a:latin typeface="Gloria Hallelujah" panose="02000000000000000000" pitchFamily="2" charset="0"/>
+              </a:rPr>
+              <a:t>}</a:t>
+            </a:r>
+          </a:p>
+        </p:txBody>
+      </p:sp>
+      <p:sp>
+        <p:nvSpPr>
+          <p:cNvPr id="6" name="TextBox 5">
+            <a:extLst>
+              <a:ext uri="{FF2B5EF4-FFF2-40B4-BE49-F238E27FC236}">
+                <a16:creationId xmlns:a16="http://schemas.microsoft.com/office/drawing/2014/main" id="{50632CD7-3EC0-471B-9DEC-5FDA32CDEEFF}"/>
+              </a:ext>
+            </a:extLst>
+          </p:cNvPr>
+          <p:cNvSpPr txBox="1"/>
+          <p:nvPr/>
+        </p:nvSpPr>
+        <p:spPr>
+          <a:xfrm>
+            <a:off x="2400681" y="227479"/>
+            <a:ext cx="2767450" cy="923330"/>
+          </a:xfrm>
+          <a:prstGeom prst="rect">
+            <a:avLst/>
+          </a:prstGeom>
+          <a:noFill/>
+        </p:spPr>
+        <p:txBody>
+          <a:bodyPr wrap="square" rtlCol="0">
+            <a:spAutoFit/>
+          </a:bodyPr>
+          <a:lstStyle/>
+          <a:p>
+            <a:r>
+              <a:rPr lang="en-CA" dirty="0">
+                <a:solidFill>
+                  <a:schemeClr val="tx1">
+                    <a:lumMod val="75000"/>
+                    <a:lumOff val="25000"/>
+                  </a:schemeClr>
+                </a:solidFill>
+                <a:latin typeface="Gloria Hallelujah" panose="02000000000000000000" pitchFamily="2" charset="0"/>
+              </a:rPr>
+              <a:t>Conduct Principal Component Analysis (PCA) with {</a:t>
+            </a:r>
+            <a:r>
+              <a:rPr lang="en-CA" dirty="0" err="1">
+                <a:solidFill>
+                  <a:schemeClr val="tx1">
+                    <a:lumMod val="75000"/>
+                    <a:lumOff val="25000"/>
+                  </a:schemeClr>
+                </a:solidFill>
+                <a:latin typeface="Gloria Hallelujah" panose="02000000000000000000" pitchFamily="2" charset="0"/>
+              </a:rPr>
+              <a:t>tidymodels</a:t>
+            </a:r>
+            <a:r>
+              <a:rPr lang="en-CA" dirty="0">
+                <a:solidFill>
+                  <a:schemeClr val="tx1">
+                    <a:lumMod val="75000"/>
+                    <a:lumOff val="25000"/>
+                  </a:schemeClr>
+                </a:solidFill>
+                <a:latin typeface="Gloria Hallelujah" panose="02000000000000000000" pitchFamily="2" charset="0"/>
+              </a:rPr>
+              <a:t>}</a:t>
             </a:r>
           </a:p>
         </p:txBody>
@@ -7147,7 +8204,7 @@
     </p:spTree>
     <p:extLst>
       <p:ext uri="{BB962C8B-B14F-4D97-AF65-F5344CB8AC3E}">
-        <p14:creationId xmlns:p14="http://schemas.microsoft.com/office/powerpoint/2010/main" val="31698302"/>
+        <p14:creationId xmlns:p14="http://schemas.microsoft.com/office/powerpoint/2010/main" val="3607923333"/>
       </p:ext>
     </p:extLst>
   </p:cSld>
@@ -7174,122 +8231,54 @@
           <a:chExt cx="0" cy="0"/>
         </a:xfrm>
       </p:grpSpPr>
-      <p:pic>
-        <p:nvPicPr>
-          <p:cNvPr id="2050" name="Picture 2">
-            <a:extLst>
-              <a:ext uri="{FF2B5EF4-FFF2-40B4-BE49-F238E27FC236}">
-                <a16:creationId xmlns:a16="http://schemas.microsoft.com/office/drawing/2014/main" id="{3B388826-4446-4BC8-AEFC-F427971C7939}"/>
-              </a:ext>
-            </a:extLst>
-          </p:cNvPr>
-          <p:cNvPicPr>
-            <a:picLocks noChangeAspect="1" noChangeArrowheads="1"/>
-          </p:cNvPicPr>
+      <p:sp>
+        <p:nvSpPr>
+          <p:cNvPr id="8" name="TextBox 7">
+            <a:extLst>
+              <a:ext uri="{FF2B5EF4-FFF2-40B4-BE49-F238E27FC236}">
+                <a16:creationId xmlns:a16="http://schemas.microsoft.com/office/drawing/2014/main" id="{4FD667B5-2D1E-4ABF-92E8-324096A6768B}"/>
+              </a:ext>
+            </a:extLst>
+          </p:cNvPr>
+          <p:cNvSpPr txBox="1"/>
           <p:nvPr/>
-        </p:nvPicPr>
-        <p:blipFill>
-          <a:blip r:embed="rId2">
-            <a:clrChange>
-              <a:clrFrom>
-                <a:srgbClr val="FFFFFF"/>
-              </a:clrFrom>
-              <a:clrTo>
-                <a:srgbClr val="FFFFFF">
-                  <a:alpha val="0"/>
-                </a:srgbClr>
-              </a:clrTo>
-            </a:clrChange>
-            <a:extLst>
-              <a:ext uri="{28A0092B-C50C-407E-A947-70E740481C1C}">
-                <a14:useLocalDpi xmlns:a14="http://schemas.microsoft.com/office/drawing/2010/main" val="0"/>
-              </a:ext>
-            </a:extLst>
-          </a:blip>
-          <a:srcRect/>
-          <a:stretch>
-            <a:fillRect/>
-          </a:stretch>
-        </p:blipFill>
-        <p:spPr bwMode="auto">
+        </p:nvSpPr>
+        <p:spPr>
           <a:xfrm>
-            <a:off x="2660650" y="0"/>
-            <a:ext cx="6870700" cy="6858000"/>
+            <a:off x="609600" y="2921168"/>
+            <a:ext cx="10972799" cy="1015663"/>
           </a:xfrm>
           <a:prstGeom prst="rect">
             <a:avLst/>
           </a:prstGeom>
           <a:noFill/>
-          <a:extLst>
-            <a:ext uri="{909E8E84-426E-40DD-AFC4-6F175D3DCCD1}">
-              <a14:hiddenFill xmlns:a14="http://schemas.microsoft.com/office/drawing/2010/main">
-                <a:solidFill>
-                  <a:srgbClr val="FFFFFF"/>
-                </a:solidFill>
-              </a14:hiddenFill>
-            </a:ext>
-          </a:extLst>
-        </p:spPr>
-      </p:pic>
-      <p:sp>
-        <p:nvSpPr>
-          <p:cNvPr id="6" name="TextBox 5">
-            <a:extLst>
-              <a:ext uri="{FF2B5EF4-FFF2-40B4-BE49-F238E27FC236}">
-                <a16:creationId xmlns:a16="http://schemas.microsoft.com/office/drawing/2014/main" id="{CDB6E26B-7856-4DE5-B430-3DA0A266CDA9}"/>
-              </a:ext>
-            </a:extLst>
-          </p:cNvPr>
-          <p:cNvSpPr txBox="1"/>
-          <p:nvPr/>
-        </p:nvSpPr>
-        <p:spPr>
-          <a:xfrm>
-            <a:off x="0" y="6550223"/>
-            <a:ext cx="2268570" cy="307777"/>
-          </a:xfrm>
-          <a:prstGeom prst="rect">
-            <a:avLst/>
-          </a:prstGeom>
-          <a:noFill/>
-        </p:spPr>
-        <p:txBody>
-          <a:bodyPr wrap="none" rtlCol="0">
+        </p:spPr>
+        <p:txBody>
+          <a:bodyPr wrap="square" rtlCol="0">
             <a:spAutoFit/>
           </a:bodyPr>
           <a:lstStyle/>
           <a:p>
-            <a:r>
-              <a:rPr lang="en-CA" sz="1400" b="0" i="0" dirty="0">
+            <a:pPr algn="ctr"/>
+            <a:r>
+              <a:rPr lang="en-CA" sz="6000" dirty="0">
                 <a:solidFill>
                   <a:schemeClr val="tx1">
-                    <a:lumMod val="65000"/>
-                    <a:lumOff val="35000"/>
+                    <a:lumMod val="75000"/>
+                    <a:lumOff val="25000"/>
                   </a:schemeClr>
                 </a:solidFill>
-                <a:effectLst/>
-                <a:latin typeface="Arial" panose="020B0604020202020204" pitchFamily="34" charset="0"/>
-                <a:cs typeface="Arial" panose="020B0604020202020204" pitchFamily="34" charset="0"/>
-              </a:rPr>
-              <a:t>Artwork by @allison_horst</a:t>
-            </a:r>
-            <a:endParaRPr lang="en-CA" sz="1400" dirty="0">
-              <a:solidFill>
-                <a:schemeClr val="tx1">
-                  <a:lumMod val="65000"/>
-                  <a:lumOff val="35000"/>
-                </a:schemeClr>
-              </a:solidFill>
-              <a:latin typeface="Arial" panose="020B0604020202020204" pitchFamily="34" charset="0"/>
-              <a:cs typeface="Arial" panose="020B0604020202020204" pitchFamily="34" charset="0"/>
-            </a:endParaRPr>
+                <a:latin typeface="Gloria Hallelujah" panose="02000000000000000000" pitchFamily="2" charset="0"/>
+              </a:rPr>
+              <a:t>I’ll be honest…</a:t>
+            </a:r>
           </a:p>
         </p:txBody>
       </p:sp>
     </p:spTree>
     <p:extLst>
       <p:ext uri="{BB962C8B-B14F-4D97-AF65-F5344CB8AC3E}">
-        <p14:creationId xmlns:p14="http://schemas.microsoft.com/office/powerpoint/2010/main" val="3701987092"/>
+        <p14:creationId xmlns:p14="http://schemas.microsoft.com/office/powerpoint/2010/main" val="2261388882"/>
       </p:ext>
     </p:extLst>
   </p:cSld>
@@ -7316,6 +8305,110 @@
           <a:chExt cx="0" cy="0"/>
         </a:xfrm>
       </p:grpSpPr>
+      <p:sp>
+        <p:nvSpPr>
+          <p:cNvPr id="8" name="TextBox 7">
+            <a:extLst>
+              <a:ext uri="{FF2B5EF4-FFF2-40B4-BE49-F238E27FC236}">
+                <a16:creationId xmlns:a16="http://schemas.microsoft.com/office/drawing/2014/main" id="{4FD667B5-2D1E-4ABF-92E8-324096A6768B}"/>
+              </a:ext>
+            </a:extLst>
+          </p:cNvPr>
+          <p:cNvSpPr txBox="1"/>
+          <p:nvPr/>
+        </p:nvSpPr>
+        <p:spPr>
+          <a:xfrm>
+            <a:off x="609600" y="1997839"/>
+            <a:ext cx="10972799" cy="2862322"/>
+          </a:xfrm>
+          <a:prstGeom prst="rect">
+            <a:avLst/>
+          </a:prstGeom>
+          <a:noFill/>
+        </p:spPr>
+        <p:txBody>
+          <a:bodyPr wrap="square" rtlCol="0">
+            <a:spAutoFit/>
+          </a:bodyPr>
+          <a:lstStyle/>
+          <a:p>
+            <a:pPr algn="ctr"/>
+            <a:r>
+              <a:rPr lang="en-CA" sz="6000" dirty="0">
+                <a:solidFill>
+                  <a:schemeClr val="tx1">
+                    <a:lumMod val="75000"/>
+                    <a:lumOff val="25000"/>
+                  </a:schemeClr>
+                </a:solidFill>
+                <a:latin typeface="Gloria Hallelujah" panose="02000000000000000000" pitchFamily="2" charset="0"/>
+              </a:rPr>
+              <a:t>I would </a:t>
+            </a:r>
+            <a:r>
+              <a:rPr lang="en-CA" sz="6000" dirty="0">
+                <a:solidFill>
+                  <a:srgbClr val="C00000"/>
+                </a:solidFill>
+                <a:latin typeface="Gloria Hallelujah" panose="02000000000000000000" pitchFamily="2" charset="0"/>
+              </a:rPr>
+              <a:t>never</a:t>
+            </a:r>
+            <a:r>
+              <a:rPr lang="en-CA" sz="6000" dirty="0">
+                <a:solidFill>
+                  <a:schemeClr val="tx1">
+                    <a:lumMod val="75000"/>
+                    <a:lumOff val="25000"/>
+                  </a:schemeClr>
+                </a:solidFill>
+                <a:latin typeface="Gloria Hallelujah" panose="02000000000000000000" pitchFamily="2" charset="0"/>
+              </a:rPr>
+              <a:t> put this much effort into analyzing </a:t>
+            </a:r>
+            <a:r>
+              <a:rPr lang="en-CA" sz="6000" dirty="0">
+                <a:solidFill>
+                  <a:srgbClr val="C00000"/>
+                </a:solidFill>
+                <a:latin typeface="Gloria Hallelujah" panose="02000000000000000000" pitchFamily="2" charset="0"/>
+              </a:rPr>
+              <a:t>Titanic passengers</a:t>
+            </a:r>
+          </a:p>
+        </p:txBody>
+      </p:sp>
+    </p:spTree>
+    <p:extLst>
+      <p:ext uri="{BB962C8B-B14F-4D97-AF65-F5344CB8AC3E}">
+        <p14:creationId xmlns:p14="http://schemas.microsoft.com/office/powerpoint/2010/main" val="31698302"/>
+      </p:ext>
+    </p:extLst>
+  </p:cSld>
+  <p:clrMapOvr>
+    <a:masterClrMapping/>
+  </p:clrMapOvr>
+</p:sld>
+</file>
+
+<file path=ppt/slides/slide29.xml><?xml version="1.0" encoding="utf-8"?>
+<p:sld xmlns:a="http://schemas.openxmlformats.org/drawingml/2006/main" xmlns:r="http://schemas.openxmlformats.org/officeDocument/2006/relationships" xmlns:p="http://schemas.openxmlformats.org/presentationml/2006/main">
+  <p:cSld>
+    <p:spTree>
+      <p:nvGrpSpPr>
+        <p:cNvPr id="1" name=""/>
+        <p:cNvGrpSpPr/>
+        <p:nvPr/>
+      </p:nvGrpSpPr>
+      <p:grpSpPr>
+        <a:xfrm>
+          <a:off x="0" y="0"/>
+          <a:ext cx="0" cy="0"/>
+          <a:chOff x="0" y="0"/>
+          <a:chExt cx="0" cy="0"/>
+        </a:xfrm>
+      </p:grpSpPr>
       <p:pic>
         <p:nvPicPr>
           <p:cNvPr id="2050" name="Picture 2">
@@ -7375,6 +8468,383 @@
       </p:pic>
       <p:sp>
         <p:nvSpPr>
+          <p:cNvPr id="4" name="TextBox 3">
+            <a:extLst>
+              <a:ext uri="{FF2B5EF4-FFF2-40B4-BE49-F238E27FC236}">
+                <a16:creationId xmlns:a16="http://schemas.microsoft.com/office/drawing/2014/main" id="{6BB08BAF-C36A-450D-AE50-26095E87F52B}"/>
+              </a:ext>
+            </a:extLst>
+          </p:cNvPr>
+          <p:cNvSpPr txBox="1"/>
+          <p:nvPr/>
+        </p:nvSpPr>
+        <p:spPr>
+          <a:xfrm>
+            <a:off x="0" y="6550223"/>
+            <a:ext cx="2329484" cy="307777"/>
+          </a:xfrm>
+          <a:prstGeom prst="rect">
+            <a:avLst/>
+          </a:prstGeom>
+          <a:noFill/>
+        </p:spPr>
+        <p:txBody>
+          <a:bodyPr wrap="none" rtlCol="0">
+            <a:spAutoFit/>
+          </a:bodyPr>
+          <a:lstStyle/>
+          <a:p>
+            <a:r>
+              <a:rPr lang="en-CA" sz="1400" b="0" i="0" dirty="0">
+                <a:solidFill>
+                  <a:schemeClr val="tx1">
+                    <a:lumMod val="65000"/>
+                    <a:lumOff val="35000"/>
+                  </a:schemeClr>
+                </a:solidFill>
+                <a:effectLst/>
+                <a:latin typeface="Bahnschrift Light" panose="020B0502040204020203" pitchFamily="34" charset="0"/>
+                <a:cs typeface="Arial" panose="020B0604020202020204" pitchFamily="34" charset="0"/>
+              </a:rPr>
+              <a:t>Artwork by @allison_horst</a:t>
+            </a:r>
+            <a:endParaRPr lang="en-CA" sz="1400" dirty="0">
+              <a:solidFill>
+                <a:schemeClr val="tx1">
+                  <a:lumMod val="65000"/>
+                  <a:lumOff val="35000"/>
+                </a:schemeClr>
+              </a:solidFill>
+              <a:latin typeface="Bahnschrift Light" panose="020B0502040204020203" pitchFamily="34" charset="0"/>
+              <a:cs typeface="Arial" panose="020B0604020202020204" pitchFamily="34" charset="0"/>
+            </a:endParaRPr>
+          </a:p>
+        </p:txBody>
+      </p:sp>
+    </p:spTree>
+    <p:extLst>
+      <p:ext uri="{BB962C8B-B14F-4D97-AF65-F5344CB8AC3E}">
+        <p14:creationId xmlns:p14="http://schemas.microsoft.com/office/powerpoint/2010/main" val="3701987092"/>
+      </p:ext>
+    </p:extLst>
+  </p:cSld>
+  <p:clrMapOvr>
+    <a:masterClrMapping/>
+  </p:clrMapOvr>
+</p:sld>
+</file>
+
+<file path=ppt/slides/slide3.xml><?xml version="1.0" encoding="utf-8"?>
+<p:sld xmlns:a="http://schemas.openxmlformats.org/drawingml/2006/main" xmlns:r="http://schemas.openxmlformats.org/officeDocument/2006/relationships" xmlns:p="http://schemas.openxmlformats.org/presentationml/2006/main">
+  <p:cSld>
+    <p:spTree>
+      <p:nvGrpSpPr>
+        <p:cNvPr id="1" name=""/>
+        <p:cNvGrpSpPr/>
+        <p:nvPr/>
+      </p:nvGrpSpPr>
+      <p:grpSpPr>
+        <a:xfrm>
+          <a:off x="0" y="0"/>
+          <a:ext cx="0" cy="0"/>
+          <a:chOff x="0" y="0"/>
+          <a:chExt cx="0" cy="0"/>
+        </a:xfrm>
+      </p:grpSpPr>
+      <p:sp>
+        <p:nvSpPr>
+          <p:cNvPr id="8" name="TextBox 7">
+            <a:extLst>
+              <a:ext uri="{FF2B5EF4-FFF2-40B4-BE49-F238E27FC236}">
+                <a16:creationId xmlns:a16="http://schemas.microsoft.com/office/drawing/2014/main" id="{4FD667B5-2D1E-4ABF-92E8-324096A6768B}"/>
+              </a:ext>
+            </a:extLst>
+          </p:cNvPr>
+          <p:cNvSpPr txBox="1"/>
+          <p:nvPr/>
+        </p:nvSpPr>
+        <p:spPr>
+          <a:xfrm>
+            <a:off x="1591068" y="1817665"/>
+            <a:ext cx="9009864" cy="1938992"/>
+          </a:xfrm>
+          <a:prstGeom prst="rect">
+            <a:avLst/>
+          </a:prstGeom>
+          <a:noFill/>
+        </p:spPr>
+        <p:txBody>
+          <a:bodyPr wrap="square" rtlCol="0">
+            <a:spAutoFit/>
+          </a:bodyPr>
+          <a:lstStyle/>
+          <a:p>
+            <a:pPr algn="ctr"/>
+            <a:r>
+              <a:rPr lang="en-CA" sz="6000" dirty="0">
+                <a:solidFill>
+                  <a:schemeClr val="tx1">
+                    <a:lumMod val="75000"/>
+                    <a:lumOff val="25000"/>
+                  </a:schemeClr>
+                </a:solidFill>
+                <a:latin typeface="Gloria Hallelujah" panose="02000000000000000000" pitchFamily="2" charset="0"/>
+              </a:rPr>
+              <a:t>How do I </a:t>
+            </a:r>
+            <a:r>
+              <a:rPr lang="en-CA" sz="6000" dirty="0">
+                <a:solidFill>
+                  <a:srgbClr val="C00000"/>
+                </a:solidFill>
+                <a:latin typeface="Gloria Hallelujah" panose="02000000000000000000" pitchFamily="2" charset="0"/>
+              </a:rPr>
+              <a:t>learn</a:t>
+            </a:r>
+            <a:r>
+              <a:rPr lang="en-CA" sz="6000" dirty="0">
+                <a:solidFill>
+                  <a:schemeClr val="tx1">
+                    <a:lumMod val="75000"/>
+                    <a:lumOff val="25000"/>
+                  </a:schemeClr>
+                </a:solidFill>
+                <a:latin typeface="Gloria Hallelujah" panose="02000000000000000000" pitchFamily="2" charset="0"/>
+              </a:rPr>
+              <a:t> how to do </a:t>
+            </a:r>
+            <a:r>
+              <a:rPr lang="en-CA" sz="6000" dirty="0">
+                <a:solidFill>
+                  <a:srgbClr val="C00000"/>
+                </a:solidFill>
+                <a:latin typeface="Gloria Hallelujah" panose="02000000000000000000" pitchFamily="2" charset="0"/>
+              </a:rPr>
+              <a:t>[thing]</a:t>
+            </a:r>
+            <a:r>
+              <a:rPr lang="en-CA" sz="6000" dirty="0">
+                <a:solidFill>
+                  <a:schemeClr val="tx1">
+                    <a:lumMod val="75000"/>
+                    <a:lumOff val="25000"/>
+                  </a:schemeClr>
+                </a:solidFill>
+                <a:latin typeface="Gloria Hallelujah" panose="02000000000000000000" pitchFamily="2" charset="0"/>
+              </a:rPr>
+              <a:t> in R?</a:t>
+            </a:r>
+          </a:p>
+        </p:txBody>
+      </p:sp>
+      <p:sp>
+        <p:nvSpPr>
+          <p:cNvPr id="3" name="TextBox 2">
+            <a:extLst>
+              <a:ext uri="{FF2B5EF4-FFF2-40B4-BE49-F238E27FC236}">
+                <a16:creationId xmlns:a16="http://schemas.microsoft.com/office/drawing/2014/main" id="{E1D6C372-B3EC-4038-B247-0D79F609BFF8}"/>
+              </a:ext>
+            </a:extLst>
+          </p:cNvPr>
+          <p:cNvSpPr txBox="1"/>
+          <p:nvPr/>
+        </p:nvSpPr>
+        <p:spPr>
+          <a:xfrm>
+            <a:off x="3176951" y="3844580"/>
+            <a:ext cx="4859555" cy="2816156"/>
+          </a:xfrm>
+          <a:prstGeom prst="rect">
+            <a:avLst/>
+          </a:prstGeom>
+          <a:noFill/>
+        </p:spPr>
+        <p:txBody>
+          <a:bodyPr wrap="square" rtlCol="0">
+            <a:spAutoFit/>
+          </a:bodyPr>
+          <a:lstStyle/>
+          <a:p>
+            <a:pPr algn="ctr">
+              <a:lnSpc>
+                <a:spcPct val="150000"/>
+              </a:lnSpc>
+            </a:pPr>
+            <a:r>
+              <a:rPr lang="en-CA" sz="2400" dirty="0">
+                <a:solidFill>
+                  <a:schemeClr val="bg1">
+                    <a:lumMod val="50000"/>
+                  </a:schemeClr>
+                </a:solidFill>
+                <a:latin typeface="Gloria Hallelujah" panose="02000000000000000000" pitchFamily="2" charset="0"/>
+              </a:rPr>
+              <a:t>[ sentiment analysis ]</a:t>
+            </a:r>
+          </a:p>
+          <a:p>
+            <a:pPr algn="ctr">
+              <a:lnSpc>
+                <a:spcPct val="150000"/>
+              </a:lnSpc>
+            </a:pPr>
+            <a:r>
+              <a:rPr lang="en-CA" sz="2400" dirty="0">
+                <a:solidFill>
+                  <a:schemeClr val="bg1">
+                    <a:lumMod val="50000"/>
+                  </a:schemeClr>
+                </a:solidFill>
+                <a:latin typeface="Gloria Hallelujah" panose="02000000000000000000" pitchFamily="2" charset="0"/>
+              </a:rPr>
+              <a:t>[ data visualization ]</a:t>
+            </a:r>
+          </a:p>
+          <a:p>
+            <a:pPr algn="ctr">
+              <a:lnSpc>
+                <a:spcPct val="150000"/>
+              </a:lnSpc>
+            </a:pPr>
+            <a:r>
+              <a:rPr lang="en-CA" sz="2400" dirty="0">
+                <a:solidFill>
+                  <a:schemeClr val="bg1">
+                    <a:lumMod val="50000"/>
+                  </a:schemeClr>
+                </a:solidFill>
+                <a:latin typeface="Gloria Hallelujah" panose="02000000000000000000" pitchFamily="2" charset="0"/>
+              </a:rPr>
+              <a:t>[ web scraping ]</a:t>
+            </a:r>
+          </a:p>
+          <a:p>
+            <a:pPr algn="ctr">
+              <a:lnSpc>
+                <a:spcPct val="150000"/>
+              </a:lnSpc>
+            </a:pPr>
+            <a:r>
+              <a:rPr lang="en-CA" sz="2400" dirty="0">
+                <a:solidFill>
+                  <a:schemeClr val="bg1">
+                    <a:lumMod val="50000"/>
+                  </a:schemeClr>
+                </a:solidFill>
+                <a:latin typeface="Gloria Hallelujah" panose="02000000000000000000" pitchFamily="2" charset="0"/>
+              </a:rPr>
+              <a:t>[ forecasting ]</a:t>
+            </a:r>
+          </a:p>
+          <a:p>
+            <a:pPr algn="ctr">
+              <a:lnSpc>
+                <a:spcPct val="150000"/>
+              </a:lnSpc>
+            </a:pPr>
+            <a:r>
+              <a:rPr lang="en-CA" sz="2400" dirty="0">
+                <a:solidFill>
+                  <a:schemeClr val="bg1">
+                    <a:lumMod val="50000"/>
+                  </a:schemeClr>
+                </a:solidFill>
+                <a:latin typeface="Gloria Hallelujah" panose="02000000000000000000" pitchFamily="2" charset="0"/>
+              </a:rPr>
+              <a:t>[ … ]</a:t>
+            </a:r>
+          </a:p>
+        </p:txBody>
+      </p:sp>
+    </p:spTree>
+    <p:extLst>
+      <p:ext uri="{BB962C8B-B14F-4D97-AF65-F5344CB8AC3E}">
+        <p14:creationId xmlns:p14="http://schemas.microsoft.com/office/powerpoint/2010/main" val="3554160811"/>
+      </p:ext>
+    </p:extLst>
+  </p:cSld>
+  <p:clrMapOvr>
+    <a:masterClrMapping/>
+  </p:clrMapOvr>
+</p:sld>
+</file>
+
+<file path=ppt/slides/slide30.xml><?xml version="1.0" encoding="utf-8"?>
+<p:sld xmlns:a="http://schemas.openxmlformats.org/drawingml/2006/main" xmlns:r="http://schemas.openxmlformats.org/officeDocument/2006/relationships" xmlns:p="http://schemas.openxmlformats.org/presentationml/2006/main">
+  <p:cSld>
+    <p:spTree>
+      <p:nvGrpSpPr>
+        <p:cNvPr id="1" name=""/>
+        <p:cNvGrpSpPr/>
+        <p:nvPr/>
+      </p:nvGrpSpPr>
+      <p:grpSpPr>
+        <a:xfrm>
+          <a:off x="0" y="0"/>
+          <a:ext cx="0" cy="0"/>
+          <a:chOff x="0" y="0"/>
+          <a:chExt cx="0" cy="0"/>
+        </a:xfrm>
+      </p:grpSpPr>
+      <p:pic>
+        <p:nvPicPr>
+          <p:cNvPr id="2050" name="Picture 2">
+            <a:extLst>
+              <a:ext uri="{FF2B5EF4-FFF2-40B4-BE49-F238E27FC236}">
+                <a16:creationId xmlns:a16="http://schemas.microsoft.com/office/drawing/2014/main" id="{3B388826-4446-4BC8-AEFC-F427971C7939}"/>
+              </a:ext>
+            </a:extLst>
+          </p:cNvPr>
+          <p:cNvPicPr>
+            <a:picLocks noChangeAspect="1" noChangeArrowheads="1"/>
+          </p:cNvPicPr>
+          <p:nvPr/>
+        </p:nvPicPr>
+        <p:blipFill>
+          <a:blip r:embed="rId2">
+            <a:clrChange>
+              <a:clrFrom>
+                <a:srgbClr val="FFFFFF"/>
+              </a:clrFrom>
+              <a:clrTo>
+                <a:srgbClr val="FFFFFF">
+                  <a:alpha val="0"/>
+                </a:srgbClr>
+              </a:clrTo>
+            </a:clrChange>
+            <a:extLst>
+              <a:ext uri="{28A0092B-C50C-407E-A947-70E740481C1C}">
+                <a14:useLocalDpi xmlns:a14="http://schemas.microsoft.com/office/drawing/2010/main" val="0"/>
+              </a:ext>
+            </a:extLst>
+          </a:blip>
+          <a:srcRect/>
+          <a:stretch>
+            <a:fillRect/>
+          </a:stretch>
+        </p:blipFill>
+        <p:spPr bwMode="auto">
+          <a:xfrm>
+            <a:off x="2660650" y="0"/>
+            <a:ext cx="6870700" cy="6858000"/>
+          </a:xfrm>
+          <a:prstGeom prst="rect">
+            <a:avLst/>
+          </a:prstGeom>
+          <a:noFill/>
+          <a:extLst>
+            <a:ext uri="{909E8E84-426E-40DD-AFC4-6F175D3DCCD1}">
+              <a14:hiddenFill xmlns:a14="http://schemas.microsoft.com/office/drawing/2010/main">
+                <a:solidFill>
+                  <a:srgbClr val="FFFFFF"/>
+                </a:solidFill>
+              </a14:hiddenFill>
+            </a:ext>
+          </a:extLst>
+        </p:spPr>
+      </p:pic>
+      <p:sp>
+        <p:nvSpPr>
           <p:cNvPr id="2" name="TextBox 1">
             <a:extLst>
               <a:ext uri="{FF2B5EF4-FFF2-40B4-BE49-F238E27FC236}">
@@ -7419,10 +8889,10 @@
       </p:sp>
       <p:sp>
         <p:nvSpPr>
-          <p:cNvPr id="6" name="TextBox 5">
-            <a:extLst>
-              <a:ext uri="{FF2B5EF4-FFF2-40B4-BE49-F238E27FC236}">
-                <a16:creationId xmlns:a16="http://schemas.microsoft.com/office/drawing/2014/main" id="{5015452F-AB4A-4112-90F0-C05FDBA7E03A}"/>
+          <p:cNvPr id="5" name="TextBox 4">
+            <a:extLst>
+              <a:ext uri="{FF2B5EF4-FFF2-40B4-BE49-F238E27FC236}">
+                <a16:creationId xmlns:a16="http://schemas.microsoft.com/office/drawing/2014/main" id="{41447A9E-9468-49B5-802C-DFFE57D53F90}"/>
               </a:ext>
             </a:extLst>
           </p:cNvPr>
@@ -7432,7 +8902,7 @@
         <p:spPr>
           <a:xfrm>
             <a:off x="0" y="6550223"/>
-            <a:ext cx="2268570" cy="307777"/>
+            <a:ext cx="2329484" cy="307777"/>
           </a:xfrm>
           <a:prstGeom prst="rect">
             <a:avLst/>
@@ -7454,7 +8924,7 @@
                   </a:schemeClr>
                 </a:solidFill>
                 <a:effectLst/>
-                <a:latin typeface="Arial" panose="020B0604020202020204" pitchFamily="34" charset="0"/>
+                <a:latin typeface="Bahnschrift Light" panose="020B0502040204020203" pitchFamily="34" charset="0"/>
                 <a:cs typeface="Arial" panose="020B0604020202020204" pitchFamily="34" charset="0"/>
               </a:rPr>
               <a:t>Artwork by @allison_horst</a:t>
@@ -7466,7 +8936,7 @@
                   <a:lumOff val="35000"/>
                 </a:schemeClr>
               </a:solidFill>
-              <a:latin typeface="Arial" panose="020B0604020202020204" pitchFamily="34" charset="0"/>
+              <a:latin typeface="Bahnschrift Light" panose="020B0502040204020203" pitchFamily="34" charset="0"/>
               <a:cs typeface="Arial" panose="020B0604020202020204" pitchFamily="34" charset="0"/>
             </a:endParaRPr>
           </a:p>
@@ -7574,7 +9044,7 @@
 </p:sld>
 </file>
 
-<file path=ppt/slides/slide29.xml><?xml version="1.0" encoding="utf-8"?>
+<file path=ppt/slides/slide31.xml><?xml version="1.0" encoding="utf-8"?>
 <p:sld xmlns:a="http://schemas.openxmlformats.org/drawingml/2006/main" xmlns:r="http://schemas.openxmlformats.org/officeDocument/2006/relationships" xmlns:p="http://schemas.openxmlformats.org/presentationml/2006/main">
   <p:cSld>
     <p:spTree>
@@ -7607,14 +9077,29 @@
             <p:ph type="ctrTitle"/>
           </p:nvPr>
         </p:nvSpPr>
-        <p:spPr/>
-        <p:txBody>
-          <a:bodyPr/>
-          <a:lstStyle/>
-          <a:p>
-            <a:r>
-              <a:rPr lang="en-CA" dirty="0"/>
-              <a:t>The power of Great™ datasets</a:t>
+        <p:spPr>
+          <a:xfrm>
+            <a:off x="492369" y="1122363"/>
+            <a:ext cx="11157439" cy="2387600"/>
+          </a:xfrm>
+        </p:spPr>
+        <p:txBody>
+          <a:bodyPr>
+            <a:normAutofit/>
+          </a:bodyPr>
+          <a:lstStyle/>
+          <a:p>
+            <a:r>
+              <a:rPr lang="en-CA" dirty="0">
+                <a:solidFill>
+                  <a:schemeClr val="tx1">
+                    <a:lumMod val="75000"/>
+                    <a:lumOff val="25000"/>
+                  </a:schemeClr>
+                </a:solidFill>
+                <a:latin typeface="Bahnschrift" panose="020B0502040204020203" pitchFamily="34" charset="0"/>
+              </a:rPr>
+              <a:t>The Power of Great Datasets</a:t>
             </a:r>
           </a:p>
         </p:txBody>
@@ -7635,164 +9120,235 @@
             <p:ph type="subTitle" idx="1"/>
           </p:nvPr>
         </p:nvSpPr>
-        <p:spPr/>
-        <p:txBody>
-          <a:bodyPr/>
-          <a:lstStyle/>
-          <a:p>
-            <a:r>
-              <a:rPr lang="en-CA" dirty="0"/>
+        <p:spPr>
+          <a:xfrm>
+            <a:off x="1524000" y="4255477"/>
+            <a:ext cx="9144000" cy="2154115"/>
+          </a:xfrm>
+        </p:spPr>
+        <p:txBody>
+          <a:bodyPr>
+            <a:normAutofit fontScale="92500" lnSpcReduction="20000"/>
+          </a:bodyPr>
+          <a:lstStyle/>
+          <a:p>
+            <a:pPr algn="l"/>
+            <a:r>
+              <a:rPr lang="en-CA" sz="2600" dirty="0">
+                <a:solidFill>
+                  <a:schemeClr val="tx1">
+                    <a:lumMod val="75000"/>
+                    <a:lumOff val="25000"/>
+                  </a:schemeClr>
+                </a:solidFill>
+                <a:latin typeface="Bahnschrift" panose="020B0502040204020203" pitchFamily="34" charset="0"/>
+              </a:rPr>
               <a:t>Alex Cookson</a:t>
             </a:r>
           </a:p>
-        </p:txBody>
-      </p:sp>
-    </p:spTree>
-    <p:extLst>
-      <p:ext uri="{BB962C8B-B14F-4D97-AF65-F5344CB8AC3E}">
-        <p14:creationId xmlns:p14="http://schemas.microsoft.com/office/powerpoint/2010/main" val="213783869"/>
-      </p:ext>
-    </p:extLst>
-  </p:cSld>
-  <p:clrMapOvr>
-    <a:masterClrMapping/>
-  </p:clrMapOvr>
-</p:sld>
-</file>
-
-<file path=ppt/slides/slide3.xml><?xml version="1.0" encoding="utf-8"?>
-<p:sld xmlns:a="http://schemas.openxmlformats.org/drawingml/2006/main" xmlns:r="http://schemas.openxmlformats.org/officeDocument/2006/relationships" xmlns:p="http://schemas.openxmlformats.org/presentationml/2006/main">
-  <p:cSld>
-    <p:spTree>
-      <p:nvGrpSpPr>
-        <p:cNvPr id="1" name=""/>
-        <p:cNvGrpSpPr/>
-        <p:nvPr/>
-      </p:nvGrpSpPr>
-      <p:grpSpPr>
-        <a:xfrm>
-          <a:off x="0" y="0"/>
-          <a:ext cx="0" cy="0"/>
-          <a:chOff x="0" y="0"/>
-          <a:chExt cx="0" cy="0"/>
-        </a:xfrm>
-      </p:grpSpPr>
+          <a:p>
+            <a:endParaRPr lang="en-CA" dirty="0">
+              <a:solidFill>
+                <a:schemeClr val="tx1">
+                  <a:lumMod val="75000"/>
+                  <a:lumOff val="25000"/>
+                </a:schemeClr>
+              </a:solidFill>
+              <a:latin typeface="Bahnschrift Light" panose="020B0502040204020203" pitchFamily="34" charset="0"/>
+            </a:endParaRPr>
+          </a:p>
+          <a:p>
+            <a:pPr algn="l"/>
+            <a:r>
+              <a:rPr lang="en-CA" dirty="0">
+                <a:solidFill>
+                  <a:schemeClr val="tx1">
+                    <a:lumMod val="75000"/>
+                    <a:lumOff val="25000"/>
+                  </a:schemeClr>
+                </a:solidFill>
+                <a:latin typeface="Bahnschrift Light" panose="020B0502040204020203" pitchFamily="34" charset="0"/>
+              </a:rPr>
+              <a:t>       @alexcookson</a:t>
+            </a:r>
+          </a:p>
+          <a:p>
+            <a:pPr algn="l"/>
+            <a:r>
+              <a:rPr lang="en-CA" dirty="0">
+                <a:solidFill>
+                  <a:schemeClr val="tx1">
+                    <a:lumMod val="75000"/>
+                    <a:lumOff val="25000"/>
+                  </a:schemeClr>
+                </a:solidFill>
+                <a:latin typeface="Bahnschrift Light" panose="020B0502040204020203" pitchFamily="34" charset="0"/>
+              </a:rPr>
+              <a:t>       </a:t>
+            </a:r>
+            <a:r>
+              <a:rPr lang="en-CA" dirty="0" err="1">
+                <a:solidFill>
+                  <a:schemeClr val="tx1">
+                    <a:lumMod val="75000"/>
+                    <a:lumOff val="25000"/>
+                  </a:schemeClr>
+                </a:solidFill>
+                <a:latin typeface="Bahnschrift Light" panose="020B0502040204020203" pitchFamily="34" charset="0"/>
+              </a:rPr>
+              <a:t>tacookson</a:t>
+            </a:r>
+            <a:endParaRPr lang="en-CA" dirty="0">
+              <a:solidFill>
+                <a:schemeClr val="tx1">
+                  <a:lumMod val="75000"/>
+                  <a:lumOff val="25000"/>
+                </a:schemeClr>
+              </a:solidFill>
+              <a:latin typeface="Bahnschrift Light" panose="020B0502040204020203" pitchFamily="34" charset="0"/>
+            </a:endParaRPr>
+          </a:p>
+          <a:p>
+            <a:pPr algn="l"/>
+            <a:endParaRPr lang="en-CA" dirty="0">
+              <a:solidFill>
+                <a:schemeClr val="tx1">
+                  <a:lumMod val="75000"/>
+                  <a:lumOff val="25000"/>
+                </a:schemeClr>
+              </a:solidFill>
+              <a:latin typeface="Bahnschrift Light" panose="020B0502040204020203" pitchFamily="34" charset="0"/>
+            </a:endParaRPr>
+          </a:p>
+          <a:p>
+            <a:pPr algn="l"/>
+            <a:r>
+              <a:rPr lang="en-CA" sz="1500" dirty="0">
+                <a:solidFill>
+                  <a:schemeClr val="tx1">
+                    <a:lumMod val="75000"/>
+                    <a:lumOff val="25000"/>
+                  </a:schemeClr>
+                </a:solidFill>
+                <a:latin typeface="Bahnschrift Light" panose="020B0502040204020203" pitchFamily="34" charset="0"/>
+              </a:rPr>
+              <a:t>Thank You Allison Horst for the amazing illustration</a:t>
+            </a:r>
+          </a:p>
+        </p:txBody>
+      </p:sp>
       <p:pic>
         <p:nvPicPr>
-          <p:cNvPr id="2050" name="Picture 2">
-            <a:extLst>
-              <a:ext uri="{FF2B5EF4-FFF2-40B4-BE49-F238E27FC236}">
-                <a16:creationId xmlns:a16="http://schemas.microsoft.com/office/drawing/2014/main" id="{3B388826-4446-4BC8-AEFC-F427971C7939}"/>
+          <p:cNvPr id="7" name="Picture 6">
+            <a:extLst>
+              <a:ext uri="{FF2B5EF4-FFF2-40B4-BE49-F238E27FC236}">
+                <a16:creationId xmlns:a16="http://schemas.microsoft.com/office/drawing/2014/main" id="{92673A86-C079-4393-BD7B-276A975C4318}"/>
               </a:ext>
             </a:extLst>
           </p:cNvPr>
           <p:cNvPicPr>
-            <a:picLocks noChangeAspect="1" noChangeArrowheads="1"/>
+            <a:picLocks noChangeAspect="1"/>
           </p:cNvPicPr>
           <p:nvPr/>
         </p:nvPicPr>
         <p:blipFill>
           <a:blip r:embed="rId2">
-            <a:clrChange>
-              <a:clrFrom>
-                <a:srgbClr val="FFFFFF"/>
-              </a:clrFrom>
-              <a:clrTo>
-                <a:srgbClr val="FFFFFF">
-                  <a:alpha val="0"/>
-                </a:srgbClr>
-              </a:clrTo>
-            </a:clrChange>
             <a:extLst>
               <a:ext uri="{28A0092B-C50C-407E-A947-70E740481C1C}">
                 <a14:useLocalDpi xmlns:a14="http://schemas.microsoft.com/office/drawing/2010/main" val="0"/>
               </a:ext>
             </a:extLst>
           </a:blip>
-          <a:srcRect/>
           <a:stretch>
             <a:fillRect/>
           </a:stretch>
         </p:blipFill>
-        <p:spPr bwMode="auto">
+        <p:spPr>
           <a:xfrm>
-            <a:off x="2660650" y="0"/>
-            <a:ext cx="6870700" cy="6858000"/>
+            <a:off x="1649645" y="5351584"/>
+            <a:ext cx="284087" cy="284087"/>
           </a:xfrm>
           <a:prstGeom prst="rect">
             <a:avLst/>
           </a:prstGeom>
-          <a:noFill/>
-          <a:extLst>
-            <a:ext uri="{909E8E84-426E-40DD-AFC4-6F175D3DCCD1}">
-              <a14:hiddenFill xmlns:a14="http://schemas.microsoft.com/office/drawing/2010/main">
-                <a:solidFill>
-                  <a:srgbClr val="FFFFFF"/>
-                </a:solidFill>
-              </a14:hiddenFill>
-            </a:ext>
-          </a:extLst>
         </p:spPr>
       </p:pic>
-      <p:sp>
-        <p:nvSpPr>
-          <p:cNvPr id="5" name="TextBox 4">
-            <a:extLst>
-              <a:ext uri="{FF2B5EF4-FFF2-40B4-BE49-F238E27FC236}">
-                <a16:creationId xmlns:a16="http://schemas.microsoft.com/office/drawing/2014/main" id="{4EEF8942-4CDD-4393-854D-4C20E0B457C2}"/>
-              </a:ext>
-            </a:extLst>
-          </p:cNvPr>
-          <p:cNvSpPr txBox="1"/>
+      <p:pic>
+        <p:nvPicPr>
+          <p:cNvPr id="9" name="Picture 8">
+            <a:extLst>
+              <a:ext uri="{FF2B5EF4-FFF2-40B4-BE49-F238E27FC236}">
+                <a16:creationId xmlns:a16="http://schemas.microsoft.com/office/drawing/2014/main" id="{C7FE7711-ACCF-426E-829E-223B1DD0A5B0}"/>
+              </a:ext>
+            </a:extLst>
+          </p:cNvPr>
+          <p:cNvPicPr>
+            <a:picLocks noChangeAspect="1"/>
+          </p:cNvPicPr>
           <p:nvPr/>
-        </p:nvSpPr>
+        </p:nvPicPr>
+        <p:blipFill>
+          <a:blip r:embed="rId3">
+            <a:extLst>
+              <a:ext uri="{28A0092B-C50C-407E-A947-70E740481C1C}">
+                <a14:useLocalDpi xmlns:a14="http://schemas.microsoft.com/office/drawing/2010/main" val="0"/>
+              </a:ext>
+            </a:extLst>
+          </a:blip>
+          <a:stretch>
+            <a:fillRect/>
+          </a:stretch>
+        </p:blipFill>
         <p:spPr>
           <a:xfrm>
-            <a:off x="0" y="6550223"/>
-            <a:ext cx="2268570" cy="307777"/>
+            <a:off x="1649488" y="4970622"/>
+            <a:ext cx="284400" cy="284400"/>
           </a:xfrm>
           <a:prstGeom prst="rect">
             <a:avLst/>
           </a:prstGeom>
-          <a:noFill/>
-        </p:spPr>
-        <p:txBody>
-          <a:bodyPr wrap="none" rtlCol="0">
-            <a:spAutoFit/>
-          </a:bodyPr>
-          <a:lstStyle/>
-          <a:p>
-            <a:r>
-              <a:rPr lang="en-CA" sz="1400" b="0" i="0" dirty="0">
-                <a:solidFill>
-                  <a:schemeClr val="tx1">
-                    <a:lumMod val="65000"/>
-                    <a:lumOff val="35000"/>
-                  </a:schemeClr>
-                </a:solidFill>
-                <a:effectLst/>
-                <a:latin typeface="Arial" panose="020B0604020202020204" pitchFamily="34" charset="0"/>
-                <a:cs typeface="Arial" panose="020B0604020202020204" pitchFamily="34" charset="0"/>
-              </a:rPr>
-              <a:t>Artwork by @allison_horst</a:t>
-            </a:r>
-            <a:endParaRPr lang="en-CA" sz="1400" dirty="0">
-              <a:solidFill>
-                <a:schemeClr val="tx1">
-                  <a:lumMod val="65000"/>
-                  <a:lumOff val="35000"/>
-                </a:schemeClr>
-              </a:solidFill>
-              <a:latin typeface="Arial" panose="020B0604020202020204" pitchFamily="34" charset="0"/>
-              <a:cs typeface="Arial" panose="020B0604020202020204" pitchFamily="34" charset="0"/>
-            </a:endParaRPr>
-          </a:p>
-        </p:txBody>
-      </p:sp>
+        </p:spPr>
+      </p:pic>
+      <p:pic>
+        <p:nvPicPr>
+          <p:cNvPr id="5" name="Picture 4" descr="Shape, arrow&#10;&#10;Description automatically generated">
+            <a:extLst>
+              <a:ext uri="{FF2B5EF4-FFF2-40B4-BE49-F238E27FC236}">
+                <a16:creationId xmlns:a16="http://schemas.microsoft.com/office/drawing/2014/main" id="{97805194-5538-4F22-83DC-03E09C24E0FB}"/>
+              </a:ext>
+            </a:extLst>
+          </p:cNvPr>
+          <p:cNvPicPr>
+            <a:picLocks noChangeAspect="1"/>
+          </p:cNvPicPr>
+          <p:nvPr/>
+        </p:nvPicPr>
+        <p:blipFill>
+          <a:blip r:embed="rId4">
+            <a:extLst>
+              <a:ext uri="{28A0092B-C50C-407E-A947-70E740481C1C}">
+                <a14:useLocalDpi xmlns:a14="http://schemas.microsoft.com/office/drawing/2010/main" val="0"/>
+              </a:ext>
+            </a:extLst>
+          </a:blip>
+          <a:stretch>
+            <a:fillRect/>
+          </a:stretch>
+        </p:blipFill>
+        <p:spPr>
+          <a:xfrm>
+            <a:off x="5761892" y="6086475"/>
+            <a:ext cx="193268" cy="193268"/>
+          </a:xfrm>
+          <a:prstGeom prst="rect">
+            <a:avLst/>
+          </a:prstGeom>
+        </p:spPr>
+      </p:pic>
     </p:spTree>
     <p:extLst>
       <p:ext uri="{BB962C8B-B14F-4D97-AF65-F5344CB8AC3E}">
-        <p14:creationId xmlns:p14="http://schemas.microsoft.com/office/powerpoint/2010/main" val="983369647"/>
+        <p14:creationId xmlns:p14="http://schemas.microsoft.com/office/powerpoint/2010/main" val="3131530099"/>
       </p:ext>
     </p:extLst>
   </p:cSld>
@@ -7819,71 +9375,69 @@
           <a:chExt cx="0" cy="0"/>
         </a:xfrm>
       </p:grpSpPr>
-      <p:sp>
-        <p:nvSpPr>
-          <p:cNvPr id="8" name="TextBox 7">
-            <a:extLst>
-              <a:ext uri="{FF2B5EF4-FFF2-40B4-BE49-F238E27FC236}">
-                <a16:creationId xmlns:a16="http://schemas.microsoft.com/office/drawing/2014/main" id="{4FD667B5-2D1E-4ABF-92E8-324096A6768B}"/>
-              </a:ext>
-            </a:extLst>
-          </p:cNvPr>
-          <p:cNvSpPr txBox="1"/>
+      <p:pic>
+        <p:nvPicPr>
+          <p:cNvPr id="2050" name="Picture 2">
+            <a:extLst>
+              <a:ext uri="{FF2B5EF4-FFF2-40B4-BE49-F238E27FC236}">
+                <a16:creationId xmlns:a16="http://schemas.microsoft.com/office/drawing/2014/main" id="{3B388826-4446-4BC8-AEFC-F427971C7939}"/>
+              </a:ext>
+            </a:extLst>
+          </p:cNvPr>
+          <p:cNvPicPr>
+            <a:picLocks noChangeAspect="1" noChangeArrowheads="1"/>
+          </p:cNvPicPr>
           <p:nvPr/>
-        </p:nvSpPr>
-        <p:spPr>
+        </p:nvPicPr>
+        <p:blipFill>
+          <a:blip r:embed="rId2">
+            <a:clrChange>
+              <a:clrFrom>
+                <a:srgbClr val="FFFFFF"/>
+              </a:clrFrom>
+              <a:clrTo>
+                <a:srgbClr val="FFFFFF">
+                  <a:alpha val="0"/>
+                </a:srgbClr>
+              </a:clrTo>
+            </a:clrChange>
+            <a:extLst>
+              <a:ext uri="{28A0092B-C50C-407E-A947-70E740481C1C}">
+                <a14:useLocalDpi xmlns:a14="http://schemas.microsoft.com/office/drawing/2010/main" val="0"/>
+              </a:ext>
+            </a:extLst>
+          </a:blip>
+          <a:srcRect/>
+          <a:stretch>
+            <a:fillRect/>
+          </a:stretch>
+        </p:blipFill>
+        <p:spPr bwMode="auto">
           <a:xfrm>
-            <a:off x="1591068" y="907438"/>
-            <a:ext cx="9009864" cy="1107996"/>
+            <a:off x="2660650" y="0"/>
+            <a:ext cx="6870700" cy="6858000"/>
           </a:xfrm>
           <a:prstGeom prst="rect">
             <a:avLst/>
           </a:prstGeom>
           <a:noFill/>
-        </p:spPr>
-        <p:txBody>
-          <a:bodyPr wrap="square" rtlCol="0">
-            <a:spAutoFit/>
-          </a:bodyPr>
-          <a:lstStyle/>
-          <a:p>
-            <a:pPr algn="ctr"/>
-            <a:r>
-              <a:rPr lang="en-CA" sz="6600" dirty="0">
-                <a:solidFill>
-                  <a:schemeClr val="tx1">
-                    <a:lumMod val="75000"/>
-                    <a:lumOff val="25000"/>
-                  </a:schemeClr>
-                </a:solidFill>
-                <a:latin typeface="Gloria Hallelujah" panose="02000000000000000000" pitchFamily="2" charset="0"/>
-              </a:rPr>
-              <a:t>Great Datasets </a:t>
-            </a:r>
-            <a:r>
-              <a:rPr lang="en-CA" sz="6600" dirty="0">
-                <a:solidFill>
-                  <a:srgbClr val="EEEEE6"/>
-                </a:solidFill>
-                <a:latin typeface="Gloria Hallelujah" panose="02000000000000000000" pitchFamily="2" charset="0"/>
-              </a:rPr>
-              <a:t>are</a:t>
-            </a:r>
-            <a:endParaRPr lang="en-CA" sz="8800" dirty="0">
-              <a:solidFill>
-                <a:srgbClr val="EEEEE6"/>
-              </a:solidFill>
-              <a:latin typeface="African" pitchFamily="2" charset="0"/>
-            </a:endParaRPr>
-          </a:p>
-        </p:txBody>
-      </p:sp>
-      <p:sp>
-        <p:nvSpPr>
-          <p:cNvPr id="3" name="TextBox 2">
-            <a:extLst>
-              <a:ext uri="{FF2B5EF4-FFF2-40B4-BE49-F238E27FC236}">
-                <a16:creationId xmlns:a16="http://schemas.microsoft.com/office/drawing/2014/main" id="{72FEADBC-154A-4EDF-A151-6452EE3A0D30}"/>
+          <a:extLst>
+            <a:ext uri="{909E8E84-426E-40DD-AFC4-6F175D3DCCD1}">
+              <a14:hiddenFill xmlns:a14="http://schemas.microsoft.com/office/drawing/2010/main">
+                <a:solidFill>
+                  <a:srgbClr val="FFFFFF"/>
+                </a:solidFill>
+              </a14:hiddenFill>
+            </a:ext>
+          </a:extLst>
+        </p:spPr>
+      </p:pic>
+      <p:sp>
+        <p:nvSpPr>
+          <p:cNvPr id="5" name="TextBox 4">
+            <a:extLst>
+              <a:ext uri="{FF2B5EF4-FFF2-40B4-BE49-F238E27FC236}">
+                <a16:creationId xmlns:a16="http://schemas.microsoft.com/office/drawing/2014/main" id="{4EEF8942-4CDD-4393-854D-4C20E0B457C2}"/>
               </a:ext>
             </a:extLst>
           </p:cNvPr>
@@ -7891,9 +9445,9 @@
           <p:nvPr/>
         </p:nvSpPr>
         <p:spPr>
-          <a:xfrm rot="20922437">
-            <a:off x="-184703" y="413530"/>
-            <a:ext cx="3551539" cy="523220"/>
+          <a:xfrm>
+            <a:off x="0" y="6550223"/>
+            <a:ext cx="2329484" cy="307777"/>
           </a:xfrm>
           <a:prstGeom prst="rect">
             <a:avLst/>
@@ -7901,79 +9455,34 @@
           <a:noFill/>
         </p:spPr>
         <p:txBody>
-          <a:bodyPr wrap="square" rtlCol="0">
+          <a:bodyPr wrap="none" rtlCol="0">
             <a:spAutoFit/>
           </a:bodyPr>
           <a:lstStyle/>
           <a:p>
-            <a:pPr algn="ctr"/>
-            <a:r>
-              <a:rPr lang="en-CA" sz="2800" dirty="0">
+            <a:r>
+              <a:rPr lang="en-CA" sz="1400" b="0" i="0" dirty="0">
                 <a:solidFill>
                   <a:schemeClr val="tx1">
-                    <a:lumMod val="75000"/>
-                    <a:lumOff val="25000"/>
+                    <a:lumMod val="65000"/>
+                    <a:lumOff val="35000"/>
                   </a:schemeClr>
                 </a:solidFill>
-                <a:latin typeface="Gloria Hallelujah" panose="02000000000000000000" pitchFamily="2" charset="0"/>
-              </a:rPr>
-              <a:t>What about</a:t>
-            </a:r>
-            <a:endParaRPr lang="en-CA" sz="4000" dirty="0">
+                <a:effectLst/>
+                <a:latin typeface="Bahnschrift Light" panose="020B0502040204020203" pitchFamily="34" charset="0"/>
+                <a:cs typeface="Arial" panose="020B0604020202020204" pitchFamily="34" charset="0"/>
+              </a:rPr>
+              <a:t>Artwork by @allison_horst</a:t>
+            </a:r>
+            <a:endParaRPr lang="en-CA" sz="1400" dirty="0">
               <a:solidFill>
-                <a:srgbClr val="EEEEE6"/>
+                <a:schemeClr val="tx1">
+                  <a:lumMod val="65000"/>
+                  <a:lumOff val="35000"/>
+                </a:schemeClr>
               </a:solidFill>
-              <a:latin typeface="African" pitchFamily="2" charset="0"/>
-            </a:endParaRPr>
-          </a:p>
-        </p:txBody>
-      </p:sp>
-      <p:sp>
-        <p:nvSpPr>
-          <p:cNvPr id="4" name="TextBox 3">
-            <a:extLst>
-              <a:ext uri="{FF2B5EF4-FFF2-40B4-BE49-F238E27FC236}">
-                <a16:creationId xmlns:a16="http://schemas.microsoft.com/office/drawing/2014/main" id="{AAB6DF84-ABC9-4D22-AADD-BA07FA88C4B9}"/>
-              </a:ext>
-            </a:extLst>
-          </p:cNvPr>
-          <p:cNvSpPr txBox="1"/>
-          <p:nvPr/>
-        </p:nvSpPr>
-        <p:spPr>
-          <a:xfrm rot="571903">
-            <a:off x="7098259" y="907438"/>
-            <a:ext cx="3551539" cy="1107996"/>
-          </a:xfrm>
-          <a:prstGeom prst="rect">
-            <a:avLst/>
-          </a:prstGeom>
-          <a:noFill/>
-        </p:spPr>
-        <p:txBody>
-          <a:bodyPr wrap="square" rtlCol="0">
-            <a:spAutoFit/>
-          </a:bodyPr>
-          <a:lstStyle/>
-          <a:p>
-            <a:pPr algn="ctr"/>
-            <a:r>
-              <a:rPr lang="en-CA" sz="6600" dirty="0">
-                <a:solidFill>
-                  <a:schemeClr val="tx1">
-                    <a:lumMod val="75000"/>
-                    <a:lumOff val="25000"/>
-                  </a:schemeClr>
-                </a:solidFill>
-                <a:latin typeface="Gloria Hallelujah" panose="02000000000000000000" pitchFamily="2" charset="0"/>
-              </a:rPr>
-              <a:t>?</a:t>
-            </a:r>
-            <a:endParaRPr lang="en-CA" sz="6600" dirty="0">
-              <a:solidFill>
-                <a:srgbClr val="EEEEE6"/>
-              </a:solidFill>
-              <a:latin typeface="African" pitchFamily="2" charset="0"/>
+              <a:latin typeface="Bahnschrift Light" panose="020B0502040204020203" pitchFamily="34" charset="0"/>
+              <a:cs typeface="Arial" panose="020B0604020202020204" pitchFamily="34" charset="0"/>
             </a:endParaRPr>
           </a:p>
         </p:txBody>
@@ -7981,7 +9490,7 @@
     </p:spTree>
     <p:extLst>
       <p:ext uri="{BB962C8B-B14F-4D97-AF65-F5344CB8AC3E}">
-        <p14:creationId xmlns:p14="http://schemas.microsoft.com/office/powerpoint/2010/main" val="3472372612"/>
+        <p14:creationId xmlns:p14="http://schemas.microsoft.com/office/powerpoint/2010/main" val="983369647"/>
       </p:ext>
     </p:extLst>
   </p:cSld>
@@ -8022,8 +9531,8 @@
         </p:nvSpPr>
         <p:spPr>
           <a:xfrm>
-            <a:off x="1591068" y="951398"/>
-            <a:ext cx="9009864" cy="2462213"/>
+            <a:off x="1591068" y="907438"/>
+            <a:ext cx="9009864" cy="1107996"/>
           </a:xfrm>
           <a:prstGeom prst="rect">
             <a:avLst/>
@@ -8047,24 +9556,130 @@
                 </a:solidFill>
                 <a:latin typeface="Gloria Hallelujah" panose="02000000000000000000" pitchFamily="2" charset="0"/>
               </a:rPr>
-              <a:t>Great Datasets are </a:t>
-            </a:r>
-            <a:r>
-              <a:rPr lang="en-CA" sz="8800" dirty="0">
-                <a:solidFill>
-                  <a:srgbClr val="0070C0"/>
-                </a:solidFill>
-                <a:latin typeface="African" pitchFamily="2" charset="0"/>
-              </a:rPr>
-              <a:t>COOL</a:t>
-            </a:r>
+              <a:t>Great Datasets </a:t>
+            </a:r>
+            <a:r>
+              <a:rPr lang="en-CA" sz="6600" dirty="0">
+                <a:solidFill>
+                  <a:srgbClr val="EEEEE6"/>
+                </a:solidFill>
+                <a:latin typeface="Gloria Hallelujah" panose="02000000000000000000" pitchFamily="2" charset="0"/>
+              </a:rPr>
+              <a:t>are</a:t>
+            </a:r>
+            <a:endParaRPr lang="en-CA" sz="8800" dirty="0">
+              <a:solidFill>
+                <a:srgbClr val="EEEEE6"/>
+              </a:solidFill>
+              <a:latin typeface="African" pitchFamily="2" charset="0"/>
+            </a:endParaRPr>
+          </a:p>
+        </p:txBody>
+      </p:sp>
+      <p:sp>
+        <p:nvSpPr>
+          <p:cNvPr id="3" name="TextBox 2">
+            <a:extLst>
+              <a:ext uri="{FF2B5EF4-FFF2-40B4-BE49-F238E27FC236}">
+                <a16:creationId xmlns:a16="http://schemas.microsoft.com/office/drawing/2014/main" id="{72FEADBC-154A-4EDF-A151-6452EE3A0D30}"/>
+              </a:ext>
+            </a:extLst>
+          </p:cNvPr>
+          <p:cNvSpPr txBox="1"/>
+          <p:nvPr/>
+        </p:nvSpPr>
+        <p:spPr>
+          <a:xfrm rot="20922437">
+            <a:off x="-184703" y="413530"/>
+            <a:ext cx="3551539" cy="523220"/>
+          </a:xfrm>
+          <a:prstGeom prst="rect">
+            <a:avLst/>
+          </a:prstGeom>
+          <a:noFill/>
+        </p:spPr>
+        <p:txBody>
+          <a:bodyPr wrap="square" rtlCol="0">
+            <a:spAutoFit/>
+          </a:bodyPr>
+          <a:lstStyle/>
+          <a:p>
+            <a:pPr algn="ctr"/>
+            <a:r>
+              <a:rPr lang="en-CA" sz="2800" dirty="0">
+                <a:solidFill>
+                  <a:schemeClr val="tx1">
+                    <a:lumMod val="75000"/>
+                    <a:lumOff val="25000"/>
+                  </a:schemeClr>
+                </a:solidFill>
+                <a:latin typeface="Gloria Hallelujah" panose="02000000000000000000" pitchFamily="2" charset="0"/>
+              </a:rPr>
+              <a:t>What about</a:t>
+            </a:r>
+            <a:endParaRPr lang="en-CA" sz="4000" dirty="0">
+              <a:solidFill>
+                <a:srgbClr val="EEEEE6"/>
+              </a:solidFill>
+              <a:latin typeface="African" pitchFamily="2" charset="0"/>
+            </a:endParaRPr>
+          </a:p>
+        </p:txBody>
+      </p:sp>
+      <p:sp>
+        <p:nvSpPr>
+          <p:cNvPr id="4" name="TextBox 3">
+            <a:extLst>
+              <a:ext uri="{FF2B5EF4-FFF2-40B4-BE49-F238E27FC236}">
+                <a16:creationId xmlns:a16="http://schemas.microsoft.com/office/drawing/2014/main" id="{AAB6DF84-ABC9-4D22-AADD-BA07FA88C4B9}"/>
+              </a:ext>
+            </a:extLst>
+          </p:cNvPr>
+          <p:cNvSpPr txBox="1"/>
+          <p:nvPr/>
+        </p:nvSpPr>
+        <p:spPr>
+          <a:xfrm rot="571903">
+            <a:off x="7098259" y="907438"/>
+            <a:ext cx="3551539" cy="1107996"/>
+          </a:xfrm>
+          <a:prstGeom prst="rect">
+            <a:avLst/>
+          </a:prstGeom>
+          <a:noFill/>
+        </p:spPr>
+        <p:txBody>
+          <a:bodyPr wrap="square" rtlCol="0">
+            <a:spAutoFit/>
+          </a:bodyPr>
+          <a:lstStyle/>
+          <a:p>
+            <a:pPr algn="ctr"/>
+            <a:r>
+              <a:rPr lang="en-CA" sz="6600" dirty="0">
+                <a:solidFill>
+                  <a:schemeClr val="tx1">
+                    <a:lumMod val="75000"/>
+                    <a:lumOff val="25000"/>
+                  </a:schemeClr>
+                </a:solidFill>
+                <a:latin typeface="Gloria Hallelujah" panose="02000000000000000000" pitchFamily="2" charset="0"/>
+              </a:rPr>
+              <a:t>?</a:t>
+            </a:r>
+            <a:endParaRPr lang="en-CA" sz="6600" dirty="0">
+              <a:solidFill>
+                <a:srgbClr val="EEEEE6"/>
+              </a:solidFill>
+              <a:latin typeface="African" pitchFamily="2" charset="0"/>
+            </a:endParaRPr>
           </a:p>
         </p:txBody>
       </p:sp>
     </p:spTree>
     <p:extLst>
       <p:ext uri="{BB962C8B-B14F-4D97-AF65-F5344CB8AC3E}">
-        <p14:creationId xmlns:p14="http://schemas.microsoft.com/office/powerpoint/2010/main" val="1764625625"/>
+        <p14:creationId xmlns:p14="http://schemas.microsoft.com/office/powerpoint/2010/main" val="3472372612"/>
       </p:ext>
     </p:extLst>
   </p:cSld>
@@ -8106,7 +9721,7 @@
         <p:spPr>
           <a:xfrm>
             <a:off x="1591068" y="951398"/>
-            <a:ext cx="9009864" cy="5170646"/>
+            <a:ext cx="9009864" cy="2462213"/>
           </a:xfrm>
           <a:prstGeom prst="rect">
             <a:avLst/>
@@ -8142,47 +9757,12 @@
               <a:t>COOL</a:t>
             </a:r>
           </a:p>
-          <a:p>
-            <a:pPr algn="ctr">
-              <a:spcBef>
-                <a:spcPts val="1800"/>
-              </a:spcBef>
-            </a:pPr>
-            <a:r>
-              <a:rPr lang="en-CA" sz="6600" dirty="0">
-                <a:solidFill>
-                  <a:schemeClr val="tx1">
-                    <a:lumMod val="75000"/>
-                    <a:lumOff val="25000"/>
-                  </a:schemeClr>
-                </a:solidFill>
-                <a:latin typeface="Gloria Hallelujah" panose="02000000000000000000" pitchFamily="2" charset="0"/>
-              </a:rPr>
-              <a:t>and</a:t>
-            </a:r>
-          </a:p>
-          <a:p>
-            <a:pPr algn="ctr">
-              <a:spcBef>
-                <a:spcPts val="1800"/>
-              </a:spcBef>
-            </a:pPr>
-            <a:r>
-              <a:rPr lang="en-CA" sz="8000" dirty="0">
-                <a:solidFill>
-                  <a:srgbClr val="00823B"/>
-                </a:solidFill>
-                <a:latin typeface="Jokerman" panose="04090605060D06020702" pitchFamily="82" charset="0"/>
-              </a:rPr>
-              <a:t>INTERESTING</a:t>
-            </a:r>
-          </a:p>
         </p:txBody>
       </p:sp>
     </p:spTree>
     <p:extLst>
       <p:ext uri="{BB962C8B-B14F-4D97-AF65-F5344CB8AC3E}">
-        <p14:creationId xmlns:p14="http://schemas.microsoft.com/office/powerpoint/2010/main" val="2798112417"/>
+        <p14:creationId xmlns:p14="http://schemas.microsoft.com/office/powerpoint/2010/main" val="1764625625"/>
       </p:ext>
     </p:extLst>
   </p:cSld>
@@ -8241,8 +9821,9 @@
             <a:r>
               <a:rPr lang="en-CA" sz="6600" dirty="0">
                 <a:solidFill>
-                  <a:schemeClr val="bg1">
-                    <a:lumMod val="85000"/>
+                  <a:schemeClr val="tx1">
+                    <a:lumMod val="75000"/>
+                    <a:lumOff val="25000"/>
                   </a:schemeClr>
                 </a:solidFill>
                 <a:latin typeface="Gloria Hallelujah" panose="02000000000000000000" pitchFamily="2" charset="0"/>
@@ -8268,8 +9849,9 @@
             <a:r>
               <a:rPr lang="en-CA" sz="6600" dirty="0">
                 <a:solidFill>
-                  <a:schemeClr val="bg1">
-                    <a:lumMod val="85000"/>
+                  <a:schemeClr val="tx1">
+                    <a:lumMod val="75000"/>
+                    <a:lumOff val="25000"/>
                   </a:schemeClr>
                 </a:solidFill>
                 <a:latin typeface="Gloria Hallelujah" panose="02000000000000000000" pitchFamily="2" charset="0"/>
@@ -8286,9 +9868,7 @@
             <a:r>
               <a:rPr lang="en-CA" sz="8000" dirty="0">
                 <a:solidFill>
-                  <a:schemeClr val="bg1">
-                    <a:lumMod val="85000"/>
-                  </a:schemeClr>
+                  <a:srgbClr val="00823B"/>
                 </a:solidFill>
                 <a:latin typeface="Jokerman" panose="04090605060D06020702" pitchFamily="82" charset="0"/>
               </a:rPr>
@@ -8300,7 +9880,7 @@
     </p:spTree>
     <p:extLst>
       <p:ext uri="{BB962C8B-B14F-4D97-AF65-F5344CB8AC3E}">
-        <p14:creationId xmlns:p14="http://schemas.microsoft.com/office/powerpoint/2010/main" val="583793543"/>
+        <p14:creationId xmlns:p14="http://schemas.microsoft.com/office/powerpoint/2010/main" val="2798112417"/>
       </p:ext>
     </p:extLst>
   </p:cSld>
@@ -8415,139 +9995,10 @@
           </a:p>
         </p:txBody>
       </p:sp>
-      <p:sp>
-        <p:nvSpPr>
-          <p:cNvPr id="3" name="TextBox 2">
-            <a:extLst>
-              <a:ext uri="{FF2B5EF4-FFF2-40B4-BE49-F238E27FC236}">
-                <a16:creationId xmlns:a16="http://schemas.microsoft.com/office/drawing/2014/main" id="{ADBEAE3C-D8AE-4879-8C1D-E043A650AB01}"/>
-              </a:ext>
-            </a:extLst>
-          </p:cNvPr>
-          <p:cNvSpPr txBox="1"/>
-          <p:nvPr/>
-        </p:nvSpPr>
-        <p:spPr>
-          <a:xfrm>
-            <a:off x="2176964" y="3301280"/>
-            <a:ext cx="3143881" cy="954107"/>
-          </a:xfrm>
-          <a:prstGeom prst="rect">
-            <a:avLst/>
-          </a:prstGeom>
-          <a:noFill/>
-        </p:spPr>
-        <p:txBody>
-          <a:bodyPr wrap="square" rtlCol="0">
-            <a:spAutoFit/>
-          </a:bodyPr>
-          <a:lstStyle/>
-          <a:p>
-            <a:r>
-              <a:rPr lang="en-CA" sz="2800" dirty="0">
-                <a:solidFill>
-                  <a:schemeClr val="tx1">
-                    <a:lumMod val="75000"/>
-                    <a:lumOff val="25000"/>
-                  </a:schemeClr>
-                </a:solidFill>
-                <a:latin typeface="Gloria Hallelujah" panose="02000000000000000000" pitchFamily="2" charset="0"/>
-              </a:rPr>
-              <a:t>Speaks to you on a deeper level</a:t>
-            </a:r>
-          </a:p>
-        </p:txBody>
-      </p:sp>
-      <p:sp>
-        <p:nvSpPr>
-          <p:cNvPr id="4" name="TextBox 3">
-            <a:extLst>
-              <a:ext uri="{FF2B5EF4-FFF2-40B4-BE49-F238E27FC236}">
-                <a16:creationId xmlns:a16="http://schemas.microsoft.com/office/drawing/2014/main" id="{3C14B7F9-02E8-42CA-880B-1AA4D8E66FFC}"/>
-              </a:ext>
-            </a:extLst>
-          </p:cNvPr>
-          <p:cNvSpPr txBox="1"/>
-          <p:nvPr/>
-        </p:nvSpPr>
-        <p:spPr>
-          <a:xfrm>
-            <a:off x="8001009" y="2541070"/>
-            <a:ext cx="3009671" cy="1384995"/>
-          </a:xfrm>
-          <a:prstGeom prst="rect">
-            <a:avLst/>
-          </a:prstGeom>
-          <a:noFill/>
-        </p:spPr>
-        <p:txBody>
-          <a:bodyPr wrap="square" rtlCol="0">
-            <a:spAutoFit/>
-          </a:bodyPr>
-          <a:lstStyle/>
-          <a:p>
-            <a:r>
-              <a:rPr lang="en-CA" sz="2800" dirty="0">
-                <a:solidFill>
-                  <a:schemeClr val="tx1">
-                    <a:lumMod val="75000"/>
-                    <a:lumOff val="25000"/>
-                  </a:schemeClr>
-                </a:solidFill>
-                <a:latin typeface="Gloria Hallelujah" panose="02000000000000000000" pitchFamily="2" charset="0"/>
-              </a:rPr>
-              <a:t>Cool to me isn’t (necessarily) cool to you</a:t>
-            </a:r>
-          </a:p>
-        </p:txBody>
-      </p:sp>
-      <p:sp>
-        <p:nvSpPr>
-          <p:cNvPr id="5" name="TextBox 4">
-            <a:extLst>
-              <a:ext uri="{FF2B5EF4-FFF2-40B4-BE49-F238E27FC236}">
-                <a16:creationId xmlns:a16="http://schemas.microsoft.com/office/drawing/2014/main" id="{16777142-97C8-4909-86B5-76BFCBB780A1}"/>
-              </a:ext>
-            </a:extLst>
-          </p:cNvPr>
-          <p:cNvSpPr txBox="1"/>
-          <p:nvPr/>
-        </p:nvSpPr>
-        <p:spPr>
-          <a:xfrm>
-            <a:off x="2160206" y="2017850"/>
-            <a:ext cx="3641939" cy="523220"/>
-          </a:xfrm>
-          <a:prstGeom prst="rect">
-            <a:avLst/>
-          </a:prstGeom>
-          <a:noFill/>
-        </p:spPr>
-        <p:txBody>
-          <a:bodyPr wrap="square" rtlCol="0">
-            <a:spAutoFit/>
-          </a:bodyPr>
-          <a:lstStyle/>
-          <a:p>
-            <a:r>
-              <a:rPr lang="en-CA" sz="2800" dirty="0">
-                <a:solidFill>
-                  <a:schemeClr val="tx1">
-                    <a:lumMod val="75000"/>
-                    <a:lumOff val="25000"/>
-                  </a:schemeClr>
-                </a:solidFill>
-                <a:latin typeface="Gloria Hallelujah" panose="02000000000000000000" pitchFamily="2" charset="0"/>
-              </a:rPr>
-              <a:t>“That’s cool!”</a:t>
-            </a:r>
-          </a:p>
-        </p:txBody>
-      </p:sp>
     </p:spTree>
     <p:extLst>
       <p:ext uri="{BB962C8B-B14F-4D97-AF65-F5344CB8AC3E}">
-        <p14:creationId xmlns:p14="http://schemas.microsoft.com/office/powerpoint/2010/main" val="2205318407"/>
+        <p14:creationId xmlns:p14="http://schemas.microsoft.com/office/powerpoint/2010/main" val="583793543"/>
       </p:ext>
     </p:extLst>
   </p:cSld>
@@ -8617,9 +10068,7 @@
             <a:r>
               <a:rPr lang="en-CA" sz="8800" dirty="0">
                 <a:solidFill>
-                  <a:schemeClr val="bg1">
-                    <a:lumMod val="85000"/>
-                  </a:schemeClr>
+                  <a:srgbClr val="0070C0"/>
                 </a:solidFill>
                 <a:latin typeface="African" pitchFamily="2" charset="0"/>
               </a:rPr>
@@ -8653,11 +10102,142 @@
             <a:r>
               <a:rPr lang="en-CA" sz="8000" dirty="0">
                 <a:solidFill>
-                  <a:srgbClr val="00823B"/>
+                  <a:schemeClr val="bg1">
+                    <a:lumMod val="85000"/>
+                  </a:schemeClr>
                 </a:solidFill>
                 <a:latin typeface="Jokerman" panose="04090605060D06020702" pitchFamily="82" charset="0"/>
               </a:rPr>
               <a:t>INTERESTING</a:t>
+            </a:r>
+          </a:p>
+        </p:txBody>
+      </p:sp>
+      <p:sp>
+        <p:nvSpPr>
+          <p:cNvPr id="3" name="TextBox 2">
+            <a:extLst>
+              <a:ext uri="{FF2B5EF4-FFF2-40B4-BE49-F238E27FC236}">
+                <a16:creationId xmlns:a16="http://schemas.microsoft.com/office/drawing/2014/main" id="{ADBEAE3C-D8AE-4879-8C1D-E043A650AB01}"/>
+              </a:ext>
+            </a:extLst>
+          </p:cNvPr>
+          <p:cNvSpPr txBox="1"/>
+          <p:nvPr/>
+        </p:nvSpPr>
+        <p:spPr>
+          <a:xfrm>
+            <a:off x="2176964" y="3301280"/>
+            <a:ext cx="3143881" cy="954107"/>
+          </a:xfrm>
+          <a:prstGeom prst="rect">
+            <a:avLst/>
+          </a:prstGeom>
+          <a:noFill/>
+        </p:spPr>
+        <p:txBody>
+          <a:bodyPr wrap="square" rtlCol="0">
+            <a:spAutoFit/>
+          </a:bodyPr>
+          <a:lstStyle/>
+          <a:p>
+            <a:r>
+              <a:rPr lang="en-CA" sz="2800" dirty="0">
+                <a:solidFill>
+                  <a:schemeClr val="tx1">
+                    <a:lumMod val="75000"/>
+                    <a:lumOff val="25000"/>
+                  </a:schemeClr>
+                </a:solidFill>
+                <a:latin typeface="Gloria Hallelujah" panose="02000000000000000000" pitchFamily="2" charset="0"/>
+              </a:rPr>
+              <a:t>Speaks to you on a deeper level</a:t>
+            </a:r>
+          </a:p>
+        </p:txBody>
+      </p:sp>
+      <p:sp>
+        <p:nvSpPr>
+          <p:cNvPr id="4" name="TextBox 3">
+            <a:extLst>
+              <a:ext uri="{FF2B5EF4-FFF2-40B4-BE49-F238E27FC236}">
+                <a16:creationId xmlns:a16="http://schemas.microsoft.com/office/drawing/2014/main" id="{3C14B7F9-02E8-42CA-880B-1AA4D8E66FFC}"/>
+              </a:ext>
+            </a:extLst>
+          </p:cNvPr>
+          <p:cNvSpPr txBox="1"/>
+          <p:nvPr/>
+        </p:nvSpPr>
+        <p:spPr>
+          <a:xfrm>
+            <a:off x="8001009" y="2541070"/>
+            <a:ext cx="3009671" cy="1384995"/>
+          </a:xfrm>
+          <a:prstGeom prst="rect">
+            <a:avLst/>
+          </a:prstGeom>
+          <a:noFill/>
+        </p:spPr>
+        <p:txBody>
+          <a:bodyPr wrap="square" rtlCol="0">
+            <a:spAutoFit/>
+          </a:bodyPr>
+          <a:lstStyle/>
+          <a:p>
+            <a:r>
+              <a:rPr lang="en-CA" sz="2800" dirty="0">
+                <a:solidFill>
+                  <a:schemeClr val="tx1">
+                    <a:lumMod val="75000"/>
+                    <a:lumOff val="25000"/>
+                  </a:schemeClr>
+                </a:solidFill>
+                <a:latin typeface="Gloria Hallelujah" panose="02000000000000000000" pitchFamily="2" charset="0"/>
+              </a:rPr>
+              <a:t>Cool to me isn’t (necessarily) cool to you</a:t>
+            </a:r>
+          </a:p>
+        </p:txBody>
+      </p:sp>
+      <p:sp>
+        <p:nvSpPr>
+          <p:cNvPr id="5" name="TextBox 4">
+            <a:extLst>
+              <a:ext uri="{FF2B5EF4-FFF2-40B4-BE49-F238E27FC236}">
+                <a16:creationId xmlns:a16="http://schemas.microsoft.com/office/drawing/2014/main" id="{16777142-97C8-4909-86B5-76BFCBB780A1}"/>
+              </a:ext>
+            </a:extLst>
+          </p:cNvPr>
+          <p:cNvSpPr txBox="1"/>
+          <p:nvPr/>
+        </p:nvSpPr>
+        <p:spPr>
+          <a:xfrm>
+            <a:off x="2160206" y="2017850"/>
+            <a:ext cx="3641939" cy="523220"/>
+          </a:xfrm>
+          <a:prstGeom prst="rect">
+            <a:avLst/>
+          </a:prstGeom>
+          <a:noFill/>
+        </p:spPr>
+        <p:txBody>
+          <a:bodyPr wrap="square" rtlCol="0">
+            <a:spAutoFit/>
+          </a:bodyPr>
+          <a:lstStyle/>
+          <a:p>
+            <a:r>
+              <a:rPr lang="en-CA" sz="2800" dirty="0">
+                <a:solidFill>
+                  <a:schemeClr val="tx1">
+                    <a:lumMod val="75000"/>
+                    <a:lumOff val="25000"/>
+                  </a:schemeClr>
+                </a:solidFill>
+                <a:latin typeface="Gloria Hallelujah" panose="02000000000000000000" pitchFamily="2" charset="0"/>
+              </a:rPr>
+              <a:t>“That’s cool!”</a:t>
             </a:r>
           </a:p>
         </p:txBody>
@@ -8665,7 +10245,7 @@
     </p:spTree>
     <p:extLst>
       <p:ext uri="{BB962C8B-B14F-4D97-AF65-F5344CB8AC3E}">
-        <p14:creationId xmlns:p14="http://schemas.microsoft.com/office/powerpoint/2010/main" val="779240908"/>
+        <p14:creationId xmlns:p14="http://schemas.microsoft.com/office/powerpoint/2010/main" val="2205318407"/>
       </p:ext>
     </p:extLst>
   </p:cSld>
